--- a/Cy_00_IA/Chapitre_02_ReseauNeurones/images/Figures.pptx
+++ b/Cy_00_IA/Chapitre_02_ReseauNeurones/images/Figures.pptx
@@ -5,7 +5,7 @@
     <p:sldMasterId id="2147483648" r:id="rId1"/>
   </p:sldMasterIdLst>
   <p:notesMasterIdLst>
-    <p:notesMasterId r:id="rId22"/>
+    <p:notesMasterId r:id="rId23"/>
   </p:notesMasterIdLst>
   <p:sldIdLst>
     <p:sldId id="268" r:id="rId2"/>
@@ -15,19 +15,20 @@
     <p:sldId id="276" r:id="rId6"/>
     <p:sldId id="273" r:id="rId7"/>
     <p:sldId id="272" r:id="rId8"/>
-    <p:sldId id="271" r:id="rId9"/>
-    <p:sldId id="256" r:id="rId10"/>
-    <p:sldId id="258" r:id="rId11"/>
-    <p:sldId id="261" r:id="rId12"/>
-    <p:sldId id="267" r:id="rId13"/>
-    <p:sldId id="263" r:id="rId14"/>
-    <p:sldId id="259" r:id="rId15"/>
-    <p:sldId id="257" r:id="rId16"/>
-    <p:sldId id="260" r:id="rId17"/>
-    <p:sldId id="264" r:id="rId18"/>
-    <p:sldId id="262" r:id="rId19"/>
-    <p:sldId id="265" r:id="rId20"/>
-    <p:sldId id="266" r:id="rId21"/>
+    <p:sldId id="277" r:id="rId9"/>
+    <p:sldId id="271" r:id="rId10"/>
+    <p:sldId id="256" r:id="rId11"/>
+    <p:sldId id="258" r:id="rId12"/>
+    <p:sldId id="261" r:id="rId13"/>
+    <p:sldId id="267" r:id="rId14"/>
+    <p:sldId id="263" r:id="rId15"/>
+    <p:sldId id="259" r:id="rId16"/>
+    <p:sldId id="257" r:id="rId17"/>
+    <p:sldId id="260" r:id="rId18"/>
+    <p:sldId id="264" r:id="rId19"/>
+    <p:sldId id="262" r:id="rId20"/>
+    <p:sldId id="265" r:id="rId21"/>
+    <p:sldId id="266" r:id="rId22"/>
   </p:sldIdLst>
   <p:sldSz cx="12192000" cy="6858000"/>
   <p:notesSz cx="6858000" cy="9144000"/>
@@ -227,7 +228,7 @@
           <a:p>
             <a:fld id="{396B03FB-B087-4631-8B5B-A1A0D1F293BE}" type="datetimeFigureOut">
               <a:rPr lang="fr-FR" smtClean="0"/>
-              <a:t>15/06/2021</a:t>
+              <a:t>16/06/2021</a:t>
             </a:fld>
             <a:endParaRPr lang="fr-FR"/>
           </a:p>
@@ -559,7 +560,7 @@
           <a:p>
             <a:fld id="{4EC20C63-8102-4D27-80EE-D2352E13264B}" type="slidenum">
               <a:rPr lang="fr-FR" smtClean="0"/>
-              <a:t>12</a:t>
+              <a:t>13</a:t>
             </a:fld>
             <a:endParaRPr lang="fr-FR"/>
           </a:p>
@@ -643,7 +644,7 @@
           <a:p>
             <a:fld id="{4EC20C63-8102-4D27-80EE-D2352E13264B}" type="slidenum">
               <a:rPr lang="fr-FR" smtClean="0"/>
-              <a:t>17</a:t>
+              <a:t>18</a:t>
             </a:fld>
             <a:endParaRPr lang="fr-FR"/>
           </a:p>
@@ -809,7 +810,7 @@
           <a:p>
             <a:fld id="{B0AE2BB1-655E-4F57-ABA8-388245A7D361}" type="datetimeFigureOut">
               <a:rPr lang="fr-FR" smtClean="0"/>
-              <a:t>15/06/2021</a:t>
+              <a:t>16/06/2021</a:t>
             </a:fld>
             <a:endParaRPr lang="fr-FR"/>
           </a:p>
@@ -1007,7 +1008,7 @@
           <a:p>
             <a:fld id="{B0AE2BB1-655E-4F57-ABA8-388245A7D361}" type="datetimeFigureOut">
               <a:rPr lang="fr-FR" smtClean="0"/>
-              <a:t>15/06/2021</a:t>
+              <a:t>16/06/2021</a:t>
             </a:fld>
             <a:endParaRPr lang="fr-FR"/>
           </a:p>
@@ -1215,7 +1216,7 @@
           <a:p>
             <a:fld id="{B0AE2BB1-655E-4F57-ABA8-388245A7D361}" type="datetimeFigureOut">
               <a:rPr lang="fr-FR" smtClean="0"/>
-              <a:t>15/06/2021</a:t>
+              <a:t>16/06/2021</a:t>
             </a:fld>
             <a:endParaRPr lang="fr-FR"/>
           </a:p>
@@ -1413,7 +1414,7 @@
           <a:p>
             <a:fld id="{B0AE2BB1-655E-4F57-ABA8-388245A7D361}" type="datetimeFigureOut">
               <a:rPr lang="fr-FR" smtClean="0"/>
-              <a:t>15/06/2021</a:t>
+              <a:t>16/06/2021</a:t>
             </a:fld>
             <a:endParaRPr lang="fr-FR"/>
           </a:p>
@@ -1688,7 +1689,7 @@
           <a:p>
             <a:fld id="{B0AE2BB1-655E-4F57-ABA8-388245A7D361}" type="datetimeFigureOut">
               <a:rPr lang="fr-FR" smtClean="0"/>
-              <a:t>15/06/2021</a:t>
+              <a:t>16/06/2021</a:t>
             </a:fld>
             <a:endParaRPr lang="fr-FR"/>
           </a:p>
@@ -1953,7 +1954,7 @@
           <a:p>
             <a:fld id="{B0AE2BB1-655E-4F57-ABA8-388245A7D361}" type="datetimeFigureOut">
               <a:rPr lang="fr-FR" smtClean="0"/>
-              <a:t>15/06/2021</a:t>
+              <a:t>16/06/2021</a:t>
             </a:fld>
             <a:endParaRPr lang="fr-FR"/>
           </a:p>
@@ -2365,7 +2366,7 @@
           <a:p>
             <a:fld id="{B0AE2BB1-655E-4F57-ABA8-388245A7D361}" type="datetimeFigureOut">
               <a:rPr lang="fr-FR" smtClean="0"/>
-              <a:t>15/06/2021</a:t>
+              <a:t>16/06/2021</a:t>
             </a:fld>
             <a:endParaRPr lang="fr-FR"/>
           </a:p>
@@ -2506,7 +2507,7 @@
           <a:p>
             <a:fld id="{B0AE2BB1-655E-4F57-ABA8-388245A7D361}" type="datetimeFigureOut">
               <a:rPr lang="fr-FR" smtClean="0"/>
-              <a:t>15/06/2021</a:t>
+              <a:t>16/06/2021</a:t>
             </a:fld>
             <a:endParaRPr lang="fr-FR"/>
           </a:p>
@@ -2619,7 +2620,7 @@
           <a:p>
             <a:fld id="{B0AE2BB1-655E-4F57-ABA8-388245A7D361}" type="datetimeFigureOut">
               <a:rPr lang="fr-FR" smtClean="0"/>
-              <a:t>15/06/2021</a:t>
+              <a:t>16/06/2021</a:t>
             </a:fld>
             <a:endParaRPr lang="fr-FR"/>
           </a:p>
@@ -2930,7 +2931,7 @@
           <a:p>
             <a:fld id="{B0AE2BB1-655E-4F57-ABA8-388245A7D361}" type="datetimeFigureOut">
               <a:rPr lang="fr-FR" smtClean="0"/>
-              <a:t>15/06/2021</a:t>
+              <a:t>16/06/2021</a:t>
             </a:fld>
             <a:endParaRPr lang="fr-FR"/>
           </a:p>
@@ -3218,7 +3219,7 @@
           <a:p>
             <a:fld id="{B0AE2BB1-655E-4F57-ABA8-388245A7D361}" type="datetimeFigureOut">
               <a:rPr lang="fr-FR" smtClean="0"/>
-              <a:t>15/06/2021</a:t>
+              <a:t>16/06/2021</a:t>
             </a:fld>
             <a:endParaRPr lang="fr-FR"/>
           </a:p>
@@ -3459,7 +3460,7 @@
           <a:p>
             <a:fld id="{B0AE2BB1-655E-4F57-ABA8-388245A7D361}" type="datetimeFigureOut">
               <a:rPr lang="fr-FR" smtClean="0"/>
-              <a:t>15/06/2021</a:t>
+              <a:t>16/06/2021</a:t>
             </a:fld>
             <a:endParaRPr lang="fr-FR"/>
           </a:p>
@@ -3991,6 +3992,264 @@
         <p:spPr>
           <a:xfrm>
             <a:off x="1041990" y="1977656"/>
+            <a:ext cx="1456661" cy="1451344"/>
+          </a:xfrm>
+          <a:prstGeom prst="rect">
+            <a:avLst/>
+          </a:prstGeom>
+          <a:solidFill>
+            <a:schemeClr val="accent6">
+              <a:lumMod val="20000"/>
+              <a:lumOff val="80000"/>
+            </a:schemeClr>
+          </a:solidFill>
+          <a:ln w="28575">
+            <a:solidFill>
+              <a:srgbClr val="00B050"/>
+            </a:solidFill>
+          </a:ln>
+        </p:spPr>
+        <p:style>
+          <a:lnRef idx="2">
+            <a:schemeClr val="accent1">
+              <a:shade val="50000"/>
+            </a:schemeClr>
+          </a:lnRef>
+          <a:fillRef idx="1">
+            <a:schemeClr val="accent1"/>
+          </a:fillRef>
+          <a:effectRef idx="0">
+            <a:schemeClr val="accent1"/>
+          </a:effectRef>
+          <a:fontRef idx="minor">
+            <a:schemeClr val="lt1"/>
+          </a:fontRef>
+        </p:style>
+        <p:txBody>
+          <a:bodyPr rtlCol="0" anchor="ctr"/>
+          <a:lstStyle/>
+          <a:p>
+            <a:pPr algn="ctr"/>
+            <a:r>
+              <a:rPr lang="fr-FR" dirty="0">
+                <a:solidFill>
+                  <a:sysClr val="windowText" lastClr="000000"/>
+                </a:solidFill>
+              </a:rPr>
+              <a:t>Données</a:t>
+            </a:r>
+          </a:p>
+        </p:txBody>
+      </p:sp>
+      <p:sp>
+        <p:nvSpPr>
+          <p:cNvPr id="7" name="Rectangle 6">
+            <a:extLst>
+              <a:ext uri="{FF2B5EF4-FFF2-40B4-BE49-F238E27FC236}">
+                <a16:creationId xmlns:a16="http://schemas.microsoft.com/office/drawing/2014/main" id="{3F0F66DC-6284-4570-AA38-6B1EE1E61054}"/>
+              </a:ext>
+            </a:extLst>
+          </p:cNvPr>
+          <p:cNvSpPr/>
+          <p:nvPr/>
+        </p:nvSpPr>
+        <p:spPr>
+          <a:xfrm>
+            <a:off x="3937590" y="1977656"/>
+            <a:ext cx="1456661" cy="1451344"/>
+          </a:xfrm>
+          <a:prstGeom prst="rect">
+            <a:avLst/>
+          </a:prstGeom>
+          <a:solidFill>
+            <a:schemeClr val="accent2">
+              <a:lumMod val="20000"/>
+              <a:lumOff val="80000"/>
+            </a:schemeClr>
+          </a:solidFill>
+          <a:ln w="28575">
+            <a:solidFill>
+              <a:schemeClr val="accent2">
+                <a:lumMod val="50000"/>
+              </a:schemeClr>
+            </a:solidFill>
+          </a:ln>
+        </p:spPr>
+        <p:style>
+          <a:lnRef idx="2">
+            <a:schemeClr val="accent1">
+              <a:shade val="50000"/>
+            </a:schemeClr>
+          </a:lnRef>
+          <a:fillRef idx="1">
+            <a:schemeClr val="accent1"/>
+          </a:fillRef>
+          <a:effectRef idx="0">
+            <a:schemeClr val="accent1"/>
+          </a:effectRef>
+          <a:fontRef idx="minor">
+            <a:schemeClr val="lt1"/>
+          </a:fontRef>
+        </p:style>
+        <p:txBody>
+          <a:bodyPr rtlCol="0" anchor="ctr"/>
+          <a:lstStyle/>
+          <a:p>
+            <a:pPr algn="ctr"/>
+            <a:r>
+              <a:rPr lang="fr-FR" dirty="0">
+                <a:solidFill>
+                  <a:sysClr val="windowText" lastClr="000000"/>
+                </a:solidFill>
+              </a:rPr>
+              <a:t>Un truc</a:t>
+            </a:r>
+          </a:p>
+        </p:txBody>
+      </p:sp>
+      <p:sp>
+        <p:nvSpPr>
+          <p:cNvPr id="8" name="Rectangle 7">
+            <a:extLst>
+              <a:ext uri="{FF2B5EF4-FFF2-40B4-BE49-F238E27FC236}">
+                <a16:creationId xmlns:a16="http://schemas.microsoft.com/office/drawing/2014/main" id="{E26924C5-46D6-4BEC-A919-810F5E75F12A}"/>
+              </a:ext>
+            </a:extLst>
+          </p:cNvPr>
+          <p:cNvSpPr/>
+          <p:nvPr/>
+        </p:nvSpPr>
+        <p:spPr>
+          <a:xfrm>
+            <a:off x="6833190" y="1977656"/>
+            <a:ext cx="1456661" cy="1451344"/>
+          </a:xfrm>
+          <a:prstGeom prst="rect">
+            <a:avLst/>
+          </a:prstGeom>
+          <a:solidFill>
+            <a:schemeClr val="accent5">
+              <a:lumMod val="20000"/>
+              <a:lumOff val="80000"/>
+            </a:schemeClr>
+          </a:solidFill>
+          <a:ln w="28575">
+            <a:solidFill>
+              <a:schemeClr val="accent5">
+                <a:lumMod val="75000"/>
+              </a:schemeClr>
+            </a:solidFill>
+          </a:ln>
+        </p:spPr>
+        <p:style>
+          <a:lnRef idx="2">
+            <a:schemeClr val="accent1">
+              <a:shade val="50000"/>
+            </a:schemeClr>
+          </a:lnRef>
+          <a:fillRef idx="1">
+            <a:schemeClr val="accent1"/>
+          </a:fillRef>
+          <a:effectRef idx="0">
+            <a:schemeClr val="accent1"/>
+          </a:effectRef>
+          <a:fontRef idx="minor">
+            <a:schemeClr val="lt1"/>
+          </a:fontRef>
+        </p:style>
+        <p:txBody>
+          <a:bodyPr rtlCol="0" anchor="ctr"/>
+          <a:lstStyle/>
+          <a:p>
+            <a:pPr algn="ctr"/>
+            <a:r>
+              <a:rPr lang="fr-FR" dirty="0">
+                <a:solidFill>
+                  <a:sysClr val="windowText" lastClr="000000"/>
+                </a:solidFill>
+              </a:rPr>
+              <a:t>Résultat</a:t>
+            </a:r>
+          </a:p>
+        </p:txBody>
+      </p:sp>
+    </p:spTree>
+    <p:extLst>
+      <p:ext uri="{BB962C8B-B14F-4D97-AF65-F5344CB8AC3E}">
+        <p14:creationId xmlns:p14="http://schemas.microsoft.com/office/powerpoint/2010/main" val="994271155"/>
+      </p:ext>
+    </p:extLst>
+  </p:cSld>
+  <p:clrMapOvr>
+    <a:masterClrMapping/>
+  </p:clrMapOvr>
+</p:sld>
+</file>
+
+<file path=ppt/slides/slide11.xml><?xml version="1.0" encoding="utf-8"?>
+<p:sld xmlns:a="http://schemas.openxmlformats.org/drawingml/2006/main" xmlns:r="http://schemas.openxmlformats.org/officeDocument/2006/relationships" xmlns:p="http://schemas.openxmlformats.org/presentationml/2006/main">
+  <p:cSld>
+    <p:spTree>
+      <p:nvGrpSpPr>
+        <p:cNvPr id="1" name=""/>
+        <p:cNvGrpSpPr/>
+        <p:nvPr/>
+      </p:nvGrpSpPr>
+      <p:grpSpPr>
+        <a:xfrm>
+          <a:off x="0" y="0"/>
+          <a:ext cx="0" cy="0"/>
+          <a:chOff x="0" y="0"/>
+          <a:chExt cx="0" cy="0"/>
+        </a:xfrm>
+      </p:grpSpPr>
+      <p:sp>
+        <p:nvSpPr>
+          <p:cNvPr id="4" name="Titre 3">
+            <a:extLst>
+              <a:ext uri="{FF2B5EF4-FFF2-40B4-BE49-F238E27FC236}">
+                <a16:creationId xmlns:a16="http://schemas.microsoft.com/office/drawing/2014/main" id="{8FF712B1-8737-428E-93F3-27669E56E535}"/>
+              </a:ext>
+            </a:extLst>
+          </p:cNvPr>
+          <p:cNvSpPr>
+            <a:spLocks noGrp="1"/>
+          </p:cNvSpPr>
+          <p:nvPr>
+            <p:ph type="title"/>
+          </p:nvPr>
+        </p:nvSpPr>
+        <p:spPr/>
+        <p:txBody>
+          <a:bodyPr/>
+          <a:lstStyle/>
+          <a:p>
+            <a:r>
+              <a:rPr lang="fr-FR" dirty="0"/>
+              <a:t>Mécanisme d’IA</a:t>
+            </a:r>
+            <a:br>
+              <a:rPr lang="fr-FR" dirty="0"/>
+            </a:br>
+            <a:endParaRPr lang="fr-FR" dirty="0"/>
+          </a:p>
+        </p:txBody>
+      </p:sp>
+      <p:sp>
+        <p:nvSpPr>
+          <p:cNvPr id="6" name="Rectangle 5">
+            <a:extLst>
+              <a:ext uri="{FF2B5EF4-FFF2-40B4-BE49-F238E27FC236}">
+                <a16:creationId xmlns:a16="http://schemas.microsoft.com/office/drawing/2014/main" id="{2BBC1617-C813-4602-8ABC-1F55D8512D5F}"/>
+              </a:ext>
+            </a:extLst>
+          </p:cNvPr>
+          <p:cNvSpPr/>
+          <p:nvPr/>
+        </p:nvSpPr>
+        <p:spPr>
+          <a:xfrm>
+            <a:off x="1041990" y="1977656"/>
             <a:ext cx="1456661" cy="2179674"/>
           </a:xfrm>
           <a:prstGeom prst="rect">
@@ -4596,7 +4855,7 @@
 </p:sld>
 </file>
 
-<file path=ppt/slides/slide11.xml><?xml version="1.0" encoding="utf-8"?>
+<file path=ppt/slides/slide12.xml><?xml version="1.0" encoding="utf-8"?>
 <p:sld xmlns:a="http://schemas.openxmlformats.org/drawingml/2006/main" xmlns:r="http://schemas.openxmlformats.org/officeDocument/2006/relationships" xmlns:p="http://schemas.openxmlformats.org/presentationml/2006/main">
   <p:cSld>
     <p:spTree>
@@ -5682,7 +5941,7 @@
 </p:sld>
 </file>
 
-<file path=ppt/slides/slide12.xml><?xml version="1.0" encoding="utf-8"?>
+<file path=ppt/slides/slide13.xml><?xml version="1.0" encoding="utf-8"?>
 <p:sld xmlns:a="http://schemas.openxmlformats.org/drawingml/2006/main" xmlns:r="http://schemas.openxmlformats.org/officeDocument/2006/relationships" xmlns:p="http://schemas.openxmlformats.org/presentationml/2006/main">
   <p:cSld>
     <p:spTree>
@@ -7323,7 +7582,7 @@
 </p:sld>
 </file>
 
-<file path=ppt/slides/slide13.xml><?xml version="1.0" encoding="utf-8"?>
+<file path=ppt/slides/slide14.xml><?xml version="1.0" encoding="utf-8"?>
 <p:sld xmlns:a="http://schemas.openxmlformats.org/drawingml/2006/main" xmlns:r="http://schemas.openxmlformats.org/officeDocument/2006/relationships" xmlns:p="http://schemas.openxmlformats.org/presentationml/2006/main">
   <p:cSld>
     <p:spTree>
@@ -8086,7 +8345,7 @@
 </p:sld>
 </file>
 
-<file path=ppt/slides/slide14.xml><?xml version="1.0" encoding="utf-8"?>
+<file path=ppt/slides/slide15.xml><?xml version="1.0" encoding="utf-8"?>
 <p:sld xmlns:a="http://schemas.openxmlformats.org/drawingml/2006/main" xmlns:r="http://schemas.openxmlformats.org/officeDocument/2006/relationships" xmlns:p="http://schemas.openxmlformats.org/presentationml/2006/main">
   <p:cSld>
     <p:spTree>
@@ -9211,7 +9470,7 @@
 </p:sld>
 </file>
 
-<file path=ppt/slides/slide15.xml><?xml version="1.0" encoding="utf-8"?>
+<file path=ppt/slides/slide16.xml><?xml version="1.0" encoding="utf-8"?>
 <p:sld xmlns:a="http://schemas.openxmlformats.org/drawingml/2006/main" xmlns:r="http://schemas.openxmlformats.org/officeDocument/2006/relationships" xmlns:p="http://schemas.openxmlformats.org/presentationml/2006/main">
   <p:cSld>
     <p:spTree>
@@ -9857,7 +10116,7 @@
 </p:sld>
 </file>
 
-<file path=ppt/slides/slide16.xml><?xml version="1.0" encoding="utf-8"?>
+<file path=ppt/slides/slide17.xml><?xml version="1.0" encoding="utf-8"?>
 <p:sld xmlns:a="http://schemas.openxmlformats.org/drawingml/2006/main" xmlns:r="http://schemas.openxmlformats.org/officeDocument/2006/relationships" xmlns:p="http://schemas.openxmlformats.org/presentationml/2006/main">
   <p:cSld>
     <p:spTree>
@@ -13677,7 +13936,7 @@
 </p:sld>
 </file>
 
-<file path=ppt/slides/slide17.xml><?xml version="1.0" encoding="utf-8"?>
+<file path=ppt/slides/slide18.xml><?xml version="1.0" encoding="utf-8"?>
 <p:sld xmlns:a="http://schemas.openxmlformats.org/drawingml/2006/main" xmlns:r="http://schemas.openxmlformats.org/officeDocument/2006/relationships" xmlns:p="http://schemas.openxmlformats.org/presentationml/2006/main">
   <p:cSld>
     <p:spTree>
@@ -15954,7 +16213,7 @@
 </p:sld>
 </file>
 
-<file path=ppt/slides/slide18.xml><?xml version="1.0" encoding="utf-8"?>
+<file path=ppt/slides/slide19.xml><?xml version="1.0" encoding="utf-8"?>
 <p:sld xmlns:a="http://schemas.openxmlformats.org/drawingml/2006/main" xmlns:r="http://schemas.openxmlformats.org/officeDocument/2006/relationships" xmlns:p="http://schemas.openxmlformats.org/presentationml/2006/main">
   <p:cSld>
     <p:spTree>
@@ -21310,464 +21569,6 @@
 </p:sld>
 </file>
 
-<file path=ppt/slides/slide19.xml><?xml version="1.0" encoding="utf-8"?>
-<p:sld xmlns:a="http://schemas.openxmlformats.org/drawingml/2006/main" xmlns:r="http://schemas.openxmlformats.org/officeDocument/2006/relationships" xmlns:p="http://schemas.openxmlformats.org/presentationml/2006/main">
-  <p:cSld>
-    <p:spTree>
-      <p:nvGrpSpPr>
-        <p:cNvPr id="1" name=""/>
-        <p:cNvGrpSpPr/>
-        <p:nvPr/>
-      </p:nvGrpSpPr>
-      <p:grpSpPr>
-        <a:xfrm>
-          <a:off x="0" y="0"/>
-          <a:ext cx="0" cy="0"/>
-          <a:chOff x="0" y="0"/>
-          <a:chExt cx="0" cy="0"/>
-        </a:xfrm>
-      </p:grpSpPr>
-      <p:sp>
-        <p:nvSpPr>
-          <p:cNvPr id="4" name="Rectangle 3">
-            <a:extLst>
-              <a:ext uri="{FF2B5EF4-FFF2-40B4-BE49-F238E27FC236}">
-                <a16:creationId xmlns:a16="http://schemas.microsoft.com/office/drawing/2014/main" id="{23D64E36-973C-4C9A-8FEE-3A061FE98346}"/>
-              </a:ext>
-            </a:extLst>
-          </p:cNvPr>
-          <p:cNvSpPr/>
-          <p:nvPr/>
-        </p:nvSpPr>
-        <p:spPr>
-          <a:xfrm>
-            <a:off x="1782813" y="1539433"/>
-            <a:ext cx="8634402" cy="3231350"/>
-          </a:xfrm>
-          <a:prstGeom prst="rect">
-            <a:avLst/>
-          </a:prstGeom>
-          <a:solidFill>
-            <a:schemeClr val="accent2">
-              <a:lumMod val="20000"/>
-              <a:lumOff val="80000"/>
-            </a:schemeClr>
-          </a:solidFill>
-          <a:ln w="28575">
-            <a:solidFill>
-              <a:schemeClr val="accent2">
-                <a:lumMod val="50000"/>
-              </a:schemeClr>
-            </a:solidFill>
-          </a:ln>
-        </p:spPr>
-        <p:style>
-          <a:lnRef idx="2">
-            <a:schemeClr val="accent1">
-              <a:shade val="50000"/>
-            </a:schemeClr>
-          </a:lnRef>
-          <a:fillRef idx="1">
-            <a:schemeClr val="accent1"/>
-          </a:fillRef>
-          <a:effectRef idx="0">
-            <a:schemeClr val="accent1"/>
-          </a:effectRef>
-          <a:fontRef idx="minor">
-            <a:schemeClr val="lt1"/>
-          </a:fontRef>
-        </p:style>
-        <p:txBody>
-          <a:bodyPr rtlCol="0" anchor="t"/>
-          <a:lstStyle/>
-          <a:p>
-            <a:pPr algn="ctr"/>
-            <a:r>
-              <a:rPr lang="fr-FR" sz="1600" b="1" dirty="0">
-                <a:solidFill>
-                  <a:sysClr val="windowText" lastClr="000000"/>
-                </a:solidFill>
-              </a:rPr>
-              <a:t>Intelligence Artificielle (Première vision d’ensemble)</a:t>
-            </a:r>
-          </a:p>
-        </p:txBody>
-      </p:sp>
-      <p:sp>
-        <p:nvSpPr>
-          <p:cNvPr id="6" name="Rectangle : coins arrondis 11">
-            <a:extLst>
-              <a:ext uri="{FF2B5EF4-FFF2-40B4-BE49-F238E27FC236}">
-                <a16:creationId xmlns:a16="http://schemas.microsoft.com/office/drawing/2014/main" id="{0B2429E5-D405-40C4-A911-EBF449894B7B}"/>
-              </a:ext>
-            </a:extLst>
-          </p:cNvPr>
-          <p:cNvSpPr/>
-          <p:nvPr/>
-        </p:nvSpPr>
-        <p:spPr>
-          <a:xfrm>
-            <a:off x="1941443" y="2166730"/>
-            <a:ext cx="8309113" cy="2435087"/>
-          </a:xfrm>
-          <a:prstGeom prst="roundRect">
-            <a:avLst>
-              <a:gd name="adj" fmla="val 5129"/>
-            </a:avLst>
-          </a:prstGeom>
-          <a:solidFill>
-            <a:srgbClr val="FDF3ED"/>
-          </a:solidFill>
-          <a:ln w="28575">
-            <a:solidFill>
-              <a:schemeClr val="accent2">
-                <a:lumMod val="50000"/>
-              </a:schemeClr>
-            </a:solidFill>
-          </a:ln>
-        </p:spPr>
-        <p:style>
-          <a:lnRef idx="2">
-            <a:schemeClr val="accent1">
-              <a:shade val="50000"/>
-            </a:schemeClr>
-          </a:lnRef>
-          <a:fillRef idx="1">
-            <a:schemeClr val="accent1"/>
-          </a:fillRef>
-          <a:effectRef idx="0">
-            <a:schemeClr val="accent1"/>
-          </a:effectRef>
-          <a:fontRef idx="minor">
-            <a:schemeClr val="lt1"/>
-          </a:fontRef>
-        </p:style>
-        <p:txBody>
-          <a:bodyPr rtlCol="0" anchor="t"/>
-          <a:lstStyle/>
-          <a:p>
-            <a:pPr algn="ctr"/>
-            <a:r>
-              <a:rPr lang="fr-FR" sz="1200" b="1" dirty="0" smtClean="0">
-                <a:solidFill>
-                  <a:sysClr val="windowText" lastClr="000000"/>
-                </a:solidFill>
-              </a:rPr>
-              <a:t>Apprentissage – Machine Learning</a:t>
-            </a:r>
-            <a:endParaRPr lang="fr-FR" sz="1200" i="1" dirty="0">
-              <a:solidFill>
-                <a:sysClr val="windowText" lastClr="000000"/>
-              </a:solidFill>
-            </a:endParaRPr>
-          </a:p>
-        </p:txBody>
-      </p:sp>
-      <p:sp>
-        <p:nvSpPr>
-          <p:cNvPr id="10" name="Rectangle : coins arrondis 9">
-            <a:extLst>
-              <a:ext uri="{FF2B5EF4-FFF2-40B4-BE49-F238E27FC236}">
-                <a16:creationId xmlns:a16="http://schemas.microsoft.com/office/drawing/2014/main" id="{52B40316-C83D-4649-A5DC-D14327066657}"/>
-              </a:ext>
-            </a:extLst>
-          </p:cNvPr>
-          <p:cNvSpPr/>
-          <p:nvPr/>
-        </p:nvSpPr>
-        <p:spPr>
-          <a:xfrm>
-            <a:off x="7902498" y="2762575"/>
-            <a:ext cx="2157984" cy="1664207"/>
-          </a:xfrm>
-          <a:prstGeom prst="roundRect">
-            <a:avLst>
-              <a:gd name="adj" fmla="val 5129"/>
-            </a:avLst>
-          </a:prstGeom>
-          <a:solidFill>
-            <a:srgbClr val="FDF3ED"/>
-          </a:solidFill>
-          <a:ln w="28575">
-            <a:solidFill>
-              <a:schemeClr val="accent2">
-                <a:lumMod val="50000"/>
-              </a:schemeClr>
-            </a:solidFill>
-          </a:ln>
-        </p:spPr>
-        <p:style>
-          <a:lnRef idx="2">
-            <a:schemeClr val="accent1">
-              <a:shade val="50000"/>
-            </a:schemeClr>
-          </a:lnRef>
-          <a:fillRef idx="1">
-            <a:schemeClr val="accent1"/>
-          </a:fillRef>
-          <a:effectRef idx="0">
-            <a:schemeClr val="accent1"/>
-          </a:effectRef>
-          <a:fontRef idx="minor">
-            <a:schemeClr val="lt1"/>
-          </a:fontRef>
-        </p:style>
-        <p:txBody>
-          <a:bodyPr rtlCol="0" anchor="t"/>
-          <a:lstStyle/>
-          <a:p>
-            <a:pPr algn="ctr"/>
-            <a:r>
-              <a:rPr lang="fr-FR" sz="1200" b="1" dirty="0">
-                <a:solidFill>
-                  <a:sysClr val="windowText" lastClr="000000"/>
-                </a:solidFill>
-              </a:rPr>
-              <a:t>Apprentissage par renforcement</a:t>
-            </a:r>
-          </a:p>
-          <a:p>
-            <a:pPr algn="ctr"/>
-            <a:endParaRPr lang="fr-FR" sz="1200" b="1" dirty="0">
-              <a:solidFill>
-                <a:sysClr val="windowText" lastClr="000000"/>
-              </a:solidFill>
-            </a:endParaRPr>
-          </a:p>
-          <a:p>
-            <a:pPr algn="ctr"/>
-            <a:r>
-              <a:rPr lang="fr-FR" sz="1200" dirty="0">
-                <a:solidFill>
-                  <a:sysClr val="windowText" lastClr="000000"/>
-                </a:solidFill>
-              </a:rPr>
-              <a:t>L’humain connait le lien entre les données. L’algorithme va tenter d’apprendre ce lien et sera récompensé quand il progressera</a:t>
-            </a:r>
-            <a:r>
-              <a:rPr lang="fr-FR" sz="1200" b="1" dirty="0">
-                <a:solidFill>
-                  <a:sysClr val="windowText" lastClr="000000"/>
-                </a:solidFill>
-              </a:rPr>
-              <a:t>.</a:t>
-            </a:r>
-          </a:p>
-        </p:txBody>
-      </p:sp>
-      <p:sp>
-        <p:nvSpPr>
-          <p:cNvPr id="11" name="Rectangle : coins arrondis 10">
-            <a:extLst>
-              <a:ext uri="{FF2B5EF4-FFF2-40B4-BE49-F238E27FC236}">
-                <a16:creationId xmlns:a16="http://schemas.microsoft.com/office/drawing/2014/main" id="{D090B649-945B-45FD-989E-1D4CDBC6B3DA}"/>
-              </a:ext>
-            </a:extLst>
-          </p:cNvPr>
-          <p:cNvSpPr/>
-          <p:nvPr/>
-        </p:nvSpPr>
-        <p:spPr>
-          <a:xfrm>
-            <a:off x="5017008" y="2762575"/>
-            <a:ext cx="2157984" cy="1664208"/>
-          </a:xfrm>
-          <a:prstGeom prst="roundRect">
-            <a:avLst>
-              <a:gd name="adj" fmla="val 5129"/>
-            </a:avLst>
-          </a:prstGeom>
-          <a:solidFill>
-            <a:srgbClr val="FDF3ED"/>
-          </a:solidFill>
-          <a:ln w="28575">
-            <a:solidFill>
-              <a:schemeClr val="accent2">
-                <a:lumMod val="50000"/>
-              </a:schemeClr>
-            </a:solidFill>
-          </a:ln>
-        </p:spPr>
-        <p:style>
-          <a:lnRef idx="2">
-            <a:schemeClr val="accent1">
-              <a:shade val="50000"/>
-            </a:schemeClr>
-          </a:lnRef>
-          <a:fillRef idx="1">
-            <a:schemeClr val="accent1"/>
-          </a:fillRef>
-          <a:effectRef idx="0">
-            <a:schemeClr val="accent1"/>
-          </a:effectRef>
-          <a:fontRef idx="minor">
-            <a:schemeClr val="lt1"/>
-          </a:fontRef>
-        </p:style>
-        <p:txBody>
-          <a:bodyPr rtlCol="0" anchor="t"/>
-          <a:lstStyle/>
-          <a:p>
-            <a:pPr algn="ctr"/>
-            <a:endParaRPr lang="fr-FR" sz="1200" b="1" dirty="0">
-              <a:solidFill>
-                <a:sysClr val="windowText" lastClr="000000"/>
-              </a:solidFill>
-            </a:endParaRPr>
-          </a:p>
-          <a:p>
-            <a:pPr algn="ctr"/>
-            <a:r>
-              <a:rPr lang="fr-FR" sz="1200" b="1" dirty="0">
-                <a:solidFill>
-                  <a:sysClr val="windowText" lastClr="000000"/>
-                </a:solidFill>
-              </a:rPr>
-              <a:t>Apprentissage non supervisé</a:t>
-            </a:r>
-          </a:p>
-          <a:p>
-            <a:pPr algn="ctr"/>
-            <a:endParaRPr lang="fr-FR" sz="1200" b="1" dirty="0">
-              <a:solidFill>
-                <a:sysClr val="windowText" lastClr="000000"/>
-              </a:solidFill>
-            </a:endParaRPr>
-          </a:p>
-          <a:p>
-            <a:pPr algn="ctr"/>
-            <a:endParaRPr lang="fr-FR" sz="1200" b="1" dirty="0">
-              <a:solidFill>
-                <a:sysClr val="windowText" lastClr="000000"/>
-              </a:solidFill>
-            </a:endParaRPr>
-          </a:p>
-          <a:p>
-            <a:pPr algn="ctr"/>
-            <a:r>
-              <a:rPr lang="fr-FR" sz="1200" dirty="0">
-                <a:solidFill>
-                  <a:sysClr val="windowText" lastClr="000000"/>
-                </a:solidFill>
-              </a:rPr>
-              <a:t>L’humain ne connait pas le lien entre les données. L’algorithme va tenter d’en trouver un.</a:t>
-            </a:r>
-          </a:p>
-        </p:txBody>
-      </p:sp>
-      <p:sp>
-        <p:nvSpPr>
-          <p:cNvPr id="12" name="Rectangle : coins arrondis 11">
-            <a:extLst>
-              <a:ext uri="{FF2B5EF4-FFF2-40B4-BE49-F238E27FC236}">
-                <a16:creationId xmlns:a16="http://schemas.microsoft.com/office/drawing/2014/main" id="{0B2429E5-D405-40C4-A911-EBF449894B7B}"/>
-              </a:ext>
-            </a:extLst>
-          </p:cNvPr>
-          <p:cNvSpPr/>
-          <p:nvPr/>
-        </p:nvSpPr>
-        <p:spPr>
-          <a:xfrm>
-            <a:off x="2131518" y="2762575"/>
-            <a:ext cx="2157984" cy="1664208"/>
-          </a:xfrm>
-          <a:prstGeom prst="roundRect">
-            <a:avLst>
-              <a:gd name="adj" fmla="val 5129"/>
-            </a:avLst>
-          </a:prstGeom>
-          <a:solidFill>
-            <a:srgbClr val="FDF3ED"/>
-          </a:solidFill>
-          <a:ln w="28575">
-            <a:solidFill>
-              <a:schemeClr val="accent2">
-                <a:lumMod val="50000"/>
-              </a:schemeClr>
-            </a:solidFill>
-          </a:ln>
-        </p:spPr>
-        <p:style>
-          <a:lnRef idx="2">
-            <a:schemeClr val="accent1">
-              <a:shade val="50000"/>
-            </a:schemeClr>
-          </a:lnRef>
-          <a:fillRef idx="1">
-            <a:schemeClr val="accent1"/>
-          </a:fillRef>
-          <a:effectRef idx="0">
-            <a:schemeClr val="accent1"/>
-          </a:effectRef>
-          <a:fontRef idx="minor">
-            <a:schemeClr val="lt1"/>
-          </a:fontRef>
-        </p:style>
-        <p:txBody>
-          <a:bodyPr rtlCol="0" anchor="t"/>
-          <a:lstStyle/>
-          <a:p>
-            <a:pPr algn="ctr"/>
-            <a:endParaRPr lang="fr-FR" sz="1200" b="1" dirty="0">
-              <a:solidFill>
-                <a:sysClr val="windowText" lastClr="000000"/>
-              </a:solidFill>
-            </a:endParaRPr>
-          </a:p>
-          <a:p>
-            <a:pPr algn="ctr"/>
-            <a:r>
-              <a:rPr lang="fr-FR" sz="1200" b="1" dirty="0">
-                <a:solidFill>
-                  <a:sysClr val="windowText" lastClr="000000"/>
-                </a:solidFill>
-              </a:rPr>
-              <a:t>Apprentissage supervisé</a:t>
-            </a:r>
-          </a:p>
-          <a:p>
-            <a:pPr algn="ctr"/>
-            <a:endParaRPr lang="fr-FR" sz="1200" dirty="0">
-              <a:solidFill>
-                <a:sysClr val="windowText" lastClr="000000"/>
-              </a:solidFill>
-            </a:endParaRPr>
-          </a:p>
-          <a:p>
-            <a:pPr algn="ctr"/>
-            <a:endParaRPr lang="fr-FR" sz="1200" dirty="0">
-              <a:solidFill>
-                <a:sysClr val="windowText" lastClr="000000"/>
-              </a:solidFill>
-            </a:endParaRPr>
-          </a:p>
-          <a:p>
-            <a:pPr algn="ctr"/>
-            <a:r>
-              <a:rPr lang="fr-FR" sz="1200" i="1" dirty="0">
-                <a:solidFill>
-                  <a:sysClr val="windowText" lastClr="000000"/>
-                </a:solidFill>
-              </a:rPr>
-              <a:t>L’humain connait le lien entre les données. L’algorithme va tenter d’apprendre ce lien.</a:t>
-            </a:r>
-          </a:p>
-        </p:txBody>
-      </p:sp>
-    </p:spTree>
-    <p:extLst>
-      <p:ext uri="{BB962C8B-B14F-4D97-AF65-F5344CB8AC3E}">
-        <p14:creationId xmlns:p14="http://schemas.microsoft.com/office/powerpoint/2010/main" val="737262533"/>
-      </p:ext>
-    </p:extLst>
-  </p:cSld>
-  <p:clrMapOvr>
-    <a:masterClrMapping/>
-  </p:clrMapOvr>
-</p:sld>
-</file>
-
 <file path=ppt/slides/slide2.xml><?xml version="1.0" encoding="utf-8"?>
 <p:sld xmlns:a="http://schemas.openxmlformats.org/drawingml/2006/main" xmlns:r="http://schemas.openxmlformats.org/officeDocument/2006/relationships" xmlns:p="http://schemas.openxmlformats.org/presentationml/2006/main">
   <p:cSld>
@@ -23644,6 +23445,464 @@
 </file>
 
 <file path=ppt/slides/slide20.xml><?xml version="1.0" encoding="utf-8"?>
+<p:sld xmlns:a="http://schemas.openxmlformats.org/drawingml/2006/main" xmlns:r="http://schemas.openxmlformats.org/officeDocument/2006/relationships" xmlns:p="http://schemas.openxmlformats.org/presentationml/2006/main">
+  <p:cSld>
+    <p:spTree>
+      <p:nvGrpSpPr>
+        <p:cNvPr id="1" name=""/>
+        <p:cNvGrpSpPr/>
+        <p:nvPr/>
+      </p:nvGrpSpPr>
+      <p:grpSpPr>
+        <a:xfrm>
+          <a:off x="0" y="0"/>
+          <a:ext cx="0" cy="0"/>
+          <a:chOff x="0" y="0"/>
+          <a:chExt cx="0" cy="0"/>
+        </a:xfrm>
+      </p:grpSpPr>
+      <p:sp>
+        <p:nvSpPr>
+          <p:cNvPr id="4" name="Rectangle 3">
+            <a:extLst>
+              <a:ext uri="{FF2B5EF4-FFF2-40B4-BE49-F238E27FC236}">
+                <a16:creationId xmlns:a16="http://schemas.microsoft.com/office/drawing/2014/main" id="{23D64E36-973C-4C9A-8FEE-3A061FE98346}"/>
+              </a:ext>
+            </a:extLst>
+          </p:cNvPr>
+          <p:cNvSpPr/>
+          <p:nvPr/>
+        </p:nvSpPr>
+        <p:spPr>
+          <a:xfrm>
+            <a:off x="1782813" y="1539433"/>
+            <a:ext cx="8634402" cy="3231350"/>
+          </a:xfrm>
+          <a:prstGeom prst="rect">
+            <a:avLst/>
+          </a:prstGeom>
+          <a:solidFill>
+            <a:schemeClr val="accent2">
+              <a:lumMod val="20000"/>
+              <a:lumOff val="80000"/>
+            </a:schemeClr>
+          </a:solidFill>
+          <a:ln w="28575">
+            <a:solidFill>
+              <a:schemeClr val="accent2">
+                <a:lumMod val="50000"/>
+              </a:schemeClr>
+            </a:solidFill>
+          </a:ln>
+        </p:spPr>
+        <p:style>
+          <a:lnRef idx="2">
+            <a:schemeClr val="accent1">
+              <a:shade val="50000"/>
+            </a:schemeClr>
+          </a:lnRef>
+          <a:fillRef idx="1">
+            <a:schemeClr val="accent1"/>
+          </a:fillRef>
+          <a:effectRef idx="0">
+            <a:schemeClr val="accent1"/>
+          </a:effectRef>
+          <a:fontRef idx="minor">
+            <a:schemeClr val="lt1"/>
+          </a:fontRef>
+        </p:style>
+        <p:txBody>
+          <a:bodyPr rtlCol="0" anchor="t"/>
+          <a:lstStyle/>
+          <a:p>
+            <a:pPr algn="ctr"/>
+            <a:r>
+              <a:rPr lang="fr-FR" sz="1600" b="1" dirty="0">
+                <a:solidFill>
+                  <a:sysClr val="windowText" lastClr="000000"/>
+                </a:solidFill>
+              </a:rPr>
+              <a:t>Intelligence Artificielle (Première vision d’ensemble)</a:t>
+            </a:r>
+          </a:p>
+        </p:txBody>
+      </p:sp>
+      <p:sp>
+        <p:nvSpPr>
+          <p:cNvPr id="6" name="Rectangle : coins arrondis 11">
+            <a:extLst>
+              <a:ext uri="{FF2B5EF4-FFF2-40B4-BE49-F238E27FC236}">
+                <a16:creationId xmlns:a16="http://schemas.microsoft.com/office/drawing/2014/main" id="{0B2429E5-D405-40C4-A911-EBF449894B7B}"/>
+              </a:ext>
+            </a:extLst>
+          </p:cNvPr>
+          <p:cNvSpPr/>
+          <p:nvPr/>
+        </p:nvSpPr>
+        <p:spPr>
+          <a:xfrm>
+            <a:off x="1941443" y="2166730"/>
+            <a:ext cx="8309113" cy="2435087"/>
+          </a:xfrm>
+          <a:prstGeom prst="roundRect">
+            <a:avLst>
+              <a:gd name="adj" fmla="val 5129"/>
+            </a:avLst>
+          </a:prstGeom>
+          <a:solidFill>
+            <a:srgbClr val="FDF3ED"/>
+          </a:solidFill>
+          <a:ln w="28575">
+            <a:solidFill>
+              <a:schemeClr val="accent2">
+                <a:lumMod val="50000"/>
+              </a:schemeClr>
+            </a:solidFill>
+          </a:ln>
+        </p:spPr>
+        <p:style>
+          <a:lnRef idx="2">
+            <a:schemeClr val="accent1">
+              <a:shade val="50000"/>
+            </a:schemeClr>
+          </a:lnRef>
+          <a:fillRef idx="1">
+            <a:schemeClr val="accent1"/>
+          </a:fillRef>
+          <a:effectRef idx="0">
+            <a:schemeClr val="accent1"/>
+          </a:effectRef>
+          <a:fontRef idx="minor">
+            <a:schemeClr val="lt1"/>
+          </a:fontRef>
+        </p:style>
+        <p:txBody>
+          <a:bodyPr rtlCol="0" anchor="t"/>
+          <a:lstStyle/>
+          <a:p>
+            <a:pPr algn="ctr"/>
+            <a:r>
+              <a:rPr lang="fr-FR" sz="1200" b="1" dirty="0">
+                <a:solidFill>
+                  <a:sysClr val="windowText" lastClr="000000"/>
+                </a:solidFill>
+              </a:rPr>
+              <a:t>Apprentissage – Machine Learning</a:t>
+            </a:r>
+            <a:endParaRPr lang="fr-FR" sz="1200" i="1" dirty="0">
+              <a:solidFill>
+                <a:sysClr val="windowText" lastClr="000000"/>
+              </a:solidFill>
+            </a:endParaRPr>
+          </a:p>
+        </p:txBody>
+      </p:sp>
+      <p:sp>
+        <p:nvSpPr>
+          <p:cNvPr id="10" name="Rectangle : coins arrondis 9">
+            <a:extLst>
+              <a:ext uri="{FF2B5EF4-FFF2-40B4-BE49-F238E27FC236}">
+                <a16:creationId xmlns:a16="http://schemas.microsoft.com/office/drawing/2014/main" id="{52B40316-C83D-4649-A5DC-D14327066657}"/>
+              </a:ext>
+            </a:extLst>
+          </p:cNvPr>
+          <p:cNvSpPr/>
+          <p:nvPr/>
+        </p:nvSpPr>
+        <p:spPr>
+          <a:xfrm>
+            <a:off x="7902498" y="2762575"/>
+            <a:ext cx="2157984" cy="1664207"/>
+          </a:xfrm>
+          <a:prstGeom prst="roundRect">
+            <a:avLst>
+              <a:gd name="adj" fmla="val 5129"/>
+            </a:avLst>
+          </a:prstGeom>
+          <a:solidFill>
+            <a:srgbClr val="FDF3ED"/>
+          </a:solidFill>
+          <a:ln w="28575">
+            <a:solidFill>
+              <a:schemeClr val="accent2">
+                <a:lumMod val="50000"/>
+              </a:schemeClr>
+            </a:solidFill>
+          </a:ln>
+        </p:spPr>
+        <p:style>
+          <a:lnRef idx="2">
+            <a:schemeClr val="accent1">
+              <a:shade val="50000"/>
+            </a:schemeClr>
+          </a:lnRef>
+          <a:fillRef idx="1">
+            <a:schemeClr val="accent1"/>
+          </a:fillRef>
+          <a:effectRef idx="0">
+            <a:schemeClr val="accent1"/>
+          </a:effectRef>
+          <a:fontRef idx="minor">
+            <a:schemeClr val="lt1"/>
+          </a:fontRef>
+        </p:style>
+        <p:txBody>
+          <a:bodyPr rtlCol="0" anchor="t"/>
+          <a:lstStyle/>
+          <a:p>
+            <a:pPr algn="ctr"/>
+            <a:r>
+              <a:rPr lang="fr-FR" sz="1200" b="1" dirty="0">
+                <a:solidFill>
+                  <a:sysClr val="windowText" lastClr="000000"/>
+                </a:solidFill>
+              </a:rPr>
+              <a:t>Apprentissage par renforcement</a:t>
+            </a:r>
+          </a:p>
+          <a:p>
+            <a:pPr algn="ctr"/>
+            <a:endParaRPr lang="fr-FR" sz="1200" b="1" dirty="0">
+              <a:solidFill>
+                <a:sysClr val="windowText" lastClr="000000"/>
+              </a:solidFill>
+            </a:endParaRPr>
+          </a:p>
+          <a:p>
+            <a:pPr algn="ctr"/>
+            <a:r>
+              <a:rPr lang="fr-FR" sz="1200" dirty="0">
+                <a:solidFill>
+                  <a:sysClr val="windowText" lastClr="000000"/>
+                </a:solidFill>
+              </a:rPr>
+              <a:t>L’humain connait le lien entre les données. L’algorithme va tenter d’apprendre ce lien et sera récompensé quand il progressera</a:t>
+            </a:r>
+            <a:r>
+              <a:rPr lang="fr-FR" sz="1200" b="1" dirty="0">
+                <a:solidFill>
+                  <a:sysClr val="windowText" lastClr="000000"/>
+                </a:solidFill>
+              </a:rPr>
+              <a:t>.</a:t>
+            </a:r>
+          </a:p>
+        </p:txBody>
+      </p:sp>
+      <p:sp>
+        <p:nvSpPr>
+          <p:cNvPr id="11" name="Rectangle : coins arrondis 10">
+            <a:extLst>
+              <a:ext uri="{FF2B5EF4-FFF2-40B4-BE49-F238E27FC236}">
+                <a16:creationId xmlns:a16="http://schemas.microsoft.com/office/drawing/2014/main" id="{D090B649-945B-45FD-989E-1D4CDBC6B3DA}"/>
+              </a:ext>
+            </a:extLst>
+          </p:cNvPr>
+          <p:cNvSpPr/>
+          <p:nvPr/>
+        </p:nvSpPr>
+        <p:spPr>
+          <a:xfrm>
+            <a:off x="5017008" y="2762575"/>
+            <a:ext cx="2157984" cy="1664208"/>
+          </a:xfrm>
+          <a:prstGeom prst="roundRect">
+            <a:avLst>
+              <a:gd name="adj" fmla="val 5129"/>
+            </a:avLst>
+          </a:prstGeom>
+          <a:solidFill>
+            <a:srgbClr val="FDF3ED"/>
+          </a:solidFill>
+          <a:ln w="28575">
+            <a:solidFill>
+              <a:schemeClr val="accent2">
+                <a:lumMod val="50000"/>
+              </a:schemeClr>
+            </a:solidFill>
+          </a:ln>
+        </p:spPr>
+        <p:style>
+          <a:lnRef idx="2">
+            <a:schemeClr val="accent1">
+              <a:shade val="50000"/>
+            </a:schemeClr>
+          </a:lnRef>
+          <a:fillRef idx="1">
+            <a:schemeClr val="accent1"/>
+          </a:fillRef>
+          <a:effectRef idx="0">
+            <a:schemeClr val="accent1"/>
+          </a:effectRef>
+          <a:fontRef idx="minor">
+            <a:schemeClr val="lt1"/>
+          </a:fontRef>
+        </p:style>
+        <p:txBody>
+          <a:bodyPr rtlCol="0" anchor="t"/>
+          <a:lstStyle/>
+          <a:p>
+            <a:pPr algn="ctr"/>
+            <a:endParaRPr lang="fr-FR" sz="1200" b="1" dirty="0">
+              <a:solidFill>
+                <a:sysClr val="windowText" lastClr="000000"/>
+              </a:solidFill>
+            </a:endParaRPr>
+          </a:p>
+          <a:p>
+            <a:pPr algn="ctr"/>
+            <a:r>
+              <a:rPr lang="fr-FR" sz="1200" b="1" dirty="0">
+                <a:solidFill>
+                  <a:sysClr val="windowText" lastClr="000000"/>
+                </a:solidFill>
+              </a:rPr>
+              <a:t>Apprentissage non supervisé</a:t>
+            </a:r>
+          </a:p>
+          <a:p>
+            <a:pPr algn="ctr"/>
+            <a:endParaRPr lang="fr-FR" sz="1200" b="1" dirty="0">
+              <a:solidFill>
+                <a:sysClr val="windowText" lastClr="000000"/>
+              </a:solidFill>
+            </a:endParaRPr>
+          </a:p>
+          <a:p>
+            <a:pPr algn="ctr"/>
+            <a:endParaRPr lang="fr-FR" sz="1200" b="1" dirty="0">
+              <a:solidFill>
+                <a:sysClr val="windowText" lastClr="000000"/>
+              </a:solidFill>
+            </a:endParaRPr>
+          </a:p>
+          <a:p>
+            <a:pPr algn="ctr"/>
+            <a:r>
+              <a:rPr lang="fr-FR" sz="1200" dirty="0">
+                <a:solidFill>
+                  <a:sysClr val="windowText" lastClr="000000"/>
+                </a:solidFill>
+              </a:rPr>
+              <a:t>L’humain ne connait pas le lien entre les données. L’algorithme va tenter d’en trouver un.</a:t>
+            </a:r>
+          </a:p>
+        </p:txBody>
+      </p:sp>
+      <p:sp>
+        <p:nvSpPr>
+          <p:cNvPr id="12" name="Rectangle : coins arrondis 11">
+            <a:extLst>
+              <a:ext uri="{FF2B5EF4-FFF2-40B4-BE49-F238E27FC236}">
+                <a16:creationId xmlns:a16="http://schemas.microsoft.com/office/drawing/2014/main" id="{0B2429E5-D405-40C4-A911-EBF449894B7B}"/>
+              </a:ext>
+            </a:extLst>
+          </p:cNvPr>
+          <p:cNvSpPr/>
+          <p:nvPr/>
+        </p:nvSpPr>
+        <p:spPr>
+          <a:xfrm>
+            <a:off x="2131518" y="2762575"/>
+            <a:ext cx="2157984" cy="1664208"/>
+          </a:xfrm>
+          <a:prstGeom prst="roundRect">
+            <a:avLst>
+              <a:gd name="adj" fmla="val 5129"/>
+            </a:avLst>
+          </a:prstGeom>
+          <a:solidFill>
+            <a:srgbClr val="FDF3ED"/>
+          </a:solidFill>
+          <a:ln w="28575">
+            <a:solidFill>
+              <a:schemeClr val="accent2">
+                <a:lumMod val="50000"/>
+              </a:schemeClr>
+            </a:solidFill>
+          </a:ln>
+        </p:spPr>
+        <p:style>
+          <a:lnRef idx="2">
+            <a:schemeClr val="accent1">
+              <a:shade val="50000"/>
+            </a:schemeClr>
+          </a:lnRef>
+          <a:fillRef idx="1">
+            <a:schemeClr val="accent1"/>
+          </a:fillRef>
+          <a:effectRef idx="0">
+            <a:schemeClr val="accent1"/>
+          </a:effectRef>
+          <a:fontRef idx="minor">
+            <a:schemeClr val="lt1"/>
+          </a:fontRef>
+        </p:style>
+        <p:txBody>
+          <a:bodyPr rtlCol="0" anchor="t"/>
+          <a:lstStyle/>
+          <a:p>
+            <a:pPr algn="ctr"/>
+            <a:endParaRPr lang="fr-FR" sz="1200" b="1" dirty="0">
+              <a:solidFill>
+                <a:sysClr val="windowText" lastClr="000000"/>
+              </a:solidFill>
+            </a:endParaRPr>
+          </a:p>
+          <a:p>
+            <a:pPr algn="ctr"/>
+            <a:r>
+              <a:rPr lang="fr-FR" sz="1200" b="1" dirty="0">
+                <a:solidFill>
+                  <a:sysClr val="windowText" lastClr="000000"/>
+                </a:solidFill>
+              </a:rPr>
+              <a:t>Apprentissage supervisé</a:t>
+            </a:r>
+          </a:p>
+          <a:p>
+            <a:pPr algn="ctr"/>
+            <a:endParaRPr lang="fr-FR" sz="1200" dirty="0">
+              <a:solidFill>
+                <a:sysClr val="windowText" lastClr="000000"/>
+              </a:solidFill>
+            </a:endParaRPr>
+          </a:p>
+          <a:p>
+            <a:pPr algn="ctr"/>
+            <a:endParaRPr lang="fr-FR" sz="1200" dirty="0">
+              <a:solidFill>
+                <a:sysClr val="windowText" lastClr="000000"/>
+              </a:solidFill>
+            </a:endParaRPr>
+          </a:p>
+          <a:p>
+            <a:pPr algn="ctr"/>
+            <a:r>
+              <a:rPr lang="fr-FR" sz="1200" i="1" dirty="0">
+                <a:solidFill>
+                  <a:sysClr val="windowText" lastClr="000000"/>
+                </a:solidFill>
+              </a:rPr>
+              <a:t>L’humain connait le lien entre les données. L’algorithme va tenter d’apprendre ce lien.</a:t>
+            </a:r>
+          </a:p>
+        </p:txBody>
+      </p:sp>
+    </p:spTree>
+    <p:extLst>
+      <p:ext uri="{BB962C8B-B14F-4D97-AF65-F5344CB8AC3E}">
+        <p14:creationId xmlns:p14="http://schemas.microsoft.com/office/powerpoint/2010/main" val="737262533"/>
+      </p:ext>
+    </p:extLst>
+  </p:cSld>
+  <p:clrMapOvr>
+    <a:masterClrMapping/>
+  </p:clrMapOvr>
+</p:sld>
+</file>
+
+<file path=ppt/slides/slide21.xml><?xml version="1.0" encoding="utf-8"?>
 <p:sld xmlns:a="http://schemas.openxmlformats.org/drawingml/2006/main" xmlns:r="http://schemas.openxmlformats.org/officeDocument/2006/relationships" xmlns:p="http://schemas.openxmlformats.org/presentationml/2006/main">
   <p:cSld>
     <p:spTree>
@@ -26072,8 +26331,8 @@
             </p:style>
           </p:cxnSp>
         </p:grpSp>
-        <mc:AlternateContent xmlns:mc="http://schemas.openxmlformats.org/markup-compatibility/2006">
-          <mc:Choice xmlns:a14="http://schemas.microsoft.com/office/drawing/2010/main" Requires="a14">
+        <mc:AlternateContent xmlns:mc="http://schemas.openxmlformats.org/markup-compatibility/2006" xmlns:a14="http://schemas.microsoft.com/office/drawing/2010/main">
+          <mc:Choice Requires="a14">
             <p:sp>
               <p:nvSpPr>
                 <p:cNvPr id="11" name="Rectangle 10"/>
@@ -26135,7 +26394,7 @@
               </p:txBody>
             </p:sp>
           </mc:Choice>
-          <mc:Fallback>
+          <mc:Fallback xmlns="">
             <p:sp>
               <p:nvSpPr>
                 <p:cNvPr id="11" name="Rectangle 10"/>
@@ -26174,8 +26433,8 @@
             </p:sp>
           </mc:Fallback>
         </mc:AlternateContent>
-        <mc:AlternateContent xmlns:mc="http://schemas.openxmlformats.org/markup-compatibility/2006">
-          <mc:Choice xmlns:a14="http://schemas.microsoft.com/office/drawing/2010/main" Requires="a14">
+        <mc:AlternateContent xmlns:mc="http://schemas.openxmlformats.org/markup-compatibility/2006" xmlns:a14="http://schemas.microsoft.com/office/drawing/2010/main">
+          <mc:Choice Requires="a14">
             <p:sp>
               <p:nvSpPr>
                 <p:cNvPr id="12" name="Rectangle 11"/>
@@ -26263,7 +26522,7 @@
               </p:txBody>
             </p:sp>
           </mc:Choice>
-          <mc:Fallback>
+          <mc:Fallback xmlns="">
             <p:sp>
               <p:nvSpPr>
                 <p:cNvPr id="12" name="Rectangle 11"/>
@@ -26485,8 +26744,8 @@
             </p:style>
           </p:cxnSp>
         </p:grpSp>
-        <mc:AlternateContent xmlns:mc="http://schemas.openxmlformats.org/markup-compatibility/2006">
-          <mc:Choice xmlns:a14="http://schemas.microsoft.com/office/drawing/2010/main" Requires="a14">
+        <mc:AlternateContent xmlns:mc="http://schemas.openxmlformats.org/markup-compatibility/2006" xmlns:a14="http://schemas.microsoft.com/office/drawing/2010/main">
+          <mc:Choice Requires="a14">
             <p:sp>
               <p:nvSpPr>
                 <p:cNvPr id="16" name="Rectangle 15"/>
@@ -26548,7 +26807,7 @@
               </p:txBody>
             </p:sp>
           </mc:Choice>
-          <mc:Fallback>
+          <mc:Fallback xmlns="">
             <p:sp>
               <p:nvSpPr>
                 <p:cNvPr id="16" name="Rectangle 15"/>
@@ -26587,8 +26846,8 @@
             </p:sp>
           </mc:Fallback>
         </mc:AlternateContent>
-        <mc:AlternateContent xmlns:mc="http://schemas.openxmlformats.org/markup-compatibility/2006">
-          <mc:Choice xmlns:a14="http://schemas.microsoft.com/office/drawing/2010/main" Requires="a14">
+        <mc:AlternateContent xmlns:mc="http://schemas.openxmlformats.org/markup-compatibility/2006" xmlns:a14="http://schemas.microsoft.com/office/drawing/2010/main">
+          <mc:Choice Requires="a14">
             <p:sp>
               <p:nvSpPr>
                 <p:cNvPr id="17" name="Rectangle 16"/>
@@ -26676,7 +26935,7 @@
               </p:txBody>
             </p:sp>
           </mc:Choice>
-          <mc:Fallback>
+          <mc:Fallback xmlns="">
             <p:sp>
               <p:nvSpPr>
                 <p:cNvPr id="17" name="Rectangle 16"/>
@@ -26898,8 +27157,8 @@
             </p:style>
           </p:cxnSp>
         </p:grpSp>
-        <mc:AlternateContent xmlns:mc="http://schemas.openxmlformats.org/markup-compatibility/2006">
-          <mc:Choice xmlns:a14="http://schemas.microsoft.com/office/drawing/2010/main" Requires="a14">
+        <mc:AlternateContent xmlns:mc="http://schemas.openxmlformats.org/markup-compatibility/2006" xmlns:a14="http://schemas.microsoft.com/office/drawing/2010/main">
+          <mc:Choice Requires="a14">
             <p:sp>
               <p:nvSpPr>
                 <p:cNvPr id="25" name="Rectangle 24"/>
@@ -26961,7 +27220,7 @@
               </p:txBody>
             </p:sp>
           </mc:Choice>
-          <mc:Fallback>
+          <mc:Fallback xmlns="">
             <p:sp>
               <p:nvSpPr>
                 <p:cNvPr id="25" name="Rectangle 24"/>
@@ -27000,8 +27259,8 @@
             </p:sp>
           </mc:Fallback>
         </mc:AlternateContent>
-        <mc:AlternateContent xmlns:mc="http://schemas.openxmlformats.org/markup-compatibility/2006">
-          <mc:Choice xmlns:a14="http://schemas.microsoft.com/office/drawing/2010/main" Requires="a14">
+        <mc:AlternateContent xmlns:mc="http://schemas.openxmlformats.org/markup-compatibility/2006" xmlns:a14="http://schemas.microsoft.com/office/drawing/2010/main">
+          <mc:Choice Requires="a14">
             <p:sp>
               <p:nvSpPr>
                 <p:cNvPr id="26" name="Rectangle 25"/>
@@ -27089,7 +27348,7 @@
               </p:txBody>
             </p:sp>
           </mc:Choice>
-          <mc:Fallback>
+          <mc:Fallback xmlns="">
             <p:sp>
               <p:nvSpPr>
                 <p:cNvPr id="26" name="Rectangle 25"/>
@@ -27378,8 +27637,8 @@
             </a:p>
           </p:txBody>
         </p:sp>
-        <mc:AlternateContent xmlns:mc="http://schemas.openxmlformats.org/markup-compatibility/2006">
-          <mc:Choice xmlns:a14="http://schemas.microsoft.com/office/drawing/2010/main" Requires="a14">
+        <mc:AlternateContent xmlns:mc="http://schemas.openxmlformats.org/markup-compatibility/2006" xmlns:a14="http://schemas.microsoft.com/office/drawing/2010/main">
+          <mc:Choice Requires="a14">
             <p:sp>
               <p:nvSpPr>
                 <p:cNvPr id="44" name="Rectangle 43"/>
@@ -27422,7 +27681,7 @@
               </p:txBody>
             </p:sp>
           </mc:Choice>
-          <mc:Fallback>
+          <mc:Fallback xmlns="">
             <p:sp>
               <p:nvSpPr>
                 <p:cNvPr id="44" name="Rectangle 43"/>
@@ -27504,8 +27763,8 @@
           </a:fontRef>
         </p:style>
       </p:cxnSp>
-      <mc:AlternateContent xmlns:mc="http://schemas.openxmlformats.org/markup-compatibility/2006">
-        <mc:Choice xmlns:a14="http://schemas.microsoft.com/office/drawing/2010/main" Requires="a14">
+      <mc:AlternateContent xmlns:mc="http://schemas.openxmlformats.org/markup-compatibility/2006" xmlns:a14="http://schemas.microsoft.com/office/drawing/2010/main">
+        <mc:Choice Requires="a14">
           <p:sp>
             <p:nvSpPr>
               <p:cNvPr id="50" name="Rectangle 49"/>
@@ -27597,7 +27856,7 @@
             </p:txBody>
           </p:sp>
         </mc:Choice>
-        <mc:Fallback>
+        <mc:Fallback xmlns="">
           <p:sp>
             <p:nvSpPr>
               <p:cNvPr id="50" name="Rectangle 49"/>
@@ -27636,8 +27895,8 @@
           </p:sp>
         </mc:Fallback>
       </mc:AlternateContent>
-      <mc:AlternateContent xmlns:mc="http://schemas.openxmlformats.org/markup-compatibility/2006">
-        <mc:Choice xmlns:a14="http://schemas.microsoft.com/office/drawing/2010/main" Requires="a14">
+      <mc:AlternateContent xmlns:mc="http://schemas.openxmlformats.org/markup-compatibility/2006" xmlns:a14="http://schemas.microsoft.com/office/drawing/2010/main">
+        <mc:Choice Requires="a14">
           <p:sp>
             <p:nvSpPr>
               <p:cNvPr id="51" name="Rectangle 50"/>
@@ -27742,7 +28001,7 @@
             </p:txBody>
           </p:sp>
         </mc:Choice>
-        <mc:Fallback>
+        <mc:Fallback xmlns="">
           <p:sp>
             <p:nvSpPr>
               <p:cNvPr id="51" name="Rectangle 50"/>
@@ -27781,8 +28040,8 @@
           </p:sp>
         </mc:Fallback>
       </mc:AlternateContent>
-      <mc:AlternateContent xmlns:mc="http://schemas.openxmlformats.org/markup-compatibility/2006">
-        <mc:Choice xmlns:a14="http://schemas.microsoft.com/office/drawing/2010/main" Requires="a14">
+      <mc:AlternateContent xmlns:mc="http://schemas.openxmlformats.org/markup-compatibility/2006" xmlns:a14="http://schemas.microsoft.com/office/drawing/2010/main">
+        <mc:Choice Requires="a14">
           <p:sp>
             <p:nvSpPr>
               <p:cNvPr id="53" name="Rectangle 52"/>
@@ -27887,7 +28146,7 @@
             </p:txBody>
           </p:sp>
         </mc:Choice>
-        <mc:Fallback>
+        <mc:Fallback xmlns="">
           <p:sp>
             <p:nvSpPr>
               <p:cNvPr id="53" name="Rectangle 52"/>
@@ -27926,8 +28185,8 @@
           </p:sp>
         </mc:Fallback>
       </mc:AlternateContent>
-      <mc:AlternateContent xmlns:mc="http://schemas.openxmlformats.org/markup-compatibility/2006">
-        <mc:Choice xmlns:a14="http://schemas.microsoft.com/office/drawing/2010/main" Requires="a14">
+      <mc:AlternateContent xmlns:mc="http://schemas.openxmlformats.org/markup-compatibility/2006" xmlns:a14="http://schemas.microsoft.com/office/drawing/2010/main">
+        <mc:Choice Requires="a14">
           <p:sp>
             <p:nvSpPr>
               <p:cNvPr id="54" name="Rectangle 53"/>
@@ -28032,7 +28291,7 @@
             </p:txBody>
           </p:sp>
         </mc:Choice>
-        <mc:Fallback>
+        <mc:Fallback xmlns="">
           <p:sp>
             <p:nvSpPr>
               <p:cNvPr id="54" name="Rectangle 53"/>
@@ -28071,8 +28330,8 @@
           </p:sp>
         </mc:Fallback>
       </mc:AlternateContent>
-      <mc:AlternateContent xmlns:mc="http://schemas.openxmlformats.org/markup-compatibility/2006">
-        <mc:Choice xmlns:a14="http://schemas.microsoft.com/office/drawing/2010/main" Requires="a14">
+      <mc:AlternateContent xmlns:mc="http://schemas.openxmlformats.org/markup-compatibility/2006" xmlns:a14="http://schemas.microsoft.com/office/drawing/2010/main">
+        <mc:Choice Requires="a14">
           <p:sp>
             <p:nvSpPr>
               <p:cNvPr id="58" name="Rectangle 57"/>
@@ -28166,7 +28425,7 @@
             </p:txBody>
           </p:sp>
         </mc:Choice>
-        <mc:Fallback>
+        <mc:Fallback xmlns="">
           <p:sp>
             <p:nvSpPr>
               <p:cNvPr id="58" name="Rectangle 57"/>
@@ -28301,8 +28560,8 @@
           </a:fontRef>
         </p:style>
       </p:cxnSp>
-      <mc:AlternateContent xmlns:mc="http://schemas.openxmlformats.org/markup-compatibility/2006">
-        <mc:Choice xmlns:a14="http://schemas.microsoft.com/office/drawing/2010/main" Requires="a14">
+      <mc:AlternateContent xmlns:mc="http://schemas.openxmlformats.org/markup-compatibility/2006" xmlns:a14="http://schemas.microsoft.com/office/drawing/2010/main">
+        <mc:Choice Requires="a14">
           <p:sp>
             <p:nvSpPr>
               <p:cNvPr id="66" name="Rectangle 65"/>
@@ -28385,7 +28644,7 @@
             </p:txBody>
           </p:sp>
         </mc:Choice>
-        <mc:Fallback>
+        <mc:Fallback xmlns="">
           <p:sp>
             <p:nvSpPr>
               <p:cNvPr id="66" name="Rectangle 65"/>
@@ -28495,8 +28754,8 @@
             </a:p>
           </p:txBody>
         </p:sp>
-        <mc:AlternateContent xmlns:mc="http://schemas.openxmlformats.org/markup-compatibility/2006">
-          <mc:Choice xmlns:a14="http://schemas.microsoft.com/office/drawing/2010/main" Requires="a14">
+        <mc:AlternateContent xmlns:mc="http://schemas.openxmlformats.org/markup-compatibility/2006" xmlns:a14="http://schemas.microsoft.com/office/drawing/2010/main">
+          <mc:Choice Requires="a14">
             <p:sp>
               <p:nvSpPr>
                 <p:cNvPr id="69" name="Rectangle 68"/>
@@ -28539,7 +28798,7 @@
               </p:txBody>
             </p:sp>
           </mc:Choice>
-          <mc:Fallback>
+          <mc:Fallback xmlns="">
             <p:sp>
               <p:nvSpPr>
                 <p:cNvPr id="69" name="Rectangle 68"/>
@@ -28621,8 +28880,8 @@
           </a:fontRef>
         </p:style>
       </p:cxnSp>
-      <mc:AlternateContent xmlns:mc="http://schemas.openxmlformats.org/markup-compatibility/2006">
-        <mc:Choice xmlns:a14="http://schemas.microsoft.com/office/drawing/2010/main" Requires="a14">
+      <mc:AlternateContent xmlns:mc="http://schemas.openxmlformats.org/markup-compatibility/2006" xmlns:a14="http://schemas.microsoft.com/office/drawing/2010/main">
+        <mc:Choice Requires="a14">
           <p:sp>
             <p:nvSpPr>
               <p:cNvPr id="74" name="Rectangle 73"/>
@@ -28704,7 +28963,7 @@
             </p:txBody>
           </p:sp>
         </mc:Choice>
-        <mc:Fallback>
+        <mc:Fallback xmlns="">
           <p:sp>
             <p:nvSpPr>
               <p:cNvPr id="74" name="Rectangle 73"/>
@@ -28743,8 +29002,8 @@
           </p:sp>
         </mc:Fallback>
       </mc:AlternateContent>
-      <mc:AlternateContent xmlns:mc="http://schemas.openxmlformats.org/markup-compatibility/2006">
-        <mc:Choice xmlns:a14="http://schemas.microsoft.com/office/drawing/2010/main" Requires="a14">
+      <mc:AlternateContent xmlns:mc="http://schemas.openxmlformats.org/markup-compatibility/2006" xmlns:a14="http://schemas.microsoft.com/office/drawing/2010/main">
+        <mc:Choice Requires="a14">
           <p:sp>
             <p:nvSpPr>
               <p:cNvPr id="75" name="Rectangle 74"/>
@@ -28835,7 +29094,7 @@
             </p:txBody>
           </p:sp>
         </mc:Choice>
-        <mc:Fallback>
+        <mc:Fallback xmlns="">
           <p:sp>
             <p:nvSpPr>
               <p:cNvPr id="75" name="Rectangle 74"/>
@@ -29057,17 +29316,16 @@
           <a:p>
             <a:pPr algn="ctr"/>
             <a:r>
-              <a:rPr lang="fr-FR" sz="900" dirty="0" smtClean="0"/>
+              <a:rPr lang="fr-FR" sz="900" dirty="0"/>
               <a:t>Couche</a:t>
             </a:r>
           </a:p>
           <a:p>
             <a:pPr algn="ctr"/>
             <a:r>
-              <a:rPr lang="fr-FR" sz="900" dirty="0" smtClean="0"/>
+              <a:rPr lang="fr-FR" sz="900" dirty="0"/>
               <a:t>d’entrée</a:t>
             </a:r>
-            <a:endParaRPr lang="fr-FR" sz="900" dirty="0"/>
           </a:p>
         </p:txBody>
       </p:sp>
@@ -29095,17 +29353,16 @@
           <a:p>
             <a:pPr algn="ctr"/>
             <a:r>
-              <a:rPr lang="fr-FR" sz="900" dirty="0" smtClean="0"/>
+              <a:rPr lang="fr-FR" sz="900" dirty="0"/>
               <a:t>Couche</a:t>
             </a:r>
           </a:p>
           <a:p>
             <a:pPr algn="ctr"/>
             <a:r>
-              <a:rPr lang="fr-FR" sz="900" dirty="0" smtClean="0"/>
+              <a:rPr lang="fr-FR" sz="900" dirty="0"/>
               <a:t>cachée</a:t>
             </a:r>
-            <a:endParaRPr lang="fr-FR" sz="900" dirty="0"/>
           </a:p>
         </p:txBody>
       </p:sp>
@@ -29133,17 +29390,16 @@
           <a:p>
             <a:pPr algn="ctr"/>
             <a:r>
-              <a:rPr lang="fr-FR" sz="900" dirty="0" smtClean="0"/>
+              <a:rPr lang="fr-FR" sz="900" dirty="0"/>
               <a:t>Couche</a:t>
             </a:r>
           </a:p>
           <a:p>
             <a:pPr algn="ctr"/>
             <a:r>
-              <a:rPr lang="fr-FR" sz="900" dirty="0" smtClean="0"/>
+              <a:rPr lang="fr-FR" sz="900" dirty="0"/>
               <a:t>de sortie</a:t>
             </a:r>
-            <a:endParaRPr lang="fr-FR" sz="900" dirty="0"/>
           </a:p>
         </p:txBody>
       </p:sp>
@@ -29359,8 +29615,8 @@
             </p:style>
           </p:cxnSp>
         </p:grpSp>
-        <mc:AlternateContent xmlns:mc="http://schemas.openxmlformats.org/markup-compatibility/2006">
-          <mc:Choice xmlns:a14="http://schemas.microsoft.com/office/drawing/2010/main" Requires="a14">
+        <mc:AlternateContent xmlns:mc="http://schemas.openxmlformats.org/markup-compatibility/2006" xmlns:a14="http://schemas.microsoft.com/office/drawing/2010/main">
+          <mc:Choice Requires="a14">
             <p:sp>
               <p:nvSpPr>
                 <p:cNvPr id="11" name="Rectangle 10"/>
@@ -29422,7 +29678,7 @@
               </p:txBody>
             </p:sp>
           </mc:Choice>
-          <mc:Fallback>
+          <mc:Fallback xmlns="">
             <p:sp>
               <p:nvSpPr>
                 <p:cNvPr id="11" name="Rectangle 10"/>
@@ -29461,8 +29717,8 @@
             </p:sp>
           </mc:Fallback>
         </mc:AlternateContent>
-        <mc:AlternateContent xmlns:mc="http://schemas.openxmlformats.org/markup-compatibility/2006">
-          <mc:Choice xmlns:a14="http://schemas.microsoft.com/office/drawing/2010/main" Requires="a14">
+        <mc:AlternateContent xmlns:mc="http://schemas.openxmlformats.org/markup-compatibility/2006" xmlns:a14="http://schemas.microsoft.com/office/drawing/2010/main">
+          <mc:Choice Requires="a14">
             <p:sp>
               <p:nvSpPr>
                 <p:cNvPr id="12" name="Rectangle 11"/>
@@ -29550,7 +29806,7 @@
               </p:txBody>
             </p:sp>
           </mc:Choice>
-          <mc:Fallback>
+          <mc:Fallback xmlns="">
             <p:sp>
               <p:nvSpPr>
                 <p:cNvPr id="12" name="Rectangle 11"/>
@@ -29772,8 +30028,8 @@
             </p:style>
           </p:cxnSp>
         </p:grpSp>
-        <mc:AlternateContent xmlns:mc="http://schemas.openxmlformats.org/markup-compatibility/2006">
-          <mc:Choice xmlns:a14="http://schemas.microsoft.com/office/drawing/2010/main" Requires="a14">
+        <mc:AlternateContent xmlns:mc="http://schemas.openxmlformats.org/markup-compatibility/2006" xmlns:a14="http://schemas.microsoft.com/office/drawing/2010/main">
+          <mc:Choice Requires="a14">
             <p:sp>
               <p:nvSpPr>
                 <p:cNvPr id="16" name="Rectangle 15"/>
@@ -29835,7 +30091,7 @@
               </p:txBody>
             </p:sp>
           </mc:Choice>
-          <mc:Fallback>
+          <mc:Fallback xmlns="">
             <p:sp>
               <p:nvSpPr>
                 <p:cNvPr id="16" name="Rectangle 15"/>
@@ -29874,8 +30130,8 @@
             </p:sp>
           </mc:Fallback>
         </mc:AlternateContent>
-        <mc:AlternateContent xmlns:mc="http://schemas.openxmlformats.org/markup-compatibility/2006">
-          <mc:Choice xmlns:a14="http://schemas.microsoft.com/office/drawing/2010/main" Requires="a14">
+        <mc:AlternateContent xmlns:mc="http://schemas.openxmlformats.org/markup-compatibility/2006" xmlns:a14="http://schemas.microsoft.com/office/drawing/2010/main">
+          <mc:Choice Requires="a14">
             <p:sp>
               <p:nvSpPr>
                 <p:cNvPr id="17" name="Rectangle 16"/>
@@ -29963,7 +30219,7 @@
               </p:txBody>
             </p:sp>
           </mc:Choice>
-          <mc:Fallback>
+          <mc:Fallback xmlns="">
             <p:sp>
               <p:nvSpPr>
                 <p:cNvPr id="17" name="Rectangle 16"/>
@@ -30185,8 +30441,8 @@
             </p:style>
           </p:cxnSp>
         </p:grpSp>
-        <mc:AlternateContent xmlns:mc="http://schemas.openxmlformats.org/markup-compatibility/2006">
-          <mc:Choice xmlns:a14="http://schemas.microsoft.com/office/drawing/2010/main" Requires="a14">
+        <mc:AlternateContent xmlns:mc="http://schemas.openxmlformats.org/markup-compatibility/2006" xmlns:a14="http://schemas.microsoft.com/office/drawing/2010/main">
+          <mc:Choice Requires="a14">
             <p:sp>
               <p:nvSpPr>
                 <p:cNvPr id="25" name="Rectangle 24"/>
@@ -30248,7 +30504,7 @@
               </p:txBody>
             </p:sp>
           </mc:Choice>
-          <mc:Fallback>
+          <mc:Fallback xmlns="">
             <p:sp>
               <p:nvSpPr>
                 <p:cNvPr id="25" name="Rectangle 24"/>
@@ -30287,8 +30543,8 @@
             </p:sp>
           </mc:Fallback>
         </mc:AlternateContent>
-        <mc:AlternateContent xmlns:mc="http://schemas.openxmlformats.org/markup-compatibility/2006">
-          <mc:Choice xmlns:a14="http://schemas.microsoft.com/office/drawing/2010/main" Requires="a14">
+        <mc:AlternateContent xmlns:mc="http://schemas.openxmlformats.org/markup-compatibility/2006" xmlns:a14="http://schemas.microsoft.com/office/drawing/2010/main">
+          <mc:Choice Requires="a14">
             <p:sp>
               <p:nvSpPr>
                 <p:cNvPr id="26" name="Rectangle 25"/>
@@ -30376,7 +30632,7 @@
               </p:txBody>
             </p:sp>
           </mc:Choice>
-          <mc:Fallback>
+          <mc:Fallback xmlns="">
             <p:sp>
               <p:nvSpPr>
                 <p:cNvPr id="26" name="Rectangle 25"/>
@@ -30665,8 +30921,8 @@
             </a:p>
           </p:txBody>
         </p:sp>
-        <mc:AlternateContent xmlns:mc="http://schemas.openxmlformats.org/markup-compatibility/2006">
-          <mc:Choice xmlns:a14="http://schemas.microsoft.com/office/drawing/2010/main" Requires="a14">
+        <mc:AlternateContent xmlns:mc="http://schemas.openxmlformats.org/markup-compatibility/2006" xmlns:a14="http://schemas.microsoft.com/office/drawing/2010/main">
+          <mc:Choice Requires="a14">
             <p:sp>
               <p:nvSpPr>
                 <p:cNvPr id="44" name="Rectangle 43"/>
@@ -30709,7 +30965,7 @@
               </p:txBody>
             </p:sp>
           </mc:Choice>
-          <mc:Fallback>
+          <mc:Fallback xmlns="">
             <p:sp>
               <p:nvSpPr>
                 <p:cNvPr id="44" name="Rectangle 43"/>
@@ -30791,8 +31047,8 @@
           </a:fontRef>
         </p:style>
       </p:cxnSp>
-      <mc:AlternateContent xmlns:mc="http://schemas.openxmlformats.org/markup-compatibility/2006">
-        <mc:Choice xmlns:a14="http://schemas.microsoft.com/office/drawing/2010/main" Requires="a14">
+      <mc:AlternateContent xmlns:mc="http://schemas.openxmlformats.org/markup-compatibility/2006" xmlns:a14="http://schemas.microsoft.com/office/drawing/2010/main">
+        <mc:Choice Requires="a14">
           <p:sp>
             <p:nvSpPr>
               <p:cNvPr id="50" name="Rectangle 49"/>
@@ -30884,7 +31140,7 @@
             </p:txBody>
           </p:sp>
         </mc:Choice>
-        <mc:Fallback>
+        <mc:Fallback xmlns="">
           <p:sp>
             <p:nvSpPr>
               <p:cNvPr id="50" name="Rectangle 49"/>
@@ -30923,8 +31179,8 @@
           </p:sp>
         </mc:Fallback>
       </mc:AlternateContent>
-      <mc:AlternateContent xmlns:mc="http://schemas.openxmlformats.org/markup-compatibility/2006">
-        <mc:Choice xmlns:a14="http://schemas.microsoft.com/office/drawing/2010/main" Requires="a14">
+      <mc:AlternateContent xmlns:mc="http://schemas.openxmlformats.org/markup-compatibility/2006" xmlns:a14="http://schemas.microsoft.com/office/drawing/2010/main">
+        <mc:Choice Requires="a14">
           <p:sp>
             <p:nvSpPr>
               <p:cNvPr id="51" name="Rectangle 50"/>
@@ -31029,7 +31285,7 @@
             </p:txBody>
           </p:sp>
         </mc:Choice>
-        <mc:Fallback>
+        <mc:Fallback xmlns="">
           <p:sp>
             <p:nvSpPr>
               <p:cNvPr id="51" name="Rectangle 50"/>
@@ -31068,8 +31324,8 @@
           </p:sp>
         </mc:Fallback>
       </mc:AlternateContent>
-      <mc:AlternateContent xmlns:mc="http://schemas.openxmlformats.org/markup-compatibility/2006">
-        <mc:Choice xmlns:a14="http://schemas.microsoft.com/office/drawing/2010/main" Requires="a14">
+      <mc:AlternateContent xmlns:mc="http://schemas.openxmlformats.org/markup-compatibility/2006" xmlns:a14="http://schemas.microsoft.com/office/drawing/2010/main">
+        <mc:Choice Requires="a14">
           <p:sp>
             <p:nvSpPr>
               <p:cNvPr id="53" name="Rectangle 52"/>
@@ -31174,7 +31430,7 @@
             </p:txBody>
           </p:sp>
         </mc:Choice>
-        <mc:Fallback>
+        <mc:Fallback xmlns="">
           <p:sp>
             <p:nvSpPr>
               <p:cNvPr id="53" name="Rectangle 52"/>
@@ -31213,8 +31469,8 @@
           </p:sp>
         </mc:Fallback>
       </mc:AlternateContent>
-      <mc:AlternateContent xmlns:mc="http://schemas.openxmlformats.org/markup-compatibility/2006">
-        <mc:Choice xmlns:a14="http://schemas.microsoft.com/office/drawing/2010/main" Requires="a14">
+      <mc:AlternateContent xmlns:mc="http://schemas.openxmlformats.org/markup-compatibility/2006" xmlns:a14="http://schemas.microsoft.com/office/drawing/2010/main">
+        <mc:Choice Requires="a14">
           <p:sp>
             <p:nvSpPr>
               <p:cNvPr id="54" name="Rectangle 53"/>
@@ -31319,7 +31575,7 @@
             </p:txBody>
           </p:sp>
         </mc:Choice>
-        <mc:Fallback>
+        <mc:Fallback xmlns="">
           <p:sp>
             <p:nvSpPr>
               <p:cNvPr id="54" name="Rectangle 53"/>
@@ -31358,8 +31614,8 @@
           </p:sp>
         </mc:Fallback>
       </mc:AlternateContent>
-      <mc:AlternateContent xmlns:mc="http://schemas.openxmlformats.org/markup-compatibility/2006">
-        <mc:Choice xmlns:a14="http://schemas.microsoft.com/office/drawing/2010/main" Requires="a14">
+      <mc:AlternateContent xmlns:mc="http://schemas.openxmlformats.org/markup-compatibility/2006" xmlns:a14="http://schemas.microsoft.com/office/drawing/2010/main">
+        <mc:Choice Requires="a14">
           <p:sp>
             <p:nvSpPr>
               <p:cNvPr id="58" name="Rectangle 57"/>
@@ -31453,7 +31709,7 @@
             </p:txBody>
           </p:sp>
         </mc:Choice>
-        <mc:Fallback>
+        <mc:Fallback xmlns="">
           <p:sp>
             <p:nvSpPr>
               <p:cNvPr id="58" name="Rectangle 57"/>
@@ -31588,8 +31844,8 @@
           </a:fontRef>
         </p:style>
       </p:cxnSp>
-      <mc:AlternateContent xmlns:mc="http://schemas.openxmlformats.org/markup-compatibility/2006">
-        <mc:Choice xmlns:a14="http://schemas.microsoft.com/office/drawing/2010/main" Requires="a14">
+      <mc:AlternateContent xmlns:mc="http://schemas.openxmlformats.org/markup-compatibility/2006" xmlns:a14="http://schemas.microsoft.com/office/drawing/2010/main">
+        <mc:Choice Requires="a14">
           <p:sp>
             <p:nvSpPr>
               <p:cNvPr id="66" name="Rectangle 65"/>
@@ -31672,7 +31928,7 @@
             </p:txBody>
           </p:sp>
         </mc:Choice>
-        <mc:Fallback>
+        <mc:Fallback xmlns="">
           <p:sp>
             <p:nvSpPr>
               <p:cNvPr id="66" name="Rectangle 65"/>
@@ -31782,8 +32038,8 @@
             </a:p>
           </p:txBody>
         </p:sp>
-        <mc:AlternateContent xmlns:mc="http://schemas.openxmlformats.org/markup-compatibility/2006">
-          <mc:Choice xmlns:a14="http://schemas.microsoft.com/office/drawing/2010/main" Requires="a14">
+        <mc:AlternateContent xmlns:mc="http://schemas.openxmlformats.org/markup-compatibility/2006" xmlns:a14="http://schemas.microsoft.com/office/drawing/2010/main">
+          <mc:Choice Requires="a14">
             <p:sp>
               <p:nvSpPr>
                 <p:cNvPr id="69" name="Rectangle 68"/>
@@ -31826,7 +32082,7 @@
               </p:txBody>
             </p:sp>
           </mc:Choice>
-          <mc:Fallback>
+          <mc:Fallback xmlns="">
             <p:sp>
               <p:nvSpPr>
                 <p:cNvPr id="69" name="Rectangle 68"/>
@@ -31908,8 +32164,8 @@
           </a:fontRef>
         </p:style>
       </p:cxnSp>
-      <mc:AlternateContent xmlns:mc="http://schemas.openxmlformats.org/markup-compatibility/2006">
-        <mc:Choice xmlns:a14="http://schemas.microsoft.com/office/drawing/2010/main" Requires="a14">
+      <mc:AlternateContent xmlns:mc="http://schemas.openxmlformats.org/markup-compatibility/2006" xmlns:a14="http://schemas.microsoft.com/office/drawing/2010/main">
+        <mc:Choice Requires="a14">
           <p:sp>
             <p:nvSpPr>
               <p:cNvPr id="74" name="Rectangle 73"/>
@@ -31991,7 +32247,7 @@
             </p:txBody>
           </p:sp>
         </mc:Choice>
-        <mc:Fallback>
+        <mc:Fallback xmlns="">
           <p:sp>
             <p:nvSpPr>
               <p:cNvPr id="74" name="Rectangle 73"/>
@@ -32030,8 +32286,8 @@
           </p:sp>
         </mc:Fallback>
       </mc:AlternateContent>
-      <mc:AlternateContent xmlns:mc="http://schemas.openxmlformats.org/markup-compatibility/2006">
-        <mc:Choice xmlns:a14="http://schemas.microsoft.com/office/drawing/2010/main" Requires="a14">
+      <mc:AlternateContent xmlns:mc="http://schemas.openxmlformats.org/markup-compatibility/2006" xmlns:a14="http://schemas.microsoft.com/office/drawing/2010/main">
+        <mc:Choice Requires="a14">
           <p:sp>
             <p:nvSpPr>
               <p:cNvPr id="75" name="Rectangle 74"/>
@@ -32122,7 +32378,7 @@
             </p:txBody>
           </p:sp>
         </mc:Choice>
-        <mc:Fallback>
+        <mc:Fallback xmlns="">
           <p:sp>
             <p:nvSpPr>
               <p:cNvPr id="75" name="Rectangle 74"/>
@@ -32344,17 +32600,16 @@
           <a:p>
             <a:pPr algn="ctr"/>
             <a:r>
-              <a:rPr lang="fr-FR" sz="900" dirty="0" smtClean="0"/>
+              <a:rPr lang="fr-FR" sz="900" dirty="0"/>
               <a:t>Couche</a:t>
             </a:r>
           </a:p>
           <a:p>
             <a:pPr algn="ctr"/>
             <a:r>
-              <a:rPr lang="fr-FR" sz="900" dirty="0" smtClean="0"/>
+              <a:rPr lang="fr-FR" sz="900" dirty="0"/>
               <a:t>d’entrée</a:t>
             </a:r>
-            <a:endParaRPr lang="fr-FR" sz="900" dirty="0"/>
           </a:p>
         </p:txBody>
       </p:sp>
@@ -32382,17 +32637,16 @@
           <a:p>
             <a:pPr algn="ctr"/>
             <a:r>
-              <a:rPr lang="fr-FR" sz="900" dirty="0" smtClean="0"/>
+              <a:rPr lang="fr-FR" sz="900" dirty="0"/>
               <a:t>Couche</a:t>
             </a:r>
           </a:p>
           <a:p>
             <a:pPr algn="ctr"/>
             <a:r>
-              <a:rPr lang="fr-FR" sz="900" dirty="0" smtClean="0"/>
+              <a:rPr lang="fr-FR" sz="900" dirty="0"/>
               <a:t>cachée</a:t>
             </a:r>
-            <a:endParaRPr lang="fr-FR" sz="900" dirty="0"/>
           </a:p>
         </p:txBody>
       </p:sp>
@@ -32420,17 +32674,16 @@
           <a:p>
             <a:pPr algn="ctr"/>
             <a:r>
-              <a:rPr lang="fr-FR" sz="900" dirty="0" smtClean="0"/>
+              <a:rPr lang="fr-FR" sz="900" dirty="0"/>
               <a:t>Couche</a:t>
             </a:r>
           </a:p>
           <a:p>
             <a:pPr algn="ctr"/>
             <a:r>
-              <a:rPr lang="fr-FR" sz="900" dirty="0" smtClean="0"/>
+              <a:rPr lang="fr-FR" sz="900" dirty="0"/>
               <a:t>de sortie</a:t>
             </a:r>
-            <a:endParaRPr lang="fr-FR" sz="900" dirty="0"/>
           </a:p>
         </p:txBody>
       </p:sp>
@@ -32491,8 +32744,8 @@
           </a:p>
         </p:txBody>
       </p:sp>
-      <mc:AlternateContent xmlns:mc="http://schemas.openxmlformats.org/markup-compatibility/2006">
-        <mc:Choice xmlns:a14="http://schemas.microsoft.com/office/drawing/2010/main" Requires="a14">
+      <mc:AlternateContent xmlns:mc="http://schemas.openxmlformats.org/markup-compatibility/2006" xmlns:a14="http://schemas.microsoft.com/office/drawing/2010/main">
+        <mc:Choice Requires="a14">
           <p:sp>
             <p:nvSpPr>
               <p:cNvPr id="55" name="Rectangle 54"/>
@@ -32554,7 +32807,7 @@
             </p:txBody>
           </p:sp>
         </mc:Choice>
-        <mc:Fallback>
+        <mc:Fallback xmlns="">
           <p:sp>
             <p:nvSpPr>
               <p:cNvPr id="55" name="Rectangle 54"/>
@@ -36480,8 +36733,8 @@
           </p:sp>
         </mc:Fallback>
       </mc:AlternateContent>
-      <mc:AlternateContent xmlns:mc="http://schemas.openxmlformats.org/markup-compatibility/2006">
-        <mc:Choice xmlns:a14="http://schemas.microsoft.com/office/drawing/2010/main" Requires="a14">
+      <mc:AlternateContent xmlns:mc="http://schemas.openxmlformats.org/markup-compatibility/2006" xmlns:a14="http://schemas.microsoft.com/office/drawing/2010/main">
+        <mc:Choice Requires="a14">
           <p:sp>
             <p:nvSpPr>
               <p:cNvPr id="67" name="Rectangle 66"/>
@@ -36543,7 +36796,7 @@
             </p:txBody>
           </p:sp>
         </mc:Choice>
-        <mc:Fallback>
+        <mc:Fallback xmlns="">
           <p:sp>
             <p:nvSpPr>
               <p:cNvPr id="67" name="Rectangle 66"/>
@@ -38177,6 +38430,3859 @@
 </file>
 
 <file path=ppt/slides/slide8.xml><?xml version="1.0" encoding="utf-8"?>
+<p:sld xmlns:a="http://schemas.openxmlformats.org/drawingml/2006/main" xmlns:r="http://schemas.openxmlformats.org/officeDocument/2006/relationships" xmlns:p="http://schemas.openxmlformats.org/presentationml/2006/main">
+  <p:cSld>
+    <p:spTree>
+      <p:nvGrpSpPr>
+        <p:cNvPr id="1" name=""/>
+        <p:cNvGrpSpPr/>
+        <p:nvPr/>
+      </p:nvGrpSpPr>
+      <p:grpSpPr>
+        <a:xfrm>
+          <a:off x="0" y="0"/>
+          <a:ext cx="0" cy="0"/>
+          <a:chOff x="0" y="0"/>
+          <a:chExt cx="0" cy="0"/>
+        </a:xfrm>
+      </p:grpSpPr>
+      <p:grpSp>
+        <p:nvGrpSpPr>
+          <p:cNvPr id="4" name="Groupe 3">
+            <a:extLst>
+              <a:ext uri="{FF2B5EF4-FFF2-40B4-BE49-F238E27FC236}">
+                <a16:creationId xmlns:a16="http://schemas.microsoft.com/office/drawing/2014/main" id="{46B3C691-049A-4EC0-AE84-4A142260DC90}"/>
+              </a:ext>
+            </a:extLst>
+          </p:cNvPr>
+          <p:cNvGrpSpPr/>
+          <p:nvPr/>
+        </p:nvGrpSpPr>
+        <p:grpSpPr>
+          <a:xfrm>
+            <a:off x="2915465" y="2353710"/>
+            <a:ext cx="1346920" cy="289970"/>
+            <a:chOff x="2915465" y="2353710"/>
+            <a:chExt cx="1346920" cy="289970"/>
+          </a:xfrm>
+        </p:grpSpPr>
+        <p:grpSp>
+          <p:nvGrpSpPr>
+            <p:cNvPr id="5" name="Groupe 4">
+              <a:extLst>
+                <a:ext uri="{FF2B5EF4-FFF2-40B4-BE49-F238E27FC236}">
+                  <a16:creationId xmlns:a16="http://schemas.microsoft.com/office/drawing/2014/main" id="{A4CD5611-3C0D-4E7A-9DD3-F6B2C3C7065A}"/>
+                </a:ext>
+              </a:extLst>
+            </p:cNvPr>
+            <p:cNvGrpSpPr/>
+            <p:nvPr/>
+          </p:nvGrpSpPr>
+          <p:grpSpPr>
+            <a:xfrm>
+              <a:off x="2930100" y="2353710"/>
+              <a:ext cx="1296000" cy="288000"/>
+              <a:chOff x="2930100" y="2353710"/>
+              <a:chExt cx="1296000" cy="288000"/>
+            </a:xfrm>
+          </p:grpSpPr>
+          <p:sp>
+            <p:nvSpPr>
+              <p:cNvPr id="8" name="Rectangle à coins arrondis 3">
+                <a:extLst>
+                  <a:ext uri="{FF2B5EF4-FFF2-40B4-BE49-F238E27FC236}">
+                    <a16:creationId xmlns:a16="http://schemas.microsoft.com/office/drawing/2014/main" id="{B1035176-EDAF-4033-99F6-63B542171791}"/>
+                  </a:ext>
+                </a:extLst>
+              </p:cNvPr>
+              <p:cNvSpPr/>
+              <p:nvPr/>
+            </p:nvSpPr>
+            <p:spPr>
+              <a:xfrm>
+                <a:off x="2930100" y="2353710"/>
+                <a:ext cx="288000" cy="288000"/>
+              </a:xfrm>
+              <a:prstGeom prst="roundRect">
+                <a:avLst/>
+              </a:prstGeom>
+              <a:solidFill>
+                <a:schemeClr val="accent2">
+                  <a:lumMod val="20000"/>
+                  <a:lumOff val="80000"/>
+                </a:schemeClr>
+              </a:solidFill>
+              <a:ln>
+                <a:solidFill>
+                  <a:schemeClr val="accent2">
+                    <a:lumMod val="50000"/>
+                  </a:schemeClr>
+                </a:solidFill>
+              </a:ln>
+            </p:spPr>
+            <p:style>
+              <a:lnRef idx="2">
+                <a:schemeClr val="accent1">
+                  <a:shade val="50000"/>
+                </a:schemeClr>
+              </a:lnRef>
+              <a:fillRef idx="1">
+                <a:schemeClr val="accent1"/>
+              </a:fillRef>
+              <a:effectRef idx="0">
+                <a:schemeClr val="accent1"/>
+              </a:effectRef>
+              <a:fontRef idx="minor">
+                <a:schemeClr val="lt1"/>
+              </a:fontRef>
+            </p:style>
+            <p:txBody>
+              <a:bodyPr rtlCol="0" anchor="ctr"/>
+              <a:lstStyle/>
+              <a:p>
+                <a:pPr algn="ctr"/>
+                <a:endParaRPr lang="fr-FR" sz="1400" b="1">
+                  <a:solidFill>
+                    <a:schemeClr val="tx1"/>
+                  </a:solidFill>
+                </a:endParaRPr>
+              </a:p>
+            </p:txBody>
+          </p:sp>
+          <p:sp>
+            <p:nvSpPr>
+              <p:cNvPr id="9" name="Ellipse 8">
+                <a:extLst>
+                  <a:ext uri="{FF2B5EF4-FFF2-40B4-BE49-F238E27FC236}">
+                    <a16:creationId xmlns:a16="http://schemas.microsoft.com/office/drawing/2014/main" id="{936F1C1B-034D-4AC8-92EA-DEF25B82DD12}"/>
+                  </a:ext>
+                </a:extLst>
+              </p:cNvPr>
+              <p:cNvSpPr/>
+              <p:nvPr/>
+            </p:nvSpPr>
+            <p:spPr>
+              <a:xfrm>
+                <a:off x="3938100" y="2353710"/>
+                <a:ext cx="288000" cy="288000"/>
+              </a:xfrm>
+              <a:prstGeom prst="ellipse">
+                <a:avLst/>
+              </a:prstGeom>
+              <a:solidFill>
+                <a:schemeClr val="accent2">
+                  <a:lumMod val="20000"/>
+                  <a:lumOff val="80000"/>
+                </a:schemeClr>
+              </a:solidFill>
+              <a:ln>
+                <a:solidFill>
+                  <a:schemeClr val="accent2">
+                    <a:lumMod val="50000"/>
+                  </a:schemeClr>
+                </a:solidFill>
+              </a:ln>
+            </p:spPr>
+            <p:style>
+              <a:lnRef idx="2">
+                <a:schemeClr val="accent1">
+                  <a:shade val="50000"/>
+                </a:schemeClr>
+              </a:lnRef>
+              <a:fillRef idx="1">
+                <a:schemeClr val="accent1"/>
+              </a:fillRef>
+              <a:effectRef idx="0">
+                <a:schemeClr val="accent1"/>
+              </a:effectRef>
+              <a:fontRef idx="minor">
+                <a:schemeClr val="lt1"/>
+              </a:fontRef>
+            </p:style>
+            <p:txBody>
+              <a:bodyPr rtlCol="0" anchor="ctr"/>
+              <a:lstStyle/>
+              <a:p>
+                <a:pPr algn="ctr"/>
+                <a:endParaRPr lang="fr-FR" sz="1400" b="1" dirty="0">
+                  <a:solidFill>
+                    <a:schemeClr val="tx1"/>
+                  </a:solidFill>
+                </a:endParaRPr>
+              </a:p>
+            </p:txBody>
+          </p:sp>
+          <p:cxnSp>
+            <p:nvCxnSpPr>
+              <p:cNvPr id="10" name="Connecteur droit avec flèche 9">
+                <a:extLst>
+                  <a:ext uri="{FF2B5EF4-FFF2-40B4-BE49-F238E27FC236}">
+                    <a16:creationId xmlns:a16="http://schemas.microsoft.com/office/drawing/2014/main" id="{9F193627-0D7D-4496-A270-74234B778F5E}"/>
+                  </a:ext>
+                </a:extLst>
+              </p:cNvPr>
+              <p:cNvCxnSpPr/>
+              <p:nvPr/>
+            </p:nvCxnSpPr>
+            <p:spPr>
+              <a:xfrm>
+                <a:off x="3218100" y="2497710"/>
+                <a:ext cx="720000" cy="0"/>
+              </a:xfrm>
+              <a:prstGeom prst="straightConnector1">
+                <a:avLst/>
+              </a:prstGeom>
+              <a:ln w="12700">
+                <a:solidFill>
+                  <a:schemeClr val="tx1">
+                    <a:lumMod val="65000"/>
+                    <a:lumOff val="35000"/>
+                  </a:schemeClr>
+                </a:solidFill>
+                <a:tailEnd type="stealth" w="med" len="lg"/>
+              </a:ln>
+            </p:spPr>
+            <p:style>
+              <a:lnRef idx="1">
+                <a:schemeClr val="accent1"/>
+              </a:lnRef>
+              <a:fillRef idx="0">
+                <a:schemeClr val="accent1"/>
+              </a:fillRef>
+              <a:effectRef idx="0">
+                <a:schemeClr val="accent1"/>
+              </a:effectRef>
+              <a:fontRef idx="minor">
+                <a:schemeClr val="tx1"/>
+              </a:fontRef>
+            </p:style>
+          </p:cxnSp>
+        </p:grpSp>
+        <mc:AlternateContent xmlns:mc="http://schemas.openxmlformats.org/markup-compatibility/2006" xmlns:a14="http://schemas.microsoft.com/office/drawing/2010/main">
+          <mc:Choice Requires="a14">
+            <p:sp>
+              <p:nvSpPr>
+                <p:cNvPr id="6" name="Rectangle 5">
+                  <a:extLst>
+                    <a:ext uri="{FF2B5EF4-FFF2-40B4-BE49-F238E27FC236}">
+                      <a16:creationId xmlns:a16="http://schemas.microsoft.com/office/drawing/2014/main" id="{7B7BDDE8-B407-43D7-8115-4FF7465EA28F}"/>
+                    </a:ext>
+                  </a:extLst>
+                </p:cNvPr>
+                <p:cNvSpPr/>
+                <p:nvPr/>
+              </p:nvSpPr>
+              <p:spPr>
+                <a:xfrm>
+                  <a:off x="2915465" y="2374599"/>
+                  <a:ext cx="317270" cy="246221"/>
+                </a:xfrm>
+                <a:prstGeom prst="rect">
+                  <a:avLst/>
+                </a:prstGeom>
+              </p:spPr>
+              <p:txBody>
+                <a:bodyPr wrap="square">
+                  <a:spAutoFit/>
+                </a:bodyPr>
+                <a:lstStyle/>
+                <a:p>
+                  <a:pPr algn="ctr"/>
+                  <a14:m>
+                    <m:oMathPara xmlns:m="http://schemas.openxmlformats.org/officeDocument/2006/math">
+                      <m:oMathParaPr>
+                        <m:jc m:val="center"/>
+                      </m:oMathParaPr>
+                      <m:oMath xmlns:m="http://schemas.openxmlformats.org/officeDocument/2006/math">
+                        <m:sSub>
+                          <m:sSubPr>
+                            <m:ctrlPr>
+                              <a:rPr lang="fr-FR" sz="1000" b="1" i="1" smtClean="0">
+                                <a:latin typeface="Cambria Math" panose="02040503050406030204" pitchFamily="18" charset="0"/>
+                              </a:rPr>
+                            </m:ctrlPr>
+                          </m:sSubPr>
+                          <m:e>
+                            <m:r>
+                              <a:rPr lang="fr-FR" sz="1000" b="1" i="1" smtClean="0">
+                                <a:latin typeface="Cambria Math" panose="02040503050406030204" pitchFamily="18" charset="0"/>
+                              </a:rPr>
+                              <m:t>𝒙</m:t>
+                            </m:r>
+                          </m:e>
+                          <m:sub>
+                            <m:r>
+                              <a:rPr lang="fr-FR" sz="1000" b="1" i="1" smtClean="0">
+                                <a:latin typeface="Cambria Math" panose="02040503050406030204" pitchFamily="18" charset="0"/>
+                              </a:rPr>
+                              <m:t>𝟎</m:t>
+                            </m:r>
+                          </m:sub>
+                        </m:sSub>
+                      </m:oMath>
+                    </m:oMathPara>
+                  </a14:m>
+                  <a:endParaRPr lang="fr-FR" sz="1000" b="1" dirty="0"/>
+                </a:p>
+              </p:txBody>
+            </p:sp>
+          </mc:Choice>
+          <mc:Fallback xmlns="">
+            <p:sp>
+              <p:nvSpPr>
+                <p:cNvPr id="11" name="Rectangle 10"/>
+                <p:cNvSpPr>
+                  <a:spLocks noRot="1" noChangeAspect="1" noMove="1" noResize="1" noEditPoints="1" noAdjustHandles="1" noChangeArrowheads="1" noChangeShapeType="1" noTextEdit="1"/>
+                </p:cNvSpPr>
+                <p:nvPr/>
+              </p:nvSpPr>
+              <p:spPr>
+                <a:xfrm>
+                  <a:off x="2915465" y="2374599"/>
+                  <a:ext cx="317270" cy="246221"/>
+                </a:xfrm>
+                <a:prstGeom prst="rect">
+                  <a:avLst/>
+                </a:prstGeom>
+                <a:blipFill>
+                  <a:blip r:embed="rId2"/>
+                  <a:stretch>
+                    <a:fillRect/>
+                  </a:stretch>
+                </a:blipFill>
+              </p:spPr>
+              <p:txBody>
+                <a:bodyPr/>
+                <a:lstStyle/>
+                <a:p>
+                  <a:r>
+                    <a:rPr lang="fr-FR">
+                      <a:noFill/>
+                    </a:rPr>
+                    <a:t> </a:t>
+                  </a:r>
+                </a:p>
+              </p:txBody>
+            </p:sp>
+          </mc:Fallback>
+        </mc:AlternateContent>
+        <mc:AlternateContent xmlns:mc="http://schemas.openxmlformats.org/markup-compatibility/2006" xmlns:a14="http://schemas.microsoft.com/office/drawing/2010/main">
+          <mc:Choice Requires="a14">
+            <p:sp>
+              <p:nvSpPr>
+                <p:cNvPr id="7" name="Rectangle 6">
+                  <a:extLst>
+                    <a:ext uri="{FF2B5EF4-FFF2-40B4-BE49-F238E27FC236}">
+                      <a16:creationId xmlns:a16="http://schemas.microsoft.com/office/drawing/2014/main" id="{DCF31564-9C76-44C9-949A-9776A548BC42}"/>
+                    </a:ext>
+                  </a:extLst>
+                </p:cNvPr>
+                <p:cNvSpPr/>
+                <p:nvPr/>
+              </p:nvSpPr>
+              <p:spPr>
+                <a:xfrm>
+                  <a:off x="3945115" y="2357768"/>
+                  <a:ext cx="317270" cy="285912"/>
+                </a:xfrm>
+                <a:prstGeom prst="rect">
+                  <a:avLst/>
+                </a:prstGeom>
+              </p:spPr>
+              <p:txBody>
+                <a:bodyPr wrap="square">
+                  <a:spAutoFit/>
+                </a:bodyPr>
+                <a:lstStyle/>
+                <a:p>
+                  <a:pPr algn="ctr"/>
+                  <a14:m>
+                    <m:oMathPara xmlns:m="http://schemas.openxmlformats.org/officeDocument/2006/math">
+                      <m:oMathParaPr>
+                        <m:jc m:val="center"/>
+                      </m:oMathParaPr>
+                      <m:oMath xmlns:m="http://schemas.openxmlformats.org/officeDocument/2006/math">
+                        <m:sSubSup>
+                          <m:sSubSupPr>
+                            <m:ctrlPr>
+                              <a:rPr lang="fr-FR" sz="1000" b="1" i="1" smtClean="0">
+                                <a:latin typeface="Cambria Math" panose="02040503050406030204" pitchFamily="18" charset="0"/>
+                              </a:rPr>
+                            </m:ctrlPr>
+                          </m:sSubSupPr>
+                          <m:e>
+                            <m:r>
+                              <a:rPr lang="fr-FR" sz="1000" b="1" i="1" smtClean="0">
+                                <a:latin typeface="Cambria Math" panose="02040503050406030204" pitchFamily="18" charset="0"/>
+                              </a:rPr>
+                              <m:t>𝒂</m:t>
+                            </m:r>
+                          </m:e>
+                          <m:sub>
+                            <m:r>
+                              <a:rPr lang="fr-FR" sz="1000" b="1" i="1" smtClean="0">
+                                <a:solidFill>
+                                  <a:schemeClr val="accent4">
+                                    <a:lumMod val="50000"/>
+                                  </a:schemeClr>
+                                </a:solidFill>
+                                <a:latin typeface="Cambria Math" panose="02040503050406030204" pitchFamily="18" charset="0"/>
+                              </a:rPr>
+                              <m:t>𝟎</m:t>
+                            </m:r>
+                          </m:sub>
+                          <m:sup>
+                            <m:d>
+                              <m:dPr>
+                                <m:begChr m:val="["/>
+                                <m:endChr m:val="]"/>
+                                <m:ctrlPr>
+                                  <a:rPr lang="fr-FR" sz="1000" b="1" i="1" smtClean="0">
+                                    <a:latin typeface="Cambria Math" panose="02040503050406030204" pitchFamily="18" charset="0"/>
+                                  </a:rPr>
+                                </m:ctrlPr>
+                              </m:dPr>
+                              <m:e>
+                                <m:r>
+                                  <a:rPr lang="fr-FR" sz="1000" b="1" i="1" smtClean="0">
+                                    <a:latin typeface="Cambria Math" panose="02040503050406030204" pitchFamily="18" charset="0"/>
+                                  </a:rPr>
+                                  <m:t>𝟎</m:t>
+                                </m:r>
+                              </m:e>
+                            </m:d>
+                          </m:sup>
+                        </m:sSubSup>
+                      </m:oMath>
+                    </m:oMathPara>
+                  </a14:m>
+                  <a:endParaRPr lang="fr-FR" sz="1000" b="1" dirty="0"/>
+                </a:p>
+              </p:txBody>
+            </p:sp>
+          </mc:Choice>
+          <mc:Fallback xmlns="">
+            <p:sp>
+              <p:nvSpPr>
+                <p:cNvPr id="12" name="Rectangle 11"/>
+                <p:cNvSpPr>
+                  <a:spLocks noRot="1" noChangeAspect="1" noMove="1" noResize="1" noEditPoints="1" noAdjustHandles="1" noChangeArrowheads="1" noChangeShapeType="1" noTextEdit="1"/>
+                </p:cNvSpPr>
+                <p:nvPr/>
+              </p:nvSpPr>
+              <p:spPr>
+                <a:xfrm>
+                  <a:off x="3945115" y="2357768"/>
+                  <a:ext cx="317270" cy="285912"/>
+                </a:xfrm>
+                <a:prstGeom prst="rect">
+                  <a:avLst/>
+                </a:prstGeom>
+                <a:blipFill>
+                  <a:blip r:embed="rId3"/>
+                  <a:stretch>
+                    <a:fillRect/>
+                  </a:stretch>
+                </a:blipFill>
+              </p:spPr>
+              <p:txBody>
+                <a:bodyPr/>
+                <a:lstStyle/>
+                <a:p>
+                  <a:r>
+                    <a:rPr lang="fr-FR">
+                      <a:noFill/>
+                    </a:rPr>
+                    <a:t> </a:t>
+                  </a:r>
+                </a:p>
+              </p:txBody>
+            </p:sp>
+          </mc:Fallback>
+        </mc:AlternateContent>
+      </p:grpSp>
+      <p:grpSp>
+        <p:nvGrpSpPr>
+          <p:cNvPr id="11" name="Groupe 10">
+            <a:extLst>
+              <a:ext uri="{FF2B5EF4-FFF2-40B4-BE49-F238E27FC236}">
+                <a16:creationId xmlns:a16="http://schemas.microsoft.com/office/drawing/2014/main" id="{00BCB8C6-1C05-4772-8D65-575C26501059}"/>
+              </a:ext>
+            </a:extLst>
+          </p:cNvPr>
+          <p:cNvGrpSpPr/>
+          <p:nvPr/>
+        </p:nvGrpSpPr>
+        <p:grpSpPr>
+          <a:xfrm>
+            <a:off x="2915465" y="3001710"/>
+            <a:ext cx="1346920" cy="294074"/>
+            <a:chOff x="2915465" y="2353710"/>
+            <a:chExt cx="1346920" cy="294074"/>
+          </a:xfrm>
+        </p:grpSpPr>
+        <p:grpSp>
+          <p:nvGrpSpPr>
+            <p:cNvPr id="12" name="Groupe 11">
+              <a:extLst>
+                <a:ext uri="{FF2B5EF4-FFF2-40B4-BE49-F238E27FC236}">
+                  <a16:creationId xmlns:a16="http://schemas.microsoft.com/office/drawing/2014/main" id="{747D4264-1E5F-4BE5-ABC5-849FABCA89D9}"/>
+                </a:ext>
+              </a:extLst>
+            </p:cNvPr>
+            <p:cNvGrpSpPr/>
+            <p:nvPr/>
+          </p:nvGrpSpPr>
+          <p:grpSpPr>
+            <a:xfrm>
+              <a:off x="2930100" y="2353710"/>
+              <a:ext cx="1296000" cy="288000"/>
+              <a:chOff x="2930100" y="2353710"/>
+              <a:chExt cx="1296000" cy="288000"/>
+            </a:xfrm>
+          </p:grpSpPr>
+          <p:sp>
+            <p:nvSpPr>
+              <p:cNvPr id="15" name="Rectangle à coins arrondis 17">
+                <a:extLst>
+                  <a:ext uri="{FF2B5EF4-FFF2-40B4-BE49-F238E27FC236}">
+                    <a16:creationId xmlns:a16="http://schemas.microsoft.com/office/drawing/2014/main" id="{93F04056-32F3-4A73-906D-2CEFAC2A04C6}"/>
+                  </a:ext>
+                </a:extLst>
+              </p:cNvPr>
+              <p:cNvSpPr/>
+              <p:nvPr/>
+            </p:nvSpPr>
+            <p:spPr>
+              <a:xfrm>
+                <a:off x="2930100" y="2353710"/>
+                <a:ext cx="288000" cy="288000"/>
+              </a:xfrm>
+              <a:prstGeom prst="roundRect">
+                <a:avLst/>
+              </a:prstGeom>
+              <a:solidFill>
+                <a:schemeClr val="accent2">
+                  <a:lumMod val="20000"/>
+                  <a:lumOff val="80000"/>
+                </a:schemeClr>
+              </a:solidFill>
+              <a:ln>
+                <a:solidFill>
+                  <a:schemeClr val="accent2">
+                    <a:lumMod val="50000"/>
+                  </a:schemeClr>
+                </a:solidFill>
+              </a:ln>
+            </p:spPr>
+            <p:style>
+              <a:lnRef idx="2">
+                <a:schemeClr val="accent1">
+                  <a:shade val="50000"/>
+                </a:schemeClr>
+              </a:lnRef>
+              <a:fillRef idx="1">
+                <a:schemeClr val="accent1"/>
+              </a:fillRef>
+              <a:effectRef idx="0">
+                <a:schemeClr val="accent1"/>
+              </a:effectRef>
+              <a:fontRef idx="minor">
+                <a:schemeClr val="lt1"/>
+              </a:fontRef>
+            </p:style>
+            <p:txBody>
+              <a:bodyPr rtlCol="0" anchor="ctr"/>
+              <a:lstStyle/>
+              <a:p>
+                <a:pPr algn="ctr"/>
+                <a:endParaRPr lang="fr-FR" sz="1400" b="1">
+                  <a:solidFill>
+                    <a:schemeClr val="tx1"/>
+                  </a:solidFill>
+                </a:endParaRPr>
+              </a:p>
+            </p:txBody>
+          </p:sp>
+          <p:sp>
+            <p:nvSpPr>
+              <p:cNvPr id="16" name="Ellipse 15">
+                <a:extLst>
+                  <a:ext uri="{FF2B5EF4-FFF2-40B4-BE49-F238E27FC236}">
+                    <a16:creationId xmlns:a16="http://schemas.microsoft.com/office/drawing/2014/main" id="{4094680F-DB52-4D6F-9791-6A733E23B467}"/>
+                  </a:ext>
+                </a:extLst>
+              </p:cNvPr>
+              <p:cNvSpPr/>
+              <p:nvPr/>
+            </p:nvSpPr>
+            <p:spPr>
+              <a:xfrm>
+                <a:off x="3938100" y="2353710"/>
+                <a:ext cx="288000" cy="288000"/>
+              </a:xfrm>
+              <a:prstGeom prst="ellipse">
+                <a:avLst/>
+              </a:prstGeom>
+              <a:solidFill>
+                <a:schemeClr val="accent2">
+                  <a:lumMod val="20000"/>
+                  <a:lumOff val="80000"/>
+                </a:schemeClr>
+              </a:solidFill>
+              <a:ln>
+                <a:solidFill>
+                  <a:schemeClr val="accent2">
+                    <a:lumMod val="50000"/>
+                  </a:schemeClr>
+                </a:solidFill>
+              </a:ln>
+            </p:spPr>
+            <p:style>
+              <a:lnRef idx="2">
+                <a:schemeClr val="accent1">
+                  <a:shade val="50000"/>
+                </a:schemeClr>
+              </a:lnRef>
+              <a:fillRef idx="1">
+                <a:schemeClr val="accent1"/>
+              </a:fillRef>
+              <a:effectRef idx="0">
+                <a:schemeClr val="accent1"/>
+              </a:effectRef>
+              <a:fontRef idx="minor">
+                <a:schemeClr val="lt1"/>
+              </a:fontRef>
+            </p:style>
+            <p:txBody>
+              <a:bodyPr rtlCol="0" anchor="ctr"/>
+              <a:lstStyle/>
+              <a:p>
+                <a:pPr algn="ctr"/>
+                <a:endParaRPr lang="fr-FR" sz="1400" b="1" dirty="0">
+                  <a:solidFill>
+                    <a:schemeClr val="tx1"/>
+                  </a:solidFill>
+                </a:endParaRPr>
+              </a:p>
+            </p:txBody>
+          </p:sp>
+          <p:cxnSp>
+            <p:nvCxnSpPr>
+              <p:cNvPr id="17" name="Connecteur droit avec flèche 16">
+                <a:extLst>
+                  <a:ext uri="{FF2B5EF4-FFF2-40B4-BE49-F238E27FC236}">
+                    <a16:creationId xmlns:a16="http://schemas.microsoft.com/office/drawing/2014/main" id="{6AE92276-E88D-4DF1-B498-B6E72BADF786}"/>
+                  </a:ext>
+                </a:extLst>
+              </p:cNvPr>
+              <p:cNvCxnSpPr/>
+              <p:nvPr/>
+            </p:nvCxnSpPr>
+            <p:spPr>
+              <a:xfrm>
+                <a:off x="3218100" y="2497710"/>
+                <a:ext cx="720000" cy="0"/>
+              </a:xfrm>
+              <a:prstGeom prst="straightConnector1">
+                <a:avLst/>
+              </a:prstGeom>
+              <a:ln w="12700">
+                <a:solidFill>
+                  <a:schemeClr val="tx1">
+                    <a:lumMod val="65000"/>
+                    <a:lumOff val="35000"/>
+                  </a:schemeClr>
+                </a:solidFill>
+                <a:tailEnd type="stealth" w="med" len="lg"/>
+              </a:ln>
+            </p:spPr>
+            <p:style>
+              <a:lnRef idx="1">
+                <a:schemeClr val="accent1"/>
+              </a:lnRef>
+              <a:fillRef idx="0">
+                <a:schemeClr val="accent1"/>
+              </a:fillRef>
+              <a:effectRef idx="0">
+                <a:schemeClr val="accent1"/>
+              </a:effectRef>
+              <a:fontRef idx="minor">
+                <a:schemeClr val="tx1"/>
+              </a:fontRef>
+            </p:style>
+          </p:cxnSp>
+        </p:grpSp>
+        <mc:AlternateContent xmlns:mc="http://schemas.openxmlformats.org/markup-compatibility/2006">
+          <mc:Choice xmlns:a14="http://schemas.microsoft.com/office/drawing/2010/main" Requires="a14">
+            <p:sp>
+              <p:nvSpPr>
+                <p:cNvPr id="13" name="Rectangle 12">
+                  <a:extLst>
+                    <a:ext uri="{FF2B5EF4-FFF2-40B4-BE49-F238E27FC236}">
+                      <a16:creationId xmlns:a16="http://schemas.microsoft.com/office/drawing/2014/main" id="{772243B0-A254-4481-9394-3ECD8DC38746}"/>
+                    </a:ext>
+                  </a:extLst>
+                </p:cNvPr>
+                <p:cNvSpPr/>
+                <p:nvPr/>
+              </p:nvSpPr>
+              <p:spPr>
+                <a:xfrm>
+                  <a:off x="2915465" y="2374599"/>
+                  <a:ext cx="317270" cy="246221"/>
+                </a:xfrm>
+                <a:prstGeom prst="rect">
+                  <a:avLst/>
+                </a:prstGeom>
+              </p:spPr>
+              <p:txBody>
+                <a:bodyPr wrap="square">
+                  <a:spAutoFit/>
+                </a:bodyPr>
+                <a:lstStyle/>
+                <a:p>
+                  <a:pPr algn="ctr"/>
+                  <a14:m>
+                    <m:oMathPara xmlns:m="http://schemas.openxmlformats.org/officeDocument/2006/math">
+                      <m:oMathParaPr>
+                        <m:jc m:val="center"/>
+                      </m:oMathParaPr>
+                      <m:oMath xmlns:m="http://schemas.openxmlformats.org/officeDocument/2006/math">
+                        <m:sSub>
+                          <m:sSubPr>
+                            <m:ctrlPr>
+                              <a:rPr lang="fr-FR" sz="1000" b="1" i="1" smtClean="0">
+                                <a:latin typeface="Cambria Math" panose="02040503050406030204" pitchFamily="18" charset="0"/>
+                              </a:rPr>
+                            </m:ctrlPr>
+                          </m:sSubPr>
+                          <m:e>
+                            <m:r>
+                              <a:rPr lang="fr-FR" sz="1000" b="1" i="1" smtClean="0">
+                                <a:latin typeface="Cambria Math" panose="02040503050406030204" pitchFamily="18" charset="0"/>
+                              </a:rPr>
+                              <m:t>𝒙</m:t>
+                            </m:r>
+                          </m:e>
+                          <m:sub>
+                            <m:r>
+                              <a:rPr lang="fr-FR" sz="1000" b="1" i="1" smtClean="0">
+                                <a:latin typeface="Cambria Math" panose="02040503050406030204" pitchFamily="18" charset="0"/>
+                              </a:rPr>
+                              <m:t>𝟏</m:t>
+                            </m:r>
+                          </m:sub>
+                        </m:sSub>
+                      </m:oMath>
+                    </m:oMathPara>
+                  </a14:m>
+                  <a:endParaRPr lang="fr-FR" sz="1000" b="1" dirty="0"/>
+                </a:p>
+              </p:txBody>
+            </p:sp>
+          </mc:Choice>
+          <mc:Fallback>
+            <p:sp>
+              <p:nvSpPr>
+                <p:cNvPr id="13" name="Rectangle 12">
+                  <a:extLst>
+                    <a:ext uri="{FF2B5EF4-FFF2-40B4-BE49-F238E27FC236}">
+                      <a16:creationId xmlns:a16="http://schemas.microsoft.com/office/drawing/2014/main" id="{772243B0-A254-4481-9394-3ECD8DC38746}"/>
+                    </a:ext>
+                  </a:extLst>
+                </p:cNvPr>
+                <p:cNvSpPr>
+                  <a:spLocks noRot="1" noChangeAspect="1" noMove="1" noResize="1" noEditPoints="1" noAdjustHandles="1" noChangeArrowheads="1" noChangeShapeType="1" noTextEdit="1"/>
+                </p:cNvSpPr>
+                <p:nvPr/>
+              </p:nvSpPr>
+              <p:spPr>
+                <a:xfrm>
+                  <a:off x="2915465" y="2374599"/>
+                  <a:ext cx="317270" cy="246221"/>
+                </a:xfrm>
+                <a:prstGeom prst="rect">
+                  <a:avLst/>
+                </a:prstGeom>
+                <a:blipFill>
+                  <a:blip r:embed="rId4"/>
+                  <a:stretch>
+                    <a:fillRect/>
+                  </a:stretch>
+                </a:blipFill>
+              </p:spPr>
+              <p:txBody>
+                <a:bodyPr/>
+                <a:lstStyle/>
+                <a:p>
+                  <a:r>
+                    <a:rPr lang="fr-FR">
+                      <a:noFill/>
+                    </a:rPr>
+                    <a:t> </a:t>
+                  </a:r>
+                </a:p>
+              </p:txBody>
+            </p:sp>
+          </mc:Fallback>
+        </mc:AlternateContent>
+        <mc:AlternateContent xmlns:mc="http://schemas.openxmlformats.org/markup-compatibility/2006">
+          <mc:Choice xmlns:a14="http://schemas.microsoft.com/office/drawing/2010/main" Requires="a14">
+            <p:sp>
+              <p:nvSpPr>
+                <p:cNvPr id="14" name="Rectangle 13">
+                  <a:extLst>
+                    <a:ext uri="{FF2B5EF4-FFF2-40B4-BE49-F238E27FC236}">
+                      <a16:creationId xmlns:a16="http://schemas.microsoft.com/office/drawing/2014/main" id="{929F5247-7632-40D4-91A3-3593673B0FCE}"/>
+                    </a:ext>
+                  </a:extLst>
+                </p:cNvPr>
+                <p:cNvSpPr/>
+                <p:nvPr/>
+              </p:nvSpPr>
+              <p:spPr>
+                <a:xfrm>
+                  <a:off x="3945115" y="2357768"/>
+                  <a:ext cx="317270" cy="290016"/>
+                </a:xfrm>
+                <a:prstGeom prst="rect">
+                  <a:avLst/>
+                </a:prstGeom>
+              </p:spPr>
+              <p:txBody>
+                <a:bodyPr wrap="square">
+                  <a:spAutoFit/>
+                </a:bodyPr>
+                <a:lstStyle/>
+                <a:p>
+                  <a:pPr algn="ctr"/>
+                  <a14:m>
+                    <m:oMathPara xmlns:m="http://schemas.openxmlformats.org/officeDocument/2006/math">
+                      <m:oMathParaPr>
+                        <m:jc m:val="center"/>
+                      </m:oMathParaPr>
+                      <m:oMath xmlns:m="http://schemas.openxmlformats.org/officeDocument/2006/math">
+                        <m:sSubSup>
+                          <m:sSubSupPr>
+                            <m:ctrlPr>
+                              <a:rPr lang="fr-FR" sz="1000" b="1" i="1" smtClean="0">
+                                <a:latin typeface="Cambria Math" panose="02040503050406030204" pitchFamily="18" charset="0"/>
+                              </a:rPr>
+                            </m:ctrlPr>
+                          </m:sSubSupPr>
+                          <m:e>
+                            <m:r>
+                              <a:rPr lang="fr-FR" sz="1000" b="1" i="1" smtClean="0">
+                                <a:latin typeface="Cambria Math" panose="02040503050406030204" pitchFamily="18" charset="0"/>
+                              </a:rPr>
+                              <m:t>𝒂</m:t>
+                            </m:r>
+                          </m:e>
+                          <m:sub>
+                            <m:r>
+                              <a:rPr lang="fr-FR" sz="1000" b="1" i="1" smtClean="0">
+                                <a:solidFill>
+                                  <a:schemeClr val="accent4">
+                                    <a:lumMod val="50000"/>
+                                  </a:schemeClr>
+                                </a:solidFill>
+                                <a:latin typeface="Cambria Math" panose="02040503050406030204" pitchFamily="18" charset="0"/>
+                              </a:rPr>
+                              <m:t>𝟏</m:t>
+                            </m:r>
+                          </m:sub>
+                          <m:sup>
+                            <m:d>
+                              <m:dPr>
+                                <m:begChr m:val="["/>
+                                <m:endChr m:val="]"/>
+                                <m:ctrlPr>
+                                  <a:rPr lang="fr-FR" sz="1000" b="1" i="1" smtClean="0">
+                                    <a:latin typeface="Cambria Math" panose="02040503050406030204" pitchFamily="18" charset="0"/>
+                                  </a:rPr>
+                                </m:ctrlPr>
+                              </m:dPr>
+                              <m:e>
+                                <m:r>
+                                  <a:rPr lang="fr-FR" sz="1000" b="1" i="1" smtClean="0">
+                                    <a:latin typeface="Cambria Math" panose="02040503050406030204" pitchFamily="18" charset="0"/>
+                                  </a:rPr>
+                                  <m:t>𝟎</m:t>
+                                </m:r>
+                              </m:e>
+                            </m:d>
+                          </m:sup>
+                        </m:sSubSup>
+                      </m:oMath>
+                    </m:oMathPara>
+                  </a14:m>
+                  <a:endParaRPr lang="fr-FR" sz="1000" b="1" dirty="0"/>
+                </a:p>
+              </p:txBody>
+            </p:sp>
+          </mc:Choice>
+          <mc:Fallback>
+            <p:sp>
+              <p:nvSpPr>
+                <p:cNvPr id="14" name="Rectangle 13">
+                  <a:extLst>
+                    <a:ext uri="{FF2B5EF4-FFF2-40B4-BE49-F238E27FC236}">
+                      <a16:creationId xmlns:a16="http://schemas.microsoft.com/office/drawing/2014/main" id="{929F5247-7632-40D4-91A3-3593673B0FCE}"/>
+                    </a:ext>
+                  </a:extLst>
+                </p:cNvPr>
+                <p:cNvSpPr>
+                  <a:spLocks noRot="1" noChangeAspect="1" noMove="1" noResize="1" noEditPoints="1" noAdjustHandles="1" noChangeArrowheads="1" noChangeShapeType="1" noTextEdit="1"/>
+                </p:cNvSpPr>
+                <p:nvPr/>
+              </p:nvSpPr>
+              <p:spPr>
+                <a:xfrm>
+                  <a:off x="3945115" y="2357768"/>
+                  <a:ext cx="317270" cy="290016"/>
+                </a:xfrm>
+                <a:prstGeom prst="rect">
+                  <a:avLst/>
+                </a:prstGeom>
+                <a:blipFill>
+                  <a:blip r:embed="rId5"/>
+                  <a:stretch>
+                    <a:fillRect/>
+                  </a:stretch>
+                </a:blipFill>
+              </p:spPr>
+              <p:txBody>
+                <a:bodyPr/>
+                <a:lstStyle/>
+                <a:p>
+                  <a:r>
+                    <a:rPr lang="fr-FR">
+                      <a:noFill/>
+                    </a:rPr>
+                    <a:t> </a:t>
+                  </a:r>
+                </a:p>
+              </p:txBody>
+            </p:sp>
+          </mc:Fallback>
+        </mc:AlternateContent>
+      </p:grpSp>
+      <p:sp>
+        <p:nvSpPr>
+          <p:cNvPr id="25" name="Ellipse 24">
+            <a:extLst>
+              <a:ext uri="{FF2B5EF4-FFF2-40B4-BE49-F238E27FC236}">
+                <a16:creationId xmlns:a16="http://schemas.microsoft.com/office/drawing/2014/main" id="{96898D7F-5E9C-4CF1-9AD2-56356E669470}"/>
+              </a:ext>
+            </a:extLst>
+          </p:cNvPr>
+          <p:cNvSpPr/>
+          <p:nvPr/>
+        </p:nvSpPr>
+        <p:spPr>
+          <a:xfrm>
+            <a:off x="4941868" y="2354702"/>
+            <a:ext cx="288000" cy="288000"/>
+          </a:xfrm>
+          <a:prstGeom prst="ellipse">
+            <a:avLst/>
+          </a:prstGeom>
+          <a:solidFill>
+            <a:srgbClr val="FFD1D1"/>
+          </a:solidFill>
+          <a:ln>
+            <a:solidFill>
+              <a:srgbClr val="C00000"/>
+            </a:solidFill>
+          </a:ln>
+        </p:spPr>
+        <p:style>
+          <a:lnRef idx="2">
+            <a:schemeClr val="accent1">
+              <a:shade val="50000"/>
+            </a:schemeClr>
+          </a:lnRef>
+          <a:fillRef idx="1">
+            <a:schemeClr val="accent1"/>
+          </a:fillRef>
+          <a:effectRef idx="0">
+            <a:schemeClr val="accent1"/>
+          </a:effectRef>
+          <a:fontRef idx="minor">
+            <a:schemeClr val="lt1"/>
+          </a:fontRef>
+        </p:style>
+        <p:txBody>
+          <a:bodyPr rtlCol="0" anchor="ctr"/>
+          <a:lstStyle/>
+          <a:p>
+            <a:pPr algn="ctr"/>
+            <a:endParaRPr lang="fr-FR" sz="1400" b="1" dirty="0">
+              <a:solidFill>
+                <a:schemeClr val="tx1"/>
+              </a:solidFill>
+            </a:endParaRPr>
+          </a:p>
+        </p:txBody>
+      </p:sp>
+      <p:cxnSp>
+        <p:nvCxnSpPr>
+          <p:cNvPr id="26" name="Connecteur droit avec flèche 25">
+            <a:extLst>
+              <a:ext uri="{FF2B5EF4-FFF2-40B4-BE49-F238E27FC236}">
+                <a16:creationId xmlns:a16="http://schemas.microsoft.com/office/drawing/2014/main" id="{3A052AC0-5392-4207-BACD-B81904A5163F}"/>
+              </a:ext>
+            </a:extLst>
+          </p:cNvPr>
+          <p:cNvCxnSpPr>
+            <a:cxnSpLocks/>
+            <a:stCxn id="9" idx="6"/>
+            <a:endCxn id="25" idx="2"/>
+          </p:cNvCxnSpPr>
+          <p:nvPr/>
+        </p:nvCxnSpPr>
+        <p:spPr>
+          <a:xfrm>
+            <a:off x="4226100" y="2497710"/>
+            <a:ext cx="715768" cy="992"/>
+          </a:xfrm>
+          <a:prstGeom prst="straightConnector1">
+            <a:avLst/>
+          </a:prstGeom>
+          <a:ln w="12700">
+            <a:solidFill>
+              <a:schemeClr val="tx1">
+                <a:lumMod val="65000"/>
+                <a:lumOff val="35000"/>
+              </a:schemeClr>
+            </a:solidFill>
+            <a:tailEnd type="stealth" w="med" len="lg"/>
+          </a:ln>
+        </p:spPr>
+        <p:style>
+          <a:lnRef idx="1">
+            <a:schemeClr val="accent1"/>
+          </a:lnRef>
+          <a:fillRef idx="0">
+            <a:schemeClr val="accent1"/>
+          </a:fillRef>
+          <a:effectRef idx="0">
+            <a:schemeClr val="accent1"/>
+          </a:effectRef>
+          <a:fontRef idx="minor">
+            <a:schemeClr val="tx1"/>
+          </a:fontRef>
+        </p:style>
+      </p:cxnSp>
+      <p:cxnSp>
+        <p:nvCxnSpPr>
+          <p:cNvPr id="27" name="Connecteur droit avec flèche 26">
+            <a:extLst>
+              <a:ext uri="{FF2B5EF4-FFF2-40B4-BE49-F238E27FC236}">
+                <a16:creationId xmlns:a16="http://schemas.microsoft.com/office/drawing/2014/main" id="{B2492710-B806-44ED-8B04-94A109E7E6C3}"/>
+              </a:ext>
+            </a:extLst>
+          </p:cNvPr>
+          <p:cNvCxnSpPr>
+            <a:cxnSpLocks/>
+            <a:stCxn id="16" idx="7"/>
+            <a:endCxn id="25" idx="3"/>
+          </p:cNvCxnSpPr>
+          <p:nvPr/>
+        </p:nvCxnSpPr>
+        <p:spPr>
+          <a:xfrm flipV="1">
+            <a:off x="4183923" y="2600525"/>
+            <a:ext cx="800122" cy="443362"/>
+          </a:xfrm>
+          <a:prstGeom prst="straightConnector1">
+            <a:avLst/>
+          </a:prstGeom>
+          <a:ln w="12700">
+            <a:solidFill>
+              <a:schemeClr val="tx1">
+                <a:lumMod val="65000"/>
+                <a:lumOff val="35000"/>
+              </a:schemeClr>
+            </a:solidFill>
+            <a:tailEnd type="stealth" w="med" len="lg"/>
+          </a:ln>
+        </p:spPr>
+        <p:style>
+          <a:lnRef idx="1">
+            <a:schemeClr val="accent1"/>
+          </a:lnRef>
+          <a:fillRef idx="0">
+            <a:schemeClr val="accent1"/>
+          </a:fillRef>
+          <a:effectRef idx="0">
+            <a:schemeClr val="accent1"/>
+          </a:effectRef>
+          <a:fontRef idx="minor">
+            <a:schemeClr val="tx1"/>
+          </a:fontRef>
+        </p:style>
+      </p:cxnSp>
+      <p:grpSp>
+        <p:nvGrpSpPr>
+          <p:cNvPr id="29" name="Groupe 28">
+            <a:extLst>
+              <a:ext uri="{FF2B5EF4-FFF2-40B4-BE49-F238E27FC236}">
+                <a16:creationId xmlns:a16="http://schemas.microsoft.com/office/drawing/2014/main" id="{33EDF600-D183-44E8-8B91-43AA9CC6A145}"/>
+              </a:ext>
+            </a:extLst>
+          </p:cNvPr>
+          <p:cNvGrpSpPr/>
+          <p:nvPr/>
+        </p:nvGrpSpPr>
+        <p:grpSpPr>
+          <a:xfrm>
+            <a:off x="3938100" y="1711737"/>
+            <a:ext cx="319209" cy="288000"/>
+            <a:chOff x="4931465" y="2355350"/>
+            <a:chExt cx="319209" cy="288000"/>
+          </a:xfrm>
+        </p:grpSpPr>
+        <p:sp>
+          <p:nvSpPr>
+            <p:cNvPr id="30" name="Ellipse 29">
+              <a:extLst>
+                <a:ext uri="{FF2B5EF4-FFF2-40B4-BE49-F238E27FC236}">
+                  <a16:creationId xmlns:a16="http://schemas.microsoft.com/office/drawing/2014/main" id="{77E3EC62-CF52-4148-BD7D-6A7B7D3E6AF3}"/>
+                </a:ext>
+              </a:extLst>
+            </p:cNvPr>
+            <p:cNvSpPr/>
+            <p:nvPr/>
+          </p:nvSpPr>
+          <p:spPr>
+            <a:xfrm>
+              <a:off x="4931465" y="2355350"/>
+              <a:ext cx="288000" cy="288000"/>
+            </a:xfrm>
+            <a:prstGeom prst="ellipse">
+              <a:avLst/>
+            </a:prstGeom>
+            <a:solidFill>
+              <a:schemeClr val="accent2">
+                <a:lumMod val="20000"/>
+                <a:lumOff val="80000"/>
+              </a:schemeClr>
+            </a:solidFill>
+            <a:ln>
+              <a:solidFill>
+                <a:schemeClr val="accent2">
+                  <a:lumMod val="50000"/>
+                </a:schemeClr>
+              </a:solidFill>
+            </a:ln>
+          </p:spPr>
+          <p:style>
+            <a:lnRef idx="2">
+              <a:schemeClr val="accent1">
+                <a:shade val="50000"/>
+              </a:schemeClr>
+            </a:lnRef>
+            <a:fillRef idx="1">
+              <a:schemeClr val="accent1"/>
+            </a:fillRef>
+            <a:effectRef idx="0">
+              <a:schemeClr val="accent1"/>
+            </a:effectRef>
+            <a:fontRef idx="minor">
+              <a:schemeClr val="lt1"/>
+            </a:fontRef>
+          </p:style>
+          <p:txBody>
+            <a:bodyPr rtlCol="0" anchor="ctr"/>
+            <a:lstStyle/>
+            <a:p>
+              <a:pPr algn="ctr"/>
+              <a:endParaRPr lang="fr-FR" sz="1400" b="1" dirty="0">
+                <a:solidFill>
+                  <a:schemeClr val="tx1"/>
+                </a:solidFill>
+              </a:endParaRPr>
+            </a:p>
+          </p:txBody>
+        </p:sp>
+        <mc:AlternateContent xmlns:mc="http://schemas.openxmlformats.org/markup-compatibility/2006" xmlns:a14="http://schemas.microsoft.com/office/drawing/2010/main">
+          <mc:Choice Requires="a14">
+            <p:sp>
+              <p:nvSpPr>
+                <p:cNvPr id="31" name="Rectangle 30">
+                  <a:extLst>
+                    <a:ext uri="{FF2B5EF4-FFF2-40B4-BE49-F238E27FC236}">
+                      <a16:creationId xmlns:a16="http://schemas.microsoft.com/office/drawing/2014/main" id="{76237054-914F-4ECE-8314-F73BAA5D7CFE}"/>
+                    </a:ext>
+                  </a:extLst>
+                </p:cNvPr>
+                <p:cNvSpPr/>
+                <p:nvPr/>
+              </p:nvSpPr>
+              <p:spPr>
+                <a:xfrm>
+                  <a:off x="4933404" y="2385501"/>
+                  <a:ext cx="317270" cy="246221"/>
+                </a:xfrm>
+                <a:prstGeom prst="rect">
+                  <a:avLst/>
+                </a:prstGeom>
+              </p:spPr>
+              <p:txBody>
+                <a:bodyPr wrap="square">
+                  <a:spAutoFit/>
+                </a:bodyPr>
+                <a:lstStyle/>
+                <a:p>
+                  <a:pPr algn="ctr"/>
+                  <a14:m>
+                    <m:oMathPara xmlns:m="http://schemas.openxmlformats.org/officeDocument/2006/math">
+                      <m:oMathParaPr>
+                        <m:jc m:val="center"/>
+                      </m:oMathParaPr>
+                      <m:oMath xmlns:m="http://schemas.openxmlformats.org/officeDocument/2006/math">
+                        <m:r>
+                          <a:rPr lang="fr-FR" sz="1000" b="1" i="1" smtClean="0">
+                            <a:latin typeface="Cambria Math" panose="02040503050406030204" pitchFamily="18" charset="0"/>
+                          </a:rPr>
+                          <m:t>𝟏</m:t>
+                        </m:r>
+                      </m:oMath>
+                    </m:oMathPara>
+                  </a14:m>
+                  <a:endParaRPr lang="fr-FR" sz="1000" b="1" dirty="0"/>
+                </a:p>
+              </p:txBody>
+            </p:sp>
+          </mc:Choice>
+          <mc:Fallback xmlns="">
+            <p:sp>
+              <p:nvSpPr>
+                <p:cNvPr id="44" name="Rectangle 43"/>
+                <p:cNvSpPr>
+                  <a:spLocks noRot="1" noChangeAspect="1" noMove="1" noResize="1" noEditPoints="1" noAdjustHandles="1" noChangeArrowheads="1" noChangeShapeType="1" noTextEdit="1"/>
+                </p:cNvSpPr>
+                <p:nvPr/>
+              </p:nvSpPr>
+              <p:spPr>
+                <a:xfrm>
+                  <a:off x="4933404" y="2385501"/>
+                  <a:ext cx="317270" cy="246221"/>
+                </a:xfrm>
+                <a:prstGeom prst="rect">
+                  <a:avLst/>
+                </a:prstGeom>
+                <a:blipFill>
+                  <a:blip r:embed="rId8"/>
+                  <a:stretch>
+                    <a:fillRect/>
+                  </a:stretch>
+                </a:blipFill>
+              </p:spPr>
+              <p:txBody>
+                <a:bodyPr/>
+                <a:lstStyle/>
+                <a:p>
+                  <a:r>
+                    <a:rPr lang="fr-FR">
+                      <a:noFill/>
+                    </a:rPr>
+                    <a:t> </a:t>
+                  </a:r>
+                </a:p>
+              </p:txBody>
+            </p:sp>
+          </mc:Fallback>
+        </mc:AlternateContent>
+      </p:grpSp>
+      <p:cxnSp>
+        <p:nvCxnSpPr>
+          <p:cNvPr id="32" name="Connecteur droit avec flèche 31">
+            <a:extLst>
+              <a:ext uri="{FF2B5EF4-FFF2-40B4-BE49-F238E27FC236}">
+                <a16:creationId xmlns:a16="http://schemas.microsoft.com/office/drawing/2014/main" id="{FAB55DD5-D425-4D68-92DC-34EADBF832FB}"/>
+              </a:ext>
+            </a:extLst>
+          </p:cNvPr>
+          <p:cNvCxnSpPr>
+            <a:cxnSpLocks/>
+            <a:stCxn id="30" idx="5"/>
+            <a:endCxn id="25" idx="1"/>
+          </p:cNvCxnSpPr>
+          <p:nvPr/>
+        </p:nvCxnSpPr>
+        <p:spPr>
+          <a:xfrm>
+            <a:off x="4183923" y="1957560"/>
+            <a:ext cx="800122" cy="439319"/>
+          </a:xfrm>
+          <a:prstGeom prst="straightConnector1">
+            <a:avLst/>
+          </a:prstGeom>
+          <a:ln w="12700">
+            <a:solidFill>
+              <a:schemeClr val="tx1">
+                <a:lumMod val="65000"/>
+                <a:lumOff val="35000"/>
+              </a:schemeClr>
+            </a:solidFill>
+            <a:tailEnd type="stealth" w="med" len="lg"/>
+          </a:ln>
+        </p:spPr>
+        <p:style>
+          <a:lnRef idx="1">
+            <a:schemeClr val="accent1"/>
+          </a:lnRef>
+          <a:fillRef idx="0">
+            <a:schemeClr val="accent1"/>
+          </a:fillRef>
+          <a:effectRef idx="0">
+            <a:schemeClr val="accent1"/>
+          </a:effectRef>
+          <a:fontRef idx="minor">
+            <a:schemeClr val="tx1"/>
+          </a:fontRef>
+        </p:style>
+      </p:cxnSp>
+      <mc:AlternateContent xmlns:mc="http://schemas.openxmlformats.org/markup-compatibility/2006">
+        <mc:Choice xmlns:a14="http://schemas.microsoft.com/office/drawing/2010/main" Requires="a14">
+          <p:sp>
+            <p:nvSpPr>
+              <p:cNvPr id="33" name="Rectangle 32">
+                <a:extLst>
+                  <a:ext uri="{FF2B5EF4-FFF2-40B4-BE49-F238E27FC236}">
+                    <a16:creationId xmlns:a16="http://schemas.microsoft.com/office/drawing/2014/main" id="{426C7EBA-7327-4258-BE34-D3C18C293FAD}"/>
+                  </a:ext>
+                </a:extLst>
+              </p:cNvPr>
+              <p:cNvSpPr/>
+              <p:nvPr/>
+            </p:nvSpPr>
+            <p:spPr>
+              <a:xfrm>
+                <a:off x="4945721" y="2361948"/>
+                <a:ext cx="317270" cy="290016"/>
+              </a:xfrm>
+              <a:prstGeom prst="rect">
+                <a:avLst/>
+              </a:prstGeom>
+            </p:spPr>
+            <p:txBody>
+              <a:bodyPr wrap="square">
+                <a:spAutoFit/>
+              </a:bodyPr>
+              <a:lstStyle/>
+              <a:p>
+                <a:pPr algn="ctr"/>
+                <a14:m>
+                  <m:oMathPara xmlns:m="http://schemas.openxmlformats.org/officeDocument/2006/math">
+                    <m:oMathParaPr>
+                      <m:jc m:val="center"/>
+                    </m:oMathParaPr>
+                    <m:oMath xmlns:m="http://schemas.openxmlformats.org/officeDocument/2006/math">
+                      <m:sSubSup>
+                        <m:sSubSupPr>
+                          <m:ctrlPr>
+                            <a:rPr lang="fr-FR" sz="1000" b="1" i="1" smtClean="0">
+                              <a:latin typeface="Cambria Math" panose="02040503050406030204" pitchFamily="18" charset="0"/>
+                            </a:rPr>
+                          </m:ctrlPr>
+                        </m:sSubSupPr>
+                        <m:e>
+                          <m:r>
+                            <a:rPr lang="fr-FR" sz="1000" b="1" i="1" smtClean="0">
+                              <a:latin typeface="Cambria Math" panose="02040503050406030204" pitchFamily="18" charset="0"/>
+                            </a:rPr>
+                            <m:t>𝒂</m:t>
+                          </m:r>
+                        </m:e>
+                        <m:sub>
+                          <m:r>
+                            <a:rPr lang="fr-FR" sz="1000" b="1" i="1" smtClean="0">
+                              <a:solidFill>
+                                <a:srgbClr val="C00000"/>
+                              </a:solidFill>
+                              <a:latin typeface="Cambria Math" panose="02040503050406030204" pitchFamily="18" charset="0"/>
+                            </a:rPr>
+                            <m:t>𝟎</m:t>
+                          </m:r>
+                        </m:sub>
+                        <m:sup>
+                          <m:d>
+                            <m:dPr>
+                              <m:begChr m:val="["/>
+                              <m:endChr m:val="]"/>
+                              <m:ctrlPr>
+                                <a:rPr lang="fr-FR" sz="1000" b="1" i="1" smtClean="0">
+                                  <a:solidFill>
+                                    <a:srgbClr val="7030A0"/>
+                                  </a:solidFill>
+                                  <a:latin typeface="Cambria Math" panose="02040503050406030204" pitchFamily="18" charset="0"/>
+                                </a:rPr>
+                              </m:ctrlPr>
+                            </m:dPr>
+                            <m:e>
+                              <m:r>
+                                <a:rPr lang="fr-FR" sz="1000" b="1" i="1" smtClean="0">
+                                  <a:solidFill>
+                                    <a:srgbClr val="7030A0"/>
+                                  </a:solidFill>
+                                  <a:latin typeface="Cambria Math" panose="02040503050406030204" pitchFamily="18" charset="0"/>
+                                </a:rPr>
+                                <m:t>𝟏</m:t>
+                              </m:r>
+                            </m:e>
+                          </m:d>
+                        </m:sup>
+                      </m:sSubSup>
+                    </m:oMath>
+                  </m:oMathPara>
+                </a14:m>
+                <a:endParaRPr lang="fr-FR" sz="1000" b="1" dirty="0"/>
+              </a:p>
+            </p:txBody>
+          </p:sp>
+        </mc:Choice>
+        <mc:Fallback>
+          <p:sp>
+            <p:nvSpPr>
+              <p:cNvPr id="33" name="Rectangle 32">
+                <a:extLst>
+                  <a:ext uri="{FF2B5EF4-FFF2-40B4-BE49-F238E27FC236}">
+                    <a16:creationId xmlns:a16="http://schemas.microsoft.com/office/drawing/2014/main" id="{426C7EBA-7327-4258-BE34-D3C18C293FAD}"/>
+                  </a:ext>
+                </a:extLst>
+              </p:cNvPr>
+              <p:cNvSpPr>
+                <a:spLocks noRot="1" noChangeAspect="1" noMove="1" noResize="1" noEditPoints="1" noAdjustHandles="1" noChangeArrowheads="1" noChangeShapeType="1" noTextEdit="1"/>
+              </p:cNvSpPr>
+              <p:nvPr/>
+            </p:nvSpPr>
+            <p:spPr>
+              <a:xfrm>
+                <a:off x="4945721" y="2361948"/>
+                <a:ext cx="317270" cy="290016"/>
+              </a:xfrm>
+              <a:prstGeom prst="rect">
+                <a:avLst/>
+              </a:prstGeom>
+              <a:blipFill>
+                <a:blip r:embed="rId9"/>
+                <a:stretch>
+                  <a:fillRect/>
+                </a:stretch>
+              </a:blipFill>
+            </p:spPr>
+            <p:txBody>
+              <a:bodyPr/>
+              <a:lstStyle/>
+              <a:p>
+                <a:r>
+                  <a:rPr lang="fr-FR">
+                    <a:noFill/>
+                  </a:rPr>
+                  <a:t> </a:t>
+                </a:r>
+              </a:p>
+            </p:txBody>
+          </p:sp>
+        </mc:Fallback>
+      </mc:AlternateContent>
+      <mc:AlternateContent xmlns:mc="http://schemas.openxmlformats.org/markup-compatibility/2006">
+        <mc:Choice xmlns:a14="http://schemas.microsoft.com/office/drawing/2010/main" Requires="a14">
+          <p:sp>
+            <p:nvSpPr>
+              <p:cNvPr id="34" name="Rectangle 33">
+                <a:extLst>
+                  <a:ext uri="{FF2B5EF4-FFF2-40B4-BE49-F238E27FC236}">
+                    <a16:creationId xmlns:a16="http://schemas.microsoft.com/office/drawing/2014/main" id="{A054C80D-5D78-4D45-97BB-94766C778319}"/>
+                  </a:ext>
+                </a:extLst>
+              </p:cNvPr>
+              <p:cNvSpPr/>
+              <p:nvPr/>
+            </p:nvSpPr>
+            <p:spPr>
+              <a:xfrm>
+                <a:off x="4363973" y="2486226"/>
+                <a:ext cx="224189" cy="268407"/>
+              </a:xfrm>
+              <a:prstGeom prst="rect">
+                <a:avLst/>
+              </a:prstGeom>
+            </p:spPr>
+            <p:txBody>
+              <a:bodyPr wrap="square">
+                <a:spAutoFit/>
+              </a:bodyPr>
+              <a:lstStyle/>
+              <a:p>
+                <a:pPr algn="ctr"/>
+                <a14:m>
+                  <m:oMathPara xmlns:m="http://schemas.openxmlformats.org/officeDocument/2006/math">
+                    <m:oMathParaPr>
+                      <m:jc m:val="center"/>
+                    </m:oMathParaPr>
+                    <m:oMath xmlns:m="http://schemas.openxmlformats.org/officeDocument/2006/math">
+                      <m:sSubSup>
+                        <m:sSubSupPr>
+                          <m:ctrlPr>
+                            <a:rPr lang="fr-FR" sz="900" b="1" i="1" smtClean="0">
+                              <a:latin typeface="Cambria Math" panose="02040503050406030204" pitchFamily="18" charset="0"/>
+                            </a:rPr>
+                          </m:ctrlPr>
+                        </m:sSubSupPr>
+                        <m:e>
+                          <m:r>
+                            <a:rPr lang="fr-FR" sz="900" b="1" i="1" smtClean="0">
+                              <a:latin typeface="Cambria Math" panose="02040503050406030204" pitchFamily="18" charset="0"/>
+                            </a:rPr>
+                            <m:t>𝒘</m:t>
+                          </m:r>
+                        </m:e>
+                        <m:sub>
+                          <m:r>
+                            <a:rPr lang="fr-FR" sz="900" b="1" i="1" smtClean="0">
+                              <a:solidFill>
+                                <a:srgbClr val="C00000"/>
+                              </a:solidFill>
+                              <a:latin typeface="Cambria Math" panose="02040503050406030204" pitchFamily="18" charset="0"/>
+                            </a:rPr>
+                            <m:t>𝟏</m:t>
+                          </m:r>
+                          <m:r>
+                            <a:rPr lang="fr-FR" sz="900" b="1" i="1" smtClean="0">
+                              <a:solidFill>
+                                <a:schemeClr val="accent4">
+                                  <a:lumMod val="50000"/>
+                                </a:schemeClr>
+                              </a:solidFill>
+                              <a:latin typeface="Cambria Math" panose="02040503050406030204" pitchFamily="18" charset="0"/>
+                            </a:rPr>
+                            <m:t>𝟎</m:t>
+                          </m:r>
+                        </m:sub>
+                        <m:sup>
+                          <m:r>
+                            <a:rPr lang="fr-FR" sz="900" b="1" i="1" smtClean="0">
+                              <a:solidFill>
+                                <a:srgbClr val="7030A0"/>
+                              </a:solidFill>
+                              <a:latin typeface="Cambria Math" panose="02040503050406030204" pitchFamily="18" charset="0"/>
+                            </a:rPr>
+                            <m:t>[</m:t>
+                          </m:r>
+                          <m:r>
+                            <a:rPr lang="fr-FR" sz="900" b="1" i="1" smtClean="0">
+                              <a:solidFill>
+                                <a:srgbClr val="7030A0"/>
+                              </a:solidFill>
+                              <a:latin typeface="Cambria Math" panose="02040503050406030204" pitchFamily="18" charset="0"/>
+                            </a:rPr>
+                            <m:t>𝟏</m:t>
+                          </m:r>
+                          <m:r>
+                            <a:rPr lang="fr-FR" sz="900" b="1" i="1" smtClean="0">
+                              <a:solidFill>
+                                <a:srgbClr val="7030A0"/>
+                              </a:solidFill>
+                              <a:latin typeface="Cambria Math" panose="02040503050406030204" pitchFamily="18" charset="0"/>
+                            </a:rPr>
+                            <m:t>]</m:t>
+                          </m:r>
+                        </m:sup>
+                      </m:sSubSup>
+                    </m:oMath>
+                  </m:oMathPara>
+                </a14:m>
+                <a:endParaRPr lang="fr-FR" sz="900" b="1" dirty="0"/>
+              </a:p>
+            </p:txBody>
+          </p:sp>
+        </mc:Choice>
+        <mc:Fallback>
+          <p:sp>
+            <p:nvSpPr>
+              <p:cNvPr id="34" name="Rectangle 33">
+                <a:extLst>
+                  <a:ext uri="{FF2B5EF4-FFF2-40B4-BE49-F238E27FC236}">
+                    <a16:creationId xmlns:a16="http://schemas.microsoft.com/office/drawing/2014/main" id="{A054C80D-5D78-4D45-97BB-94766C778319}"/>
+                  </a:ext>
+                </a:extLst>
+              </p:cNvPr>
+              <p:cNvSpPr>
+                <a:spLocks noRot="1" noChangeAspect="1" noMove="1" noResize="1" noEditPoints="1" noAdjustHandles="1" noChangeArrowheads="1" noChangeShapeType="1" noTextEdit="1"/>
+              </p:cNvSpPr>
+              <p:nvPr/>
+            </p:nvSpPr>
+            <p:spPr>
+              <a:xfrm>
+                <a:off x="4363973" y="2486226"/>
+                <a:ext cx="224189" cy="268407"/>
+              </a:xfrm>
+              <a:prstGeom prst="rect">
+                <a:avLst/>
+              </a:prstGeom>
+              <a:blipFill>
+                <a:blip r:embed="rId10"/>
+                <a:stretch>
+                  <a:fillRect l="-13514" r="-8108"/>
+                </a:stretch>
+              </a:blipFill>
+            </p:spPr>
+            <p:txBody>
+              <a:bodyPr/>
+              <a:lstStyle/>
+              <a:p>
+                <a:r>
+                  <a:rPr lang="fr-FR">
+                    <a:noFill/>
+                  </a:rPr>
+                  <a:t> </a:t>
+                </a:r>
+              </a:p>
+            </p:txBody>
+          </p:sp>
+        </mc:Fallback>
+      </mc:AlternateContent>
+      <mc:AlternateContent xmlns:mc="http://schemas.openxmlformats.org/markup-compatibility/2006">
+        <mc:Choice xmlns:a14="http://schemas.microsoft.com/office/drawing/2010/main" Requires="a14">
+          <p:sp>
+            <p:nvSpPr>
+              <p:cNvPr id="37" name="Rectangle 36">
+                <a:extLst>
+                  <a:ext uri="{FF2B5EF4-FFF2-40B4-BE49-F238E27FC236}">
+                    <a16:creationId xmlns:a16="http://schemas.microsoft.com/office/drawing/2014/main" id="{52650164-86D9-4AFC-9035-745C8B7DD524}"/>
+                  </a:ext>
+                </a:extLst>
+              </p:cNvPr>
+              <p:cNvSpPr/>
+              <p:nvPr/>
+            </p:nvSpPr>
+            <p:spPr>
+              <a:xfrm>
+                <a:off x="4496117" y="1894835"/>
+                <a:ext cx="224189" cy="268407"/>
+              </a:xfrm>
+              <a:prstGeom prst="rect">
+                <a:avLst/>
+              </a:prstGeom>
+            </p:spPr>
+            <p:txBody>
+              <a:bodyPr wrap="square">
+                <a:spAutoFit/>
+              </a:bodyPr>
+              <a:lstStyle/>
+              <a:p>
+                <a:pPr algn="ctr"/>
+                <a14:m>
+                  <m:oMathPara xmlns:m="http://schemas.openxmlformats.org/officeDocument/2006/math">
+                    <m:oMathParaPr>
+                      <m:jc m:val="center"/>
+                    </m:oMathParaPr>
+                    <m:oMath xmlns:m="http://schemas.openxmlformats.org/officeDocument/2006/math">
+                      <m:sSubSup>
+                        <m:sSubSupPr>
+                          <m:ctrlPr>
+                            <a:rPr lang="fr-FR" sz="900" b="1" i="1" smtClean="0">
+                              <a:latin typeface="Cambria Math" panose="02040503050406030204" pitchFamily="18" charset="0"/>
+                            </a:rPr>
+                          </m:ctrlPr>
+                        </m:sSubSupPr>
+                        <m:e>
+                          <m:r>
+                            <a:rPr lang="fr-FR" sz="900" b="1" i="1" smtClean="0">
+                              <a:latin typeface="Cambria Math" panose="02040503050406030204" pitchFamily="18" charset="0"/>
+                            </a:rPr>
+                            <m:t>𝒃</m:t>
+                          </m:r>
+                        </m:e>
+                        <m:sub>
+                          <m:r>
+                            <a:rPr lang="fr-FR" sz="900" b="1" i="1" smtClean="0">
+                              <a:solidFill>
+                                <a:srgbClr val="FF0000"/>
+                              </a:solidFill>
+                              <a:latin typeface="Cambria Math" panose="02040503050406030204" pitchFamily="18" charset="0"/>
+                            </a:rPr>
+                            <m:t>𝟎</m:t>
+                          </m:r>
+                        </m:sub>
+                        <m:sup>
+                          <m:r>
+                            <a:rPr lang="fr-FR" sz="900" b="1" i="1" smtClean="0">
+                              <a:solidFill>
+                                <a:srgbClr val="7030A0"/>
+                              </a:solidFill>
+                              <a:latin typeface="Cambria Math" panose="02040503050406030204" pitchFamily="18" charset="0"/>
+                            </a:rPr>
+                            <m:t>[</m:t>
+                          </m:r>
+                          <m:r>
+                            <a:rPr lang="fr-FR" sz="900" b="1" i="1" smtClean="0">
+                              <a:solidFill>
+                                <a:srgbClr val="7030A0"/>
+                              </a:solidFill>
+                              <a:latin typeface="Cambria Math" panose="02040503050406030204" pitchFamily="18" charset="0"/>
+                            </a:rPr>
+                            <m:t>𝟏</m:t>
+                          </m:r>
+                          <m:r>
+                            <a:rPr lang="fr-FR" sz="900" b="1" i="1" smtClean="0">
+                              <a:solidFill>
+                                <a:srgbClr val="7030A0"/>
+                              </a:solidFill>
+                              <a:latin typeface="Cambria Math" panose="02040503050406030204" pitchFamily="18" charset="0"/>
+                            </a:rPr>
+                            <m:t>]</m:t>
+                          </m:r>
+                        </m:sup>
+                      </m:sSubSup>
+                    </m:oMath>
+                  </m:oMathPara>
+                </a14:m>
+                <a:endParaRPr lang="fr-FR" sz="900" b="1" dirty="0"/>
+              </a:p>
+            </p:txBody>
+          </p:sp>
+        </mc:Choice>
+        <mc:Fallback>
+          <p:sp>
+            <p:nvSpPr>
+              <p:cNvPr id="37" name="Rectangle 36">
+                <a:extLst>
+                  <a:ext uri="{FF2B5EF4-FFF2-40B4-BE49-F238E27FC236}">
+                    <a16:creationId xmlns:a16="http://schemas.microsoft.com/office/drawing/2014/main" id="{52650164-86D9-4AFC-9035-745C8B7DD524}"/>
+                  </a:ext>
+                </a:extLst>
+              </p:cNvPr>
+              <p:cNvSpPr>
+                <a:spLocks noRot="1" noChangeAspect="1" noMove="1" noResize="1" noEditPoints="1" noAdjustHandles="1" noChangeArrowheads="1" noChangeShapeType="1" noTextEdit="1"/>
+              </p:cNvSpPr>
+              <p:nvPr/>
+            </p:nvSpPr>
+            <p:spPr>
+              <a:xfrm>
+                <a:off x="4496117" y="1894835"/>
+                <a:ext cx="224189" cy="268407"/>
+              </a:xfrm>
+              <a:prstGeom prst="rect">
+                <a:avLst/>
+              </a:prstGeom>
+              <a:blipFill>
+                <a:blip r:embed="rId11"/>
+                <a:stretch>
+                  <a:fillRect l="-16667" r="-5556"/>
+                </a:stretch>
+              </a:blipFill>
+            </p:spPr>
+            <p:txBody>
+              <a:bodyPr/>
+              <a:lstStyle/>
+              <a:p>
+                <a:r>
+                  <a:rPr lang="fr-FR">
+                    <a:noFill/>
+                  </a:rPr>
+                  <a:t> </a:t>
+                </a:r>
+              </a:p>
+            </p:txBody>
+          </p:sp>
+        </mc:Fallback>
+      </mc:AlternateContent>
+      <p:sp>
+        <p:nvSpPr>
+          <p:cNvPr id="38" name="Ellipse 37">
+            <a:extLst>
+              <a:ext uri="{FF2B5EF4-FFF2-40B4-BE49-F238E27FC236}">
+                <a16:creationId xmlns:a16="http://schemas.microsoft.com/office/drawing/2014/main" id="{D4C6067B-41B5-4D0F-8DD1-6DCC21A979A0}"/>
+              </a:ext>
+            </a:extLst>
+          </p:cNvPr>
+          <p:cNvSpPr/>
+          <p:nvPr/>
+        </p:nvSpPr>
+        <p:spPr>
+          <a:xfrm>
+            <a:off x="5928617" y="2662426"/>
+            <a:ext cx="288000" cy="288000"/>
+          </a:xfrm>
+          <a:prstGeom prst="ellipse">
+            <a:avLst/>
+          </a:prstGeom>
+          <a:solidFill>
+            <a:schemeClr val="accent6">
+              <a:lumMod val="20000"/>
+              <a:lumOff val="80000"/>
+            </a:schemeClr>
+          </a:solidFill>
+          <a:ln>
+            <a:solidFill>
+              <a:schemeClr val="accent6">
+                <a:lumMod val="50000"/>
+              </a:schemeClr>
+            </a:solidFill>
+          </a:ln>
+        </p:spPr>
+        <p:style>
+          <a:lnRef idx="2">
+            <a:schemeClr val="accent1">
+              <a:shade val="50000"/>
+            </a:schemeClr>
+          </a:lnRef>
+          <a:fillRef idx="1">
+            <a:schemeClr val="accent1"/>
+          </a:fillRef>
+          <a:effectRef idx="0">
+            <a:schemeClr val="accent1"/>
+          </a:effectRef>
+          <a:fontRef idx="minor">
+            <a:schemeClr val="lt1"/>
+          </a:fontRef>
+        </p:style>
+        <p:txBody>
+          <a:bodyPr rtlCol="0" anchor="ctr"/>
+          <a:lstStyle/>
+          <a:p>
+            <a:pPr algn="ctr"/>
+            <a:endParaRPr lang="fr-FR" sz="1400" b="1" dirty="0">
+              <a:solidFill>
+                <a:schemeClr val="tx1"/>
+              </a:solidFill>
+            </a:endParaRPr>
+          </a:p>
+        </p:txBody>
+      </p:sp>
+      <p:cxnSp>
+        <p:nvCxnSpPr>
+          <p:cNvPr id="39" name="Connecteur droit avec flèche 38">
+            <a:extLst>
+              <a:ext uri="{FF2B5EF4-FFF2-40B4-BE49-F238E27FC236}">
+                <a16:creationId xmlns:a16="http://schemas.microsoft.com/office/drawing/2014/main" id="{C551D888-1A3E-4AEE-B652-002967672CA0}"/>
+              </a:ext>
+            </a:extLst>
+          </p:cNvPr>
+          <p:cNvCxnSpPr>
+            <a:cxnSpLocks/>
+            <a:endCxn id="38" idx="3"/>
+          </p:cNvCxnSpPr>
+          <p:nvPr/>
+        </p:nvCxnSpPr>
+        <p:spPr>
+          <a:xfrm flipV="1">
+            <a:off x="5219465" y="2908249"/>
+            <a:ext cx="751329" cy="236454"/>
+          </a:xfrm>
+          <a:prstGeom prst="straightConnector1">
+            <a:avLst/>
+          </a:prstGeom>
+          <a:ln w="12700">
+            <a:solidFill>
+              <a:schemeClr val="tx1">
+                <a:lumMod val="65000"/>
+                <a:lumOff val="35000"/>
+              </a:schemeClr>
+            </a:solidFill>
+            <a:tailEnd type="stealth" w="med" len="lg"/>
+          </a:ln>
+        </p:spPr>
+        <p:style>
+          <a:lnRef idx="1">
+            <a:schemeClr val="accent1"/>
+          </a:lnRef>
+          <a:fillRef idx="0">
+            <a:schemeClr val="accent1"/>
+          </a:fillRef>
+          <a:effectRef idx="0">
+            <a:schemeClr val="accent1"/>
+          </a:effectRef>
+          <a:fontRef idx="minor">
+            <a:schemeClr val="tx1"/>
+          </a:fontRef>
+        </p:style>
+      </p:cxnSp>
+      <mc:AlternateContent xmlns:mc="http://schemas.openxmlformats.org/markup-compatibility/2006">
+        <mc:Choice xmlns:a14="http://schemas.microsoft.com/office/drawing/2010/main" Requires="a14">
+          <p:sp>
+            <p:nvSpPr>
+              <p:cNvPr id="40" name="Rectangle 39">
+                <a:extLst>
+                  <a:ext uri="{FF2B5EF4-FFF2-40B4-BE49-F238E27FC236}">
+                    <a16:creationId xmlns:a16="http://schemas.microsoft.com/office/drawing/2014/main" id="{B4A4A2CF-7857-4183-8A31-88EABE5BD594}"/>
+                  </a:ext>
+                </a:extLst>
+              </p:cNvPr>
+              <p:cNvSpPr/>
+              <p:nvPr/>
+            </p:nvSpPr>
+            <p:spPr>
+              <a:xfrm>
+                <a:off x="5929898" y="2660250"/>
+                <a:ext cx="317270" cy="290016"/>
+              </a:xfrm>
+              <a:prstGeom prst="rect">
+                <a:avLst/>
+              </a:prstGeom>
+            </p:spPr>
+            <p:txBody>
+              <a:bodyPr wrap="square">
+                <a:spAutoFit/>
+              </a:bodyPr>
+              <a:lstStyle/>
+              <a:p>
+                <a:pPr algn="ctr"/>
+                <a14:m>
+                  <m:oMathPara xmlns:m="http://schemas.openxmlformats.org/officeDocument/2006/math">
+                    <m:oMathParaPr>
+                      <m:jc m:val="center"/>
+                    </m:oMathParaPr>
+                    <m:oMath xmlns:m="http://schemas.openxmlformats.org/officeDocument/2006/math">
+                      <m:sSubSup>
+                        <m:sSubSupPr>
+                          <m:ctrlPr>
+                            <a:rPr lang="fr-FR" sz="1000" b="1" i="1" smtClean="0">
+                              <a:latin typeface="Cambria Math" panose="02040503050406030204" pitchFamily="18" charset="0"/>
+                            </a:rPr>
+                          </m:ctrlPr>
+                        </m:sSubSupPr>
+                        <m:e>
+                          <m:r>
+                            <a:rPr lang="fr-FR" sz="1000" b="1" i="1" smtClean="0">
+                              <a:latin typeface="Cambria Math" panose="02040503050406030204" pitchFamily="18" charset="0"/>
+                            </a:rPr>
+                            <m:t>𝒂</m:t>
+                          </m:r>
+                        </m:e>
+                        <m:sub>
+                          <m:r>
+                            <a:rPr lang="fr-FR" sz="1000" b="1" i="1" smtClean="0">
+                              <a:latin typeface="Cambria Math" panose="02040503050406030204" pitchFamily="18" charset="0"/>
+                            </a:rPr>
+                            <m:t>𝟎</m:t>
+                          </m:r>
+                        </m:sub>
+                        <m:sup>
+                          <m:d>
+                            <m:dPr>
+                              <m:begChr m:val="["/>
+                              <m:endChr m:val="]"/>
+                              <m:ctrlPr>
+                                <a:rPr lang="fr-FR" sz="1000" b="1" i="1" smtClean="0">
+                                  <a:latin typeface="Cambria Math" panose="02040503050406030204" pitchFamily="18" charset="0"/>
+                                </a:rPr>
+                              </m:ctrlPr>
+                            </m:dPr>
+                            <m:e>
+                              <m:r>
+                                <a:rPr lang="fr-FR" sz="1000" b="1" i="1" smtClean="0">
+                                  <a:latin typeface="Cambria Math" panose="02040503050406030204" pitchFamily="18" charset="0"/>
+                                </a:rPr>
+                                <m:t>𝟐</m:t>
+                              </m:r>
+                            </m:e>
+                          </m:d>
+                        </m:sup>
+                      </m:sSubSup>
+                    </m:oMath>
+                  </m:oMathPara>
+                </a14:m>
+                <a:endParaRPr lang="fr-FR" sz="1000" b="1" dirty="0"/>
+              </a:p>
+            </p:txBody>
+          </p:sp>
+        </mc:Choice>
+        <mc:Fallback>
+          <p:sp>
+            <p:nvSpPr>
+              <p:cNvPr id="40" name="Rectangle 39">
+                <a:extLst>
+                  <a:ext uri="{FF2B5EF4-FFF2-40B4-BE49-F238E27FC236}">
+                    <a16:creationId xmlns:a16="http://schemas.microsoft.com/office/drawing/2014/main" id="{B4A4A2CF-7857-4183-8A31-88EABE5BD594}"/>
+                  </a:ext>
+                </a:extLst>
+              </p:cNvPr>
+              <p:cNvSpPr>
+                <a:spLocks noRot="1" noChangeAspect="1" noMove="1" noResize="1" noEditPoints="1" noAdjustHandles="1" noChangeArrowheads="1" noChangeShapeType="1" noTextEdit="1"/>
+              </p:cNvSpPr>
+              <p:nvPr/>
+            </p:nvSpPr>
+            <p:spPr>
+              <a:xfrm>
+                <a:off x="5929898" y="2660250"/>
+                <a:ext cx="317270" cy="290016"/>
+              </a:xfrm>
+              <a:prstGeom prst="rect">
+                <a:avLst/>
+              </a:prstGeom>
+              <a:blipFill>
+                <a:blip r:embed="rId12"/>
+                <a:stretch>
+                  <a:fillRect/>
+                </a:stretch>
+              </a:blipFill>
+            </p:spPr>
+            <p:txBody>
+              <a:bodyPr/>
+              <a:lstStyle/>
+              <a:p>
+                <a:r>
+                  <a:rPr lang="fr-FR">
+                    <a:noFill/>
+                  </a:rPr>
+                  <a:t> </a:t>
+                </a:r>
+              </a:p>
+            </p:txBody>
+          </p:sp>
+        </mc:Fallback>
+      </mc:AlternateContent>
+      <p:cxnSp>
+        <p:nvCxnSpPr>
+          <p:cNvPr id="44" name="Connecteur droit avec flèche 43">
+            <a:extLst>
+              <a:ext uri="{FF2B5EF4-FFF2-40B4-BE49-F238E27FC236}">
+                <a16:creationId xmlns:a16="http://schemas.microsoft.com/office/drawing/2014/main" id="{46B39A84-8B7A-4339-B43F-D91C9C48040C}"/>
+              </a:ext>
+            </a:extLst>
+          </p:cNvPr>
+          <p:cNvCxnSpPr>
+            <a:cxnSpLocks/>
+            <a:stCxn id="92" idx="5"/>
+            <a:endCxn id="38" idx="0"/>
+          </p:cNvCxnSpPr>
+          <p:nvPr/>
+        </p:nvCxnSpPr>
+        <p:spPr>
+          <a:xfrm>
+            <a:off x="5185181" y="1973438"/>
+            <a:ext cx="887436" cy="688988"/>
+          </a:xfrm>
+          <a:prstGeom prst="straightConnector1">
+            <a:avLst/>
+          </a:prstGeom>
+          <a:ln w="12700">
+            <a:solidFill>
+              <a:schemeClr val="tx1">
+                <a:lumMod val="65000"/>
+                <a:lumOff val="35000"/>
+              </a:schemeClr>
+            </a:solidFill>
+            <a:tailEnd type="stealth" w="med" len="lg"/>
+          </a:ln>
+        </p:spPr>
+        <p:style>
+          <a:lnRef idx="1">
+            <a:schemeClr val="accent1"/>
+          </a:lnRef>
+          <a:fillRef idx="0">
+            <a:schemeClr val="accent1"/>
+          </a:fillRef>
+          <a:effectRef idx="0">
+            <a:schemeClr val="accent1"/>
+          </a:effectRef>
+          <a:fontRef idx="minor">
+            <a:schemeClr val="tx1"/>
+          </a:fontRef>
+        </p:style>
+      </p:cxnSp>
+      <mc:AlternateContent xmlns:mc="http://schemas.openxmlformats.org/markup-compatibility/2006">
+        <mc:Choice xmlns:a14="http://schemas.microsoft.com/office/drawing/2010/main" Requires="a14">
+          <p:sp>
+            <p:nvSpPr>
+              <p:cNvPr id="45" name="Rectangle 44">
+                <a:extLst>
+                  <a:ext uri="{FF2B5EF4-FFF2-40B4-BE49-F238E27FC236}">
+                    <a16:creationId xmlns:a16="http://schemas.microsoft.com/office/drawing/2014/main" id="{121F8D22-4446-4A8E-AC20-70F330CFB849}"/>
+                  </a:ext>
+                </a:extLst>
+              </p:cNvPr>
+              <p:cNvSpPr/>
+              <p:nvPr/>
+            </p:nvSpPr>
+            <p:spPr>
+              <a:xfrm>
+                <a:off x="5404710" y="1945270"/>
+                <a:ext cx="224189" cy="268407"/>
+              </a:xfrm>
+              <a:prstGeom prst="rect">
+                <a:avLst/>
+              </a:prstGeom>
+            </p:spPr>
+            <p:txBody>
+              <a:bodyPr wrap="square">
+                <a:spAutoFit/>
+              </a:bodyPr>
+              <a:lstStyle/>
+              <a:p>
+                <a:pPr algn="ctr"/>
+                <a14:m>
+                  <m:oMathPara xmlns:m="http://schemas.openxmlformats.org/officeDocument/2006/math">
+                    <m:oMathParaPr>
+                      <m:jc m:val="center"/>
+                    </m:oMathParaPr>
+                    <m:oMath xmlns:m="http://schemas.openxmlformats.org/officeDocument/2006/math">
+                      <m:sSubSup>
+                        <m:sSubSupPr>
+                          <m:ctrlPr>
+                            <a:rPr lang="fr-FR" sz="900" b="1" i="1" smtClean="0">
+                              <a:latin typeface="Cambria Math" panose="02040503050406030204" pitchFamily="18" charset="0"/>
+                            </a:rPr>
+                          </m:ctrlPr>
+                        </m:sSubSupPr>
+                        <m:e>
+                          <m:r>
+                            <a:rPr lang="fr-FR" sz="900" b="1" i="1" smtClean="0">
+                              <a:latin typeface="Cambria Math" panose="02040503050406030204" pitchFamily="18" charset="0"/>
+                            </a:rPr>
+                            <m:t>𝒃</m:t>
+                          </m:r>
+                        </m:e>
+                        <m:sub>
+                          <m:r>
+                            <a:rPr lang="fr-FR" sz="900" b="1" i="1" smtClean="0">
+                              <a:latin typeface="Cambria Math" panose="02040503050406030204" pitchFamily="18" charset="0"/>
+                            </a:rPr>
+                            <m:t>𝟎</m:t>
+                          </m:r>
+                        </m:sub>
+                        <m:sup>
+                          <m:r>
+                            <a:rPr lang="fr-FR" sz="900" b="1" i="1" smtClean="0">
+                              <a:latin typeface="Cambria Math" panose="02040503050406030204" pitchFamily="18" charset="0"/>
+                            </a:rPr>
+                            <m:t>[</m:t>
+                          </m:r>
+                          <m:r>
+                            <a:rPr lang="fr-FR" sz="900" b="1" i="1" smtClean="0">
+                              <a:latin typeface="Cambria Math" panose="02040503050406030204" pitchFamily="18" charset="0"/>
+                            </a:rPr>
+                            <m:t>𝟐</m:t>
+                          </m:r>
+                          <m:r>
+                            <a:rPr lang="fr-FR" sz="900" b="1" i="1" smtClean="0">
+                              <a:latin typeface="Cambria Math" panose="02040503050406030204" pitchFamily="18" charset="0"/>
+                            </a:rPr>
+                            <m:t>]</m:t>
+                          </m:r>
+                        </m:sup>
+                      </m:sSubSup>
+                    </m:oMath>
+                  </m:oMathPara>
+                </a14:m>
+                <a:endParaRPr lang="fr-FR" sz="900" b="1" dirty="0"/>
+              </a:p>
+            </p:txBody>
+          </p:sp>
+        </mc:Choice>
+        <mc:Fallback>
+          <p:sp>
+            <p:nvSpPr>
+              <p:cNvPr id="45" name="Rectangle 44">
+                <a:extLst>
+                  <a:ext uri="{FF2B5EF4-FFF2-40B4-BE49-F238E27FC236}">
+                    <a16:creationId xmlns:a16="http://schemas.microsoft.com/office/drawing/2014/main" id="{121F8D22-4446-4A8E-AC20-70F330CFB849}"/>
+                  </a:ext>
+                </a:extLst>
+              </p:cNvPr>
+              <p:cNvSpPr>
+                <a:spLocks noRot="1" noChangeAspect="1" noMove="1" noResize="1" noEditPoints="1" noAdjustHandles="1" noChangeArrowheads="1" noChangeShapeType="1" noTextEdit="1"/>
+              </p:cNvSpPr>
+              <p:nvPr/>
+            </p:nvSpPr>
+            <p:spPr>
+              <a:xfrm>
+                <a:off x="5404710" y="1945270"/>
+                <a:ext cx="224189" cy="268407"/>
+              </a:xfrm>
+              <a:prstGeom prst="rect">
+                <a:avLst/>
+              </a:prstGeom>
+              <a:blipFill>
+                <a:blip r:embed="rId13"/>
+                <a:stretch>
+                  <a:fillRect l="-16667" r="-5556"/>
+                </a:stretch>
+              </a:blipFill>
+            </p:spPr>
+            <p:txBody>
+              <a:bodyPr/>
+              <a:lstStyle/>
+              <a:p>
+                <a:r>
+                  <a:rPr lang="fr-FR">
+                    <a:noFill/>
+                  </a:rPr>
+                  <a:t> </a:t>
+                </a:r>
+              </a:p>
+            </p:txBody>
+          </p:sp>
+        </mc:Fallback>
+      </mc:AlternateContent>
+      <mc:AlternateContent xmlns:mc="http://schemas.openxmlformats.org/markup-compatibility/2006">
+        <mc:Choice xmlns:a14="http://schemas.microsoft.com/office/drawing/2010/main" Requires="a14">
+          <p:sp>
+            <p:nvSpPr>
+              <p:cNvPr id="46" name="Rectangle 45">
+                <a:extLst>
+                  <a:ext uri="{FF2B5EF4-FFF2-40B4-BE49-F238E27FC236}">
+                    <a16:creationId xmlns:a16="http://schemas.microsoft.com/office/drawing/2014/main" id="{E4A4638B-A287-4F8F-937A-F5507C1CED53}"/>
+                  </a:ext>
+                </a:extLst>
+              </p:cNvPr>
+              <p:cNvSpPr/>
+              <p:nvPr/>
+            </p:nvSpPr>
+            <p:spPr>
+              <a:xfrm>
+                <a:off x="5301472" y="2308121"/>
+                <a:ext cx="224189" cy="272126"/>
+              </a:xfrm>
+              <a:prstGeom prst="rect">
+                <a:avLst/>
+              </a:prstGeom>
+            </p:spPr>
+            <p:txBody>
+              <a:bodyPr wrap="square">
+                <a:spAutoFit/>
+              </a:bodyPr>
+              <a:lstStyle/>
+              <a:p>
+                <a:pPr algn="ctr"/>
+                <a14:m>
+                  <m:oMathPara xmlns:m="http://schemas.openxmlformats.org/officeDocument/2006/math">
+                    <m:oMathParaPr>
+                      <m:jc m:val="center"/>
+                    </m:oMathParaPr>
+                    <m:oMath xmlns:m="http://schemas.openxmlformats.org/officeDocument/2006/math">
+                      <m:sSubSup>
+                        <m:sSubSupPr>
+                          <m:ctrlPr>
+                            <a:rPr lang="fr-FR" sz="900" b="1" i="1" smtClean="0">
+                              <a:latin typeface="Cambria Math" panose="02040503050406030204" pitchFamily="18" charset="0"/>
+                            </a:rPr>
+                          </m:ctrlPr>
+                        </m:sSubSupPr>
+                        <m:e>
+                          <m:r>
+                            <a:rPr lang="fr-FR" sz="900" b="1" i="1" smtClean="0">
+                              <a:latin typeface="Cambria Math" panose="02040503050406030204" pitchFamily="18" charset="0"/>
+                            </a:rPr>
+                            <m:t>𝒘</m:t>
+                          </m:r>
+                        </m:e>
+                        <m:sub>
+                          <m:r>
+                            <a:rPr lang="fr-FR" sz="900" b="1" i="1" smtClean="0">
+                              <a:latin typeface="Cambria Math" panose="02040503050406030204" pitchFamily="18" charset="0"/>
+                            </a:rPr>
+                            <m:t>𝟎</m:t>
+                          </m:r>
+                          <m:r>
+                            <a:rPr lang="fr-FR" sz="900" b="1" i="1" smtClean="0">
+                              <a:solidFill>
+                                <a:srgbClr val="FF0000"/>
+                              </a:solidFill>
+                              <a:latin typeface="Cambria Math" panose="02040503050406030204" pitchFamily="18" charset="0"/>
+                            </a:rPr>
+                            <m:t>𝟎</m:t>
+                          </m:r>
+                        </m:sub>
+                        <m:sup>
+                          <m:r>
+                            <a:rPr lang="fr-FR" sz="900" b="1" i="1" smtClean="0">
+                              <a:latin typeface="Cambria Math" panose="02040503050406030204" pitchFamily="18" charset="0"/>
+                            </a:rPr>
+                            <m:t>[</m:t>
+                          </m:r>
+                          <m:r>
+                            <a:rPr lang="fr-FR" sz="900" b="1" i="1" smtClean="0">
+                              <a:latin typeface="Cambria Math" panose="02040503050406030204" pitchFamily="18" charset="0"/>
+                            </a:rPr>
+                            <m:t>𝟐</m:t>
+                          </m:r>
+                          <m:r>
+                            <a:rPr lang="fr-FR" sz="900" b="1" i="1" smtClean="0">
+                              <a:latin typeface="Cambria Math" panose="02040503050406030204" pitchFamily="18" charset="0"/>
+                            </a:rPr>
+                            <m:t>]</m:t>
+                          </m:r>
+                        </m:sup>
+                      </m:sSubSup>
+                    </m:oMath>
+                  </m:oMathPara>
+                </a14:m>
+                <a:endParaRPr lang="fr-FR" sz="900" b="1" dirty="0"/>
+              </a:p>
+            </p:txBody>
+          </p:sp>
+        </mc:Choice>
+        <mc:Fallback>
+          <p:sp>
+            <p:nvSpPr>
+              <p:cNvPr id="46" name="Rectangle 45">
+                <a:extLst>
+                  <a:ext uri="{FF2B5EF4-FFF2-40B4-BE49-F238E27FC236}">
+                    <a16:creationId xmlns:a16="http://schemas.microsoft.com/office/drawing/2014/main" id="{E4A4638B-A287-4F8F-937A-F5507C1CED53}"/>
+                  </a:ext>
+                </a:extLst>
+              </p:cNvPr>
+              <p:cNvSpPr>
+                <a:spLocks noRot="1" noChangeAspect="1" noMove="1" noResize="1" noEditPoints="1" noAdjustHandles="1" noChangeArrowheads="1" noChangeShapeType="1" noTextEdit="1"/>
+              </p:cNvSpPr>
+              <p:nvPr/>
+            </p:nvSpPr>
+            <p:spPr>
+              <a:xfrm>
+                <a:off x="5301472" y="2308121"/>
+                <a:ext cx="224189" cy="272126"/>
+              </a:xfrm>
+              <a:prstGeom prst="rect">
+                <a:avLst/>
+              </a:prstGeom>
+              <a:blipFill>
+                <a:blip r:embed="rId14"/>
+                <a:stretch>
+                  <a:fillRect l="-16667" r="-8333"/>
+                </a:stretch>
+              </a:blipFill>
+            </p:spPr>
+            <p:txBody>
+              <a:bodyPr/>
+              <a:lstStyle/>
+              <a:p>
+                <a:r>
+                  <a:rPr lang="fr-FR">
+                    <a:noFill/>
+                  </a:rPr>
+                  <a:t> </a:t>
+                </a:r>
+              </a:p>
+            </p:txBody>
+          </p:sp>
+        </mc:Fallback>
+      </mc:AlternateContent>
+      <p:sp>
+        <p:nvSpPr>
+          <p:cNvPr id="71" name="Ellipse 70">
+            <a:extLst>
+              <a:ext uri="{FF2B5EF4-FFF2-40B4-BE49-F238E27FC236}">
+                <a16:creationId xmlns:a16="http://schemas.microsoft.com/office/drawing/2014/main" id="{676AD59A-9CD5-471C-BB10-F9B67DEBF09F}"/>
+              </a:ext>
+            </a:extLst>
+          </p:cNvPr>
+          <p:cNvSpPr/>
+          <p:nvPr/>
+        </p:nvSpPr>
+        <p:spPr>
+          <a:xfrm>
+            <a:off x="4930825" y="3001710"/>
+            <a:ext cx="288000" cy="288000"/>
+          </a:xfrm>
+          <a:prstGeom prst="ellipse">
+            <a:avLst/>
+          </a:prstGeom>
+          <a:solidFill>
+            <a:srgbClr val="FFD1D1"/>
+          </a:solidFill>
+          <a:ln>
+            <a:solidFill>
+              <a:srgbClr val="C00000"/>
+            </a:solidFill>
+          </a:ln>
+        </p:spPr>
+        <p:style>
+          <a:lnRef idx="2">
+            <a:schemeClr val="accent1">
+              <a:shade val="50000"/>
+            </a:schemeClr>
+          </a:lnRef>
+          <a:fillRef idx="1">
+            <a:schemeClr val="accent1"/>
+          </a:fillRef>
+          <a:effectRef idx="0">
+            <a:schemeClr val="accent1"/>
+          </a:effectRef>
+          <a:fontRef idx="minor">
+            <a:schemeClr val="lt1"/>
+          </a:fontRef>
+        </p:style>
+        <p:txBody>
+          <a:bodyPr rtlCol="0" anchor="ctr"/>
+          <a:lstStyle/>
+          <a:p>
+            <a:pPr algn="ctr"/>
+            <a:endParaRPr lang="fr-FR" sz="1400" b="1" dirty="0">
+              <a:solidFill>
+                <a:schemeClr val="tx1"/>
+              </a:solidFill>
+            </a:endParaRPr>
+          </a:p>
+        </p:txBody>
+      </p:sp>
+      <p:cxnSp>
+        <p:nvCxnSpPr>
+          <p:cNvPr id="72" name="Connecteur droit avec flèche 71">
+            <a:extLst>
+              <a:ext uri="{FF2B5EF4-FFF2-40B4-BE49-F238E27FC236}">
+                <a16:creationId xmlns:a16="http://schemas.microsoft.com/office/drawing/2014/main" id="{7DC76107-DF61-4BC9-A5B3-31C1E67FAB6D}"/>
+              </a:ext>
+            </a:extLst>
+          </p:cNvPr>
+          <p:cNvCxnSpPr>
+            <a:cxnSpLocks/>
+            <a:stCxn id="16" idx="6"/>
+            <a:endCxn id="71" idx="2"/>
+          </p:cNvCxnSpPr>
+          <p:nvPr/>
+        </p:nvCxnSpPr>
+        <p:spPr>
+          <a:xfrm>
+            <a:off x="4226100" y="3145710"/>
+            <a:ext cx="704725" cy="0"/>
+          </a:xfrm>
+          <a:prstGeom prst="straightConnector1">
+            <a:avLst/>
+          </a:prstGeom>
+          <a:ln w="12700">
+            <a:solidFill>
+              <a:schemeClr val="tx1">
+                <a:lumMod val="65000"/>
+                <a:lumOff val="35000"/>
+              </a:schemeClr>
+            </a:solidFill>
+            <a:tailEnd type="stealth" w="med" len="lg"/>
+          </a:ln>
+        </p:spPr>
+        <p:style>
+          <a:lnRef idx="1">
+            <a:schemeClr val="accent1"/>
+          </a:lnRef>
+          <a:fillRef idx="0">
+            <a:schemeClr val="accent1"/>
+          </a:fillRef>
+          <a:effectRef idx="0">
+            <a:schemeClr val="accent1"/>
+          </a:effectRef>
+          <a:fontRef idx="minor">
+            <a:schemeClr val="tx1"/>
+          </a:fontRef>
+        </p:style>
+      </p:cxnSp>
+      <p:cxnSp>
+        <p:nvCxnSpPr>
+          <p:cNvPr id="76" name="Connecteur droit avec flèche 75">
+            <a:extLst>
+              <a:ext uri="{FF2B5EF4-FFF2-40B4-BE49-F238E27FC236}">
+                <a16:creationId xmlns:a16="http://schemas.microsoft.com/office/drawing/2014/main" id="{D3E71233-4198-418A-932C-F0A2A67B6364}"/>
+              </a:ext>
+            </a:extLst>
+          </p:cNvPr>
+          <p:cNvCxnSpPr>
+            <a:cxnSpLocks/>
+            <a:stCxn id="9" idx="5"/>
+            <a:endCxn id="71" idx="1"/>
+          </p:cNvCxnSpPr>
+          <p:nvPr/>
+        </p:nvCxnSpPr>
+        <p:spPr>
+          <a:xfrm>
+            <a:off x="4183923" y="2599533"/>
+            <a:ext cx="789079" cy="444354"/>
+          </a:xfrm>
+          <a:prstGeom prst="straightConnector1">
+            <a:avLst/>
+          </a:prstGeom>
+          <a:ln w="12700">
+            <a:solidFill>
+              <a:schemeClr val="tx1">
+                <a:lumMod val="65000"/>
+                <a:lumOff val="35000"/>
+              </a:schemeClr>
+            </a:solidFill>
+            <a:tailEnd type="stealth" w="med" len="lg"/>
+          </a:ln>
+        </p:spPr>
+        <p:style>
+          <a:lnRef idx="1">
+            <a:schemeClr val="accent1"/>
+          </a:lnRef>
+          <a:fillRef idx="0">
+            <a:schemeClr val="accent1"/>
+          </a:fillRef>
+          <a:effectRef idx="0">
+            <a:schemeClr val="accent1"/>
+          </a:effectRef>
+          <a:fontRef idx="minor">
+            <a:schemeClr val="tx1"/>
+          </a:fontRef>
+        </p:style>
+      </p:cxnSp>
+      <p:grpSp>
+        <p:nvGrpSpPr>
+          <p:cNvPr id="83" name="Groupe 82">
+            <a:extLst>
+              <a:ext uri="{FF2B5EF4-FFF2-40B4-BE49-F238E27FC236}">
+                <a16:creationId xmlns:a16="http://schemas.microsoft.com/office/drawing/2014/main" id="{33FE2814-A32A-4832-909A-3C555B3341C0}"/>
+              </a:ext>
+            </a:extLst>
+          </p:cNvPr>
+          <p:cNvGrpSpPr/>
+          <p:nvPr/>
+        </p:nvGrpSpPr>
+        <p:grpSpPr>
+          <a:xfrm>
+            <a:off x="3943969" y="3655784"/>
+            <a:ext cx="319209" cy="288000"/>
+            <a:chOff x="4931465" y="2355350"/>
+            <a:chExt cx="319209" cy="288000"/>
+          </a:xfrm>
+        </p:grpSpPr>
+        <p:sp>
+          <p:nvSpPr>
+            <p:cNvPr id="84" name="Ellipse 83">
+              <a:extLst>
+                <a:ext uri="{FF2B5EF4-FFF2-40B4-BE49-F238E27FC236}">
+                  <a16:creationId xmlns:a16="http://schemas.microsoft.com/office/drawing/2014/main" id="{7D255F8C-9505-412E-B5AF-56399C04FD5D}"/>
+                </a:ext>
+              </a:extLst>
+            </p:cNvPr>
+            <p:cNvSpPr/>
+            <p:nvPr/>
+          </p:nvSpPr>
+          <p:spPr>
+            <a:xfrm>
+              <a:off x="4931465" y="2355350"/>
+              <a:ext cx="288000" cy="288000"/>
+            </a:xfrm>
+            <a:prstGeom prst="ellipse">
+              <a:avLst/>
+            </a:prstGeom>
+            <a:solidFill>
+              <a:schemeClr val="accent2">
+                <a:lumMod val="20000"/>
+                <a:lumOff val="80000"/>
+              </a:schemeClr>
+            </a:solidFill>
+            <a:ln>
+              <a:solidFill>
+                <a:schemeClr val="accent2">
+                  <a:lumMod val="50000"/>
+                </a:schemeClr>
+              </a:solidFill>
+            </a:ln>
+          </p:spPr>
+          <p:style>
+            <a:lnRef idx="2">
+              <a:schemeClr val="accent1">
+                <a:shade val="50000"/>
+              </a:schemeClr>
+            </a:lnRef>
+            <a:fillRef idx="1">
+              <a:schemeClr val="accent1"/>
+            </a:fillRef>
+            <a:effectRef idx="0">
+              <a:schemeClr val="accent1"/>
+            </a:effectRef>
+            <a:fontRef idx="minor">
+              <a:schemeClr val="lt1"/>
+            </a:fontRef>
+          </p:style>
+          <p:txBody>
+            <a:bodyPr rtlCol="0" anchor="ctr"/>
+            <a:lstStyle/>
+            <a:p>
+              <a:pPr algn="ctr"/>
+              <a:endParaRPr lang="fr-FR" sz="1400" b="1" dirty="0">
+                <a:solidFill>
+                  <a:schemeClr val="tx1"/>
+                </a:solidFill>
+              </a:endParaRPr>
+            </a:p>
+          </p:txBody>
+        </p:sp>
+        <mc:AlternateContent xmlns:mc="http://schemas.openxmlformats.org/markup-compatibility/2006" xmlns:a14="http://schemas.microsoft.com/office/drawing/2010/main">
+          <mc:Choice Requires="a14">
+            <p:sp>
+              <p:nvSpPr>
+                <p:cNvPr id="85" name="Rectangle 84">
+                  <a:extLst>
+                    <a:ext uri="{FF2B5EF4-FFF2-40B4-BE49-F238E27FC236}">
+                      <a16:creationId xmlns:a16="http://schemas.microsoft.com/office/drawing/2014/main" id="{EC744FE4-08F5-466D-9583-0E8EDCF5059B}"/>
+                    </a:ext>
+                  </a:extLst>
+                </p:cNvPr>
+                <p:cNvSpPr/>
+                <p:nvPr/>
+              </p:nvSpPr>
+              <p:spPr>
+                <a:xfrm>
+                  <a:off x="4933404" y="2385501"/>
+                  <a:ext cx="317270" cy="246221"/>
+                </a:xfrm>
+                <a:prstGeom prst="rect">
+                  <a:avLst/>
+                </a:prstGeom>
+              </p:spPr>
+              <p:txBody>
+                <a:bodyPr wrap="square">
+                  <a:spAutoFit/>
+                </a:bodyPr>
+                <a:lstStyle/>
+                <a:p>
+                  <a:pPr algn="ctr"/>
+                  <a14:m>
+                    <m:oMathPara xmlns:m="http://schemas.openxmlformats.org/officeDocument/2006/math">
+                      <m:oMathParaPr>
+                        <m:jc m:val="center"/>
+                      </m:oMathParaPr>
+                      <m:oMath xmlns:m="http://schemas.openxmlformats.org/officeDocument/2006/math">
+                        <m:r>
+                          <a:rPr lang="fr-FR" sz="1000" b="1" i="1" smtClean="0">
+                            <a:latin typeface="Cambria Math" panose="02040503050406030204" pitchFamily="18" charset="0"/>
+                          </a:rPr>
+                          <m:t>𝟏</m:t>
+                        </m:r>
+                      </m:oMath>
+                    </m:oMathPara>
+                  </a14:m>
+                  <a:endParaRPr lang="fr-FR" sz="1000" b="1" dirty="0"/>
+                </a:p>
+              </p:txBody>
+            </p:sp>
+          </mc:Choice>
+          <mc:Fallback xmlns="">
+            <p:sp>
+              <p:nvSpPr>
+                <p:cNvPr id="44" name="Rectangle 43"/>
+                <p:cNvSpPr>
+                  <a:spLocks noRot="1" noChangeAspect="1" noMove="1" noResize="1" noEditPoints="1" noAdjustHandles="1" noChangeArrowheads="1" noChangeShapeType="1" noTextEdit="1"/>
+                </p:cNvSpPr>
+                <p:nvPr/>
+              </p:nvSpPr>
+              <p:spPr>
+                <a:xfrm>
+                  <a:off x="4933404" y="2385501"/>
+                  <a:ext cx="317270" cy="246221"/>
+                </a:xfrm>
+                <a:prstGeom prst="rect">
+                  <a:avLst/>
+                </a:prstGeom>
+                <a:blipFill>
+                  <a:blip r:embed="rId8"/>
+                  <a:stretch>
+                    <a:fillRect/>
+                  </a:stretch>
+                </a:blipFill>
+              </p:spPr>
+              <p:txBody>
+                <a:bodyPr/>
+                <a:lstStyle/>
+                <a:p>
+                  <a:r>
+                    <a:rPr lang="fr-FR">
+                      <a:noFill/>
+                    </a:rPr>
+                    <a:t> </a:t>
+                  </a:r>
+                </a:p>
+              </p:txBody>
+            </p:sp>
+          </mc:Fallback>
+        </mc:AlternateContent>
+      </p:grpSp>
+      <p:cxnSp>
+        <p:nvCxnSpPr>
+          <p:cNvPr id="86" name="Connecteur droit avec flèche 85">
+            <a:extLst>
+              <a:ext uri="{FF2B5EF4-FFF2-40B4-BE49-F238E27FC236}">
+                <a16:creationId xmlns:a16="http://schemas.microsoft.com/office/drawing/2014/main" id="{C2B742B9-28B1-4510-9480-5E69BA4998ED}"/>
+              </a:ext>
+            </a:extLst>
+          </p:cNvPr>
+          <p:cNvCxnSpPr>
+            <a:cxnSpLocks/>
+            <a:stCxn id="84" idx="7"/>
+            <a:endCxn id="71" idx="3"/>
+          </p:cNvCxnSpPr>
+          <p:nvPr/>
+        </p:nvCxnSpPr>
+        <p:spPr>
+          <a:xfrm flipV="1">
+            <a:off x="4189792" y="3247533"/>
+            <a:ext cx="783210" cy="450428"/>
+          </a:xfrm>
+          <a:prstGeom prst="straightConnector1">
+            <a:avLst/>
+          </a:prstGeom>
+          <a:ln w="12700">
+            <a:solidFill>
+              <a:schemeClr val="tx1">
+                <a:lumMod val="65000"/>
+                <a:lumOff val="35000"/>
+              </a:schemeClr>
+            </a:solidFill>
+            <a:tailEnd type="stealth" w="med" len="lg"/>
+          </a:ln>
+        </p:spPr>
+        <p:style>
+          <a:lnRef idx="1">
+            <a:schemeClr val="accent1"/>
+          </a:lnRef>
+          <a:fillRef idx="0">
+            <a:schemeClr val="accent1"/>
+          </a:fillRef>
+          <a:effectRef idx="0">
+            <a:schemeClr val="accent1"/>
+          </a:effectRef>
+          <a:fontRef idx="minor">
+            <a:schemeClr val="tx1"/>
+          </a:fontRef>
+        </p:style>
+      </p:cxnSp>
+      <mc:AlternateContent xmlns:mc="http://schemas.openxmlformats.org/markup-compatibility/2006">
+        <mc:Choice xmlns:a14="http://schemas.microsoft.com/office/drawing/2010/main" Requires="a14">
+          <p:sp>
+            <p:nvSpPr>
+              <p:cNvPr id="67" name="Rectangle 66">
+                <a:extLst>
+                  <a:ext uri="{FF2B5EF4-FFF2-40B4-BE49-F238E27FC236}">
+                    <a16:creationId xmlns:a16="http://schemas.microsoft.com/office/drawing/2014/main" id="{0BB0E6D6-72A5-45F1-9240-C3BD372D244B}"/>
+                  </a:ext>
+                </a:extLst>
+              </p:cNvPr>
+              <p:cNvSpPr/>
+              <p:nvPr/>
+            </p:nvSpPr>
+            <p:spPr>
+              <a:xfrm>
+                <a:off x="4931533" y="2998297"/>
+                <a:ext cx="317270" cy="290016"/>
+              </a:xfrm>
+              <a:prstGeom prst="rect">
+                <a:avLst/>
+              </a:prstGeom>
+            </p:spPr>
+            <p:txBody>
+              <a:bodyPr wrap="square">
+                <a:spAutoFit/>
+              </a:bodyPr>
+              <a:lstStyle/>
+              <a:p>
+                <a:pPr algn="ctr"/>
+                <a14:m>
+                  <m:oMathPara xmlns:m="http://schemas.openxmlformats.org/officeDocument/2006/math">
+                    <m:oMathParaPr>
+                      <m:jc m:val="center"/>
+                    </m:oMathParaPr>
+                    <m:oMath xmlns:m="http://schemas.openxmlformats.org/officeDocument/2006/math">
+                      <m:sSubSup>
+                        <m:sSubSupPr>
+                          <m:ctrlPr>
+                            <a:rPr lang="fr-FR" sz="1000" b="1" i="1" smtClean="0">
+                              <a:latin typeface="Cambria Math" panose="02040503050406030204" pitchFamily="18" charset="0"/>
+                            </a:rPr>
+                          </m:ctrlPr>
+                        </m:sSubSupPr>
+                        <m:e>
+                          <m:r>
+                            <a:rPr lang="fr-FR" sz="1000" b="1" i="1" smtClean="0">
+                              <a:latin typeface="Cambria Math" panose="02040503050406030204" pitchFamily="18" charset="0"/>
+                            </a:rPr>
+                            <m:t>𝒂</m:t>
+                          </m:r>
+                        </m:e>
+                        <m:sub>
+                          <m:r>
+                            <a:rPr lang="fr-FR" sz="1000" b="1" i="1" smtClean="0">
+                              <a:solidFill>
+                                <a:srgbClr val="FF0000"/>
+                              </a:solidFill>
+                              <a:latin typeface="Cambria Math" panose="02040503050406030204" pitchFamily="18" charset="0"/>
+                            </a:rPr>
+                            <m:t>𝟏</m:t>
+                          </m:r>
+                        </m:sub>
+                        <m:sup>
+                          <m:d>
+                            <m:dPr>
+                              <m:begChr m:val="["/>
+                              <m:endChr m:val="]"/>
+                              <m:ctrlPr>
+                                <a:rPr lang="fr-FR" sz="1000" b="1" i="1" smtClean="0">
+                                  <a:solidFill>
+                                    <a:srgbClr val="7030A0"/>
+                                  </a:solidFill>
+                                  <a:latin typeface="Cambria Math" panose="02040503050406030204" pitchFamily="18" charset="0"/>
+                                </a:rPr>
+                              </m:ctrlPr>
+                            </m:dPr>
+                            <m:e>
+                              <m:r>
+                                <a:rPr lang="fr-FR" sz="1000" b="1" i="1" smtClean="0">
+                                  <a:solidFill>
+                                    <a:srgbClr val="7030A0"/>
+                                  </a:solidFill>
+                                  <a:latin typeface="Cambria Math" panose="02040503050406030204" pitchFamily="18" charset="0"/>
+                                </a:rPr>
+                                <m:t>𝟏</m:t>
+                              </m:r>
+                            </m:e>
+                          </m:d>
+                        </m:sup>
+                      </m:sSubSup>
+                    </m:oMath>
+                  </m:oMathPara>
+                </a14:m>
+                <a:endParaRPr lang="fr-FR" sz="1000" b="1" dirty="0"/>
+              </a:p>
+            </p:txBody>
+          </p:sp>
+        </mc:Choice>
+        <mc:Fallback>
+          <p:sp>
+            <p:nvSpPr>
+              <p:cNvPr id="67" name="Rectangle 66">
+                <a:extLst>
+                  <a:ext uri="{FF2B5EF4-FFF2-40B4-BE49-F238E27FC236}">
+                    <a16:creationId xmlns:a16="http://schemas.microsoft.com/office/drawing/2014/main" id="{0BB0E6D6-72A5-45F1-9240-C3BD372D244B}"/>
+                  </a:ext>
+                </a:extLst>
+              </p:cNvPr>
+              <p:cNvSpPr>
+                <a:spLocks noRot="1" noChangeAspect="1" noMove="1" noResize="1" noEditPoints="1" noAdjustHandles="1" noChangeArrowheads="1" noChangeShapeType="1" noTextEdit="1"/>
+              </p:cNvSpPr>
+              <p:nvPr/>
+            </p:nvSpPr>
+            <p:spPr>
+              <a:xfrm>
+                <a:off x="4931533" y="2998297"/>
+                <a:ext cx="317270" cy="290016"/>
+              </a:xfrm>
+              <a:prstGeom prst="rect">
+                <a:avLst/>
+              </a:prstGeom>
+              <a:blipFill>
+                <a:blip r:embed="rId15"/>
+                <a:stretch>
+                  <a:fillRect/>
+                </a:stretch>
+              </a:blipFill>
+            </p:spPr>
+            <p:txBody>
+              <a:bodyPr/>
+              <a:lstStyle/>
+              <a:p>
+                <a:r>
+                  <a:rPr lang="fr-FR">
+                    <a:noFill/>
+                  </a:rPr>
+                  <a:t> </a:t>
+                </a:r>
+              </a:p>
+            </p:txBody>
+          </p:sp>
+        </mc:Fallback>
+      </mc:AlternateContent>
+      <p:grpSp>
+        <p:nvGrpSpPr>
+          <p:cNvPr id="91" name="Groupe 90">
+            <a:extLst>
+              <a:ext uri="{FF2B5EF4-FFF2-40B4-BE49-F238E27FC236}">
+                <a16:creationId xmlns:a16="http://schemas.microsoft.com/office/drawing/2014/main" id="{97EEBF3B-E30A-4180-9111-4E6180476E46}"/>
+              </a:ext>
+            </a:extLst>
+          </p:cNvPr>
+          <p:cNvGrpSpPr/>
+          <p:nvPr/>
+        </p:nvGrpSpPr>
+        <p:grpSpPr>
+          <a:xfrm>
+            <a:off x="4939358" y="1727615"/>
+            <a:ext cx="319209" cy="288000"/>
+            <a:chOff x="4931465" y="2355350"/>
+            <a:chExt cx="319209" cy="288000"/>
+          </a:xfrm>
+        </p:grpSpPr>
+        <p:sp>
+          <p:nvSpPr>
+            <p:cNvPr id="92" name="Ellipse 91">
+              <a:extLst>
+                <a:ext uri="{FF2B5EF4-FFF2-40B4-BE49-F238E27FC236}">
+                  <a16:creationId xmlns:a16="http://schemas.microsoft.com/office/drawing/2014/main" id="{3FB51F29-17AB-42F5-BCA6-F4FDE6EE122C}"/>
+                </a:ext>
+              </a:extLst>
+            </p:cNvPr>
+            <p:cNvSpPr/>
+            <p:nvPr/>
+          </p:nvSpPr>
+          <p:spPr>
+            <a:xfrm>
+              <a:off x="4931465" y="2355350"/>
+              <a:ext cx="288000" cy="288000"/>
+            </a:xfrm>
+            <a:prstGeom prst="ellipse">
+              <a:avLst/>
+            </a:prstGeom>
+            <a:solidFill>
+              <a:schemeClr val="accent2">
+                <a:lumMod val="20000"/>
+                <a:lumOff val="80000"/>
+              </a:schemeClr>
+            </a:solidFill>
+            <a:ln>
+              <a:solidFill>
+                <a:schemeClr val="accent2">
+                  <a:lumMod val="50000"/>
+                </a:schemeClr>
+              </a:solidFill>
+            </a:ln>
+          </p:spPr>
+          <p:style>
+            <a:lnRef idx="2">
+              <a:schemeClr val="accent1">
+                <a:shade val="50000"/>
+              </a:schemeClr>
+            </a:lnRef>
+            <a:fillRef idx="1">
+              <a:schemeClr val="accent1"/>
+            </a:fillRef>
+            <a:effectRef idx="0">
+              <a:schemeClr val="accent1"/>
+            </a:effectRef>
+            <a:fontRef idx="minor">
+              <a:schemeClr val="lt1"/>
+            </a:fontRef>
+          </p:style>
+          <p:txBody>
+            <a:bodyPr rtlCol="0" anchor="ctr"/>
+            <a:lstStyle/>
+            <a:p>
+              <a:pPr algn="ctr"/>
+              <a:endParaRPr lang="fr-FR" sz="1400" b="1" dirty="0">
+                <a:solidFill>
+                  <a:schemeClr val="tx1"/>
+                </a:solidFill>
+              </a:endParaRPr>
+            </a:p>
+          </p:txBody>
+        </p:sp>
+        <mc:AlternateContent xmlns:mc="http://schemas.openxmlformats.org/markup-compatibility/2006" xmlns:a14="http://schemas.microsoft.com/office/drawing/2010/main">
+          <mc:Choice Requires="a14">
+            <p:sp>
+              <p:nvSpPr>
+                <p:cNvPr id="93" name="Rectangle 92">
+                  <a:extLst>
+                    <a:ext uri="{FF2B5EF4-FFF2-40B4-BE49-F238E27FC236}">
+                      <a16:creationId xmlns:a16="http://schemas.microsoft.com/office/drawing/2014/main" id="{49D1B327-54ED-48CD-B4BC-D7F25E15D8DC}"/>
+                    </a:ext>
+                  </a:extLst>
+                </p:cNvPr>
+                <p:cNvSpPr/>
+                <p:nvPr/>
+              </p:nvSpPr>
+              <p:spPr>
+                <a:xfrm>
+                  <a:off x="4933404" y="2385501"/>
+                  <a:ext cx="317270" cy="246221"/>
+                </a:xfrm>
+                <a:prstGeom prst="rect">
+                  <a:avLst/>
+                </a:prstGeom>
+              </p:spPr>
+              <p:txBody>
+                <a:bodyPr wrap="square">
+                  <a:spAutoFit/>
+                </a:bodyPr>
+                <a:lstStyle/>
+                <a:p>
+                  <a:pPr algn="ctr"/>
+                  <a14:m>
+                    <m:oMathPara xmlns:m="http://schemas.openxmlformats.org/officeDocument/2006/math">
+                      <m:oMathParaPr>
+                        <m:jc m:val="center"/>
+                      </m:oMathParaPr>
+                      <m:oMath xmlns:m="http://schemas.openxmlformats.org/officeDocument/2006/math">
+                        <m:r>
+                          <a:rPr lang="fr-FR" sz="1000" b="1" i="1" smtClean="0">
+                            <a:latin typeface="Cambria Math" panose="02040503050406030204" pitchFamily="18" charset="0"/>
+                          </a:rPr>
+                          <m:t>𝟏</m:t>
+                        </m:r>
+                      </m:oMath>
+                    </m:oMathPara>
+                  </a14:m>
+                  <a:endParaRPr lang="fr-FR" sz="1000" b="1" dirty="0"/>
+                </a:p>
+              </p:txBody>
+            </p:sp>
+          </mc:Choice>
+          <mc:Fallback xmlns="">
+            <p:sp>
+              <p:nvSpPr>
+                <p:cNvPr id="44" name="Rectangle 43"/>
+                <p:cNvSpPr>
+                  <a:spLocks noRot="1" noChangeAspect="1" noMove="1" noResize="1" noEditPoints="1" noAdjustHandles="1" noChangeArrowheads="1" noChangeShapeType="1" noTextEdit="1"/>
+                </p:cNvSpPr>
+                <p:nvPr/>
+              </p:nvSpPr>
+              <p:spPr>
+                <a:xfrm>
+                  <a:off x="4933404" y="2385501"/>
+                  <a:ext cx="317270" cy="246221"/>
+                </a:xfrm>
+                <a:prstGeom prst="rect">
+                  <a:avLst/>
+                </a:prstGeom>
+                <a:blipFill>
+                  <a:blip r:embed="rId8"/>
+                  <a:stretch>
+                    <a:fillRect/>
+                  </a:stretch>
+                </a:blipFill>
+              </p:spPr>
+              <p:txBody>
+                <a:bodyPr/>
+                <a:lstStyle/>
+                <a:p>
+                  <a:r>
+                    <a:rPr lang="fr-FR">
+                      <a:noFill/>
+                    </a:rPr>
+                    <a:t> </a:t>
+                  </a:r>
+                </a:p>
+              </p:txBody>
+            </p:sp>
+          </mc:Fallback>
+        </mc:AlternateContent>
+      </p:grpSp>
+      <mc:AlternateContent xmlns:mc="http://schemas.openxmlformats.org/markup-compatibility/2006">
+        <mc:Choice xmlns:a14="http://schemas.microsoft.com/office/drawing/2010/main" Requires="a14">
+          <p:sp>
+            <p:nvSpPr>
+              <p:cNvPr id="94" name="Rectangle 93">
+                <a:extLst>
+                  <a:ext uri="{FF2B5EF4-FFF2-40B4-BE49-F238E27FC236}">
+                    <a16:creationId xmlns:a16="http://schemas.microsoft.com/office/drawing/2014/main" id="{0D127BD8-1845-4F75-B309-F61E6B63D692}"/>
+                  </a:ext>
+                </a:extLst>
+              </p:cNvPr>
+              <p:cNvSpPr/>
+              <p:nvPr/>
+            </p:nvSpPr>
+            <p:spPr>
+              <a:xfrm>
+                <a:off x="4171113" y="2719615"/>
+                <a:ext cx="224189" cy="268407"/>
+              </a:xfrm>
+              <a:prstGeom prst="rect">
+                <a:avLst/>
+              </a:prstGeom>
+            </p:spPr>
+            <p:txBody>
+              <a:bodyPr wrap="square">
+                <a:spAutoFit/>
+              </a:bodyPr>
+              <a:lstStyle/>
+              <a:p>
+                <a:pPr algn="ctr"/>
+                <a14:m>
+                  <m:oMathPara xmlns:m="http://schemas.openxmlformats.org/officeDocument/2006/math">
+                    <m:oMathParaPr>
+                      <m:jc m:val="center"/>
+                    </m:oMathParaPr>
+                    <m:oMath xmlns:m="http://schemas.openxmlformats.org/officeDocument/2006/math">
+                      <m:sSubSup>
+                        <m:sSubSupPr>
+                          <m:ctrlPr>
+                            <a:rPr lang="fr-FR" sz="900" b="1" i="1" smtClean="0">
+                              <a:latin typeface="Cambria Math" panose="02040503050406030204" pitchFamily="18" charset="0"/>
+                            </a:rPr>
+                          </m:ctrlPr>
+                        </m:sSubSupPr>
+                        <m:e>
+                          <m:r>
+                            <a:rPr lang="fr-FR" sz="900" b="1" i="1" smtClean="0">
+                              <a:latin typeface="Cambria Math" panose="02040503050406030204" pitchFamily="18" charset="0"/>
+                            </a:rPr>
+                            <m:t>𝒘</m:t>
+                          </m:r>
+                        </m:e>
+                        <m:sub>
+                          <m:r>
+                            <a:rPr lang="fr-FR" sz="900" b="1" i="1" smtClean="0">
+                              <a:solidFill>
+                                <a:srgbClr val="C00000"/>
+                              </a:solidFill>
+                              <a:latin typeface="Cambria Math" panose="02040503050406030204" pitchFamily="18" charset="0"/>
+                            </a:rPr>
+                            <m:t>𝟎</m:t>
+                          </m:r>
+                          <m:r>
+                            <a:rPr lang="fr-FR" sz="900" b="1" i="1" smtClean="0">
+                              <a:solidFill>
+                                <a:schemeClr val="accent4">
+                                  <a:lumMod val="50000"/>
+                                </a:schemeClr>
+                              </a:solidFill>
+                              <a:latin typeface="Cambria Math" panose="02040503050406030204" pitchFamily="18" charset="0"/>
+                            </a:rPr>
+                            <m:t>𝟏</m:t>
+                          </m:r>
+                        </m:sub>
+                        <m:sup>
+                          <m:r>
+                            <a:rPr lang="fr-FR" sz="900" b="1" i="1" smtClean="0">
+                              <a:solidFill>
+                                <a:srgbClr val="7030A0"/>
+                              </a:solidFill>
+                              <a:latin typeface="Cambria Math" panose="02040503050406030204" pitchFamily="18" charset="0"/>
+                            </a:rPr>
+                            <m:t>[</m:t>
+                          </m:r>
+                          <m:r>
+                            <a:rPr lang="fr-FR" sz="900" b="1" i="1" smtClean="0">
+                              <a:solidFill>
+                                <a:srgbClr val="7030A0"/>
+                              </a:solidFill>
+                              <a:latin typeface="Cambria Math" panose="02040503050406030204" pitchFamily="18" charset="0"/>
+                            </a:rPr>
+                            <m:t>𝟏</m:t>
+                          </m:r>
+                          <m:r>
+                            <a:rPr lang="fr-FR" sz="900" b="1" i="1" smtClean="0">
+                              <a:solidFill>
+                                <a:srgbClr val="7030A0"/>
+                              </a:solidFill>
+                              <a:latin typeface="Cambria Math" panose="02040503050406030204" pitchFamily="18" charset="0"/>
+                            </a:rPr>
+                            <m:t>]</m:t>
+                          </m:r>
+                        </m:sup>
+                      </m:sSubSup>
+                    </m:oMath>
+                  </m:oMathPara>
+                </a14:m>
+                <a:endParaRPr lang="fr-FR" sz="900" b="1" dirty="0"/>
+              </a:p>
+            </p:txBody>
+          </p:sp>
+        </mc:Choice>
+        <mc:Fallback>
+          <p:sp>
+            <p:nvSpPr>
+              <p:cNvPr id="94" name="Rectangle 93">
+                <a:extLst>
+                  <a:ext uri="{FF2B5EF4-FFF2-40B4-BE49-F238E27FC236}">
+                    <a16:creationId xmlns:a16="http://schemas.microsoft.com/office/drawing/2014/main" id="{0D127BD8-1845-4F75-B309-F61E6B63D692}"/>
+                  </a:ext>
+                </a:extLst>
+              </p:cNvPr>
+              <p:cNvSpPr>
+                <a:spLocks noRot="1" noChangeAspect="1" noMove="1" noResize="1" noEditPoints="1" noAdjustHandles="1" noChangeArrowheads="1" noChangeShapeType="1" noTextEdit="1"/>
+              </p:cNvSpPr>
+              <p:nvPr/>
+            </p:nvSpPr>
+            <p:spPr>
+              <a:xfrm>
+                <a:off x="4171113" y="2719615"/>
+                <a:ext cx="224189" cy="268407"/>
+              </a:xfrm>
+              <a:prstGeom prst="rect">
+                <a:avLst/>
+              </a:prstGeom>
+              <a:blipFill>
+                <a:blip r:embed="rId16"/>
+                <a:stretch>
+                  <a:fillRect l="-13514" r="-8108"/>
+                </a:stretch>
+              </a:blipFill>
+            </p:spPr>
+            <p:txBody>
+              <a:bodyPr/>
+              <a:lstStyle/>
+              <a:p>
+                <a:r>
+                  <a:rPr lang="fr-FR">
+                    <a:noFill/>
+                  </a:rPr>
+                  <a:t> </a:t>
+                </a:r>
+              </a:p>
+            </p:txBody>
+          </p:sp>
+        </mc:Fallback>
+      </mc:AlternateContent>
+      <mc:AlternateContent xmlns:mc="http://schemas.openxmlformats.org/markup-compatibility/2006">
+        <mc:Choice xmlns:a14="http://schemas.microsoft.com/office/drawing/2010/main" Requires="a14">
+          <p:sp>
+            <p:nvSpPr>
+              <p:cNvPr id="95" name="Rectangle 94">
+                <a:extLst>
+                  <a:ext uri="{FF2B5EF4-FFF2-40B4-BE49-F238E27FC236}">
+                    <a16:creationId xmlns:a16="http://schemas.microsoft.com/office/drawing/2014/main" id="{F38AED18-A985-4F0E-948D-6E2392473D7F}"/>
+                  </a:ext>
+                </a:extLst>
+              </p:cNvPr>
+              <p:cNvSpPr/>
+              <p:nvPr/>
+            </p:nvSpPr>
+            <p:spPr>
+              <a:xfrm>
+                <a:off x="4421575" y="2897693"/>
+                <a:ext cx="224189" cy="268407"/>
+              </a:xfrm>
+              <a:prstGeom prst="rect">
+                <a:avLst/>
+              </a:prstGeom>
+            </p:spPr>
+            <p:txBody>
+              <a:bodyPr wrap="square">
+                <a:spAutoFit/>
+              </a:bodyPr>
+              <a:lstStyle/>
+              <a:p>
+                <a:pPr algn="ctr"/>
+                <a14:m>
+                  <m:oMathPara xmlns:m="http://schemas.openxmlformats.org/officeDocument/2006/math">
+                    <m:oMathParaPr>
+                      <m:jc m:val="center"/>
+                    </m:oMathParaPr>
+                    <m:oMath xmlns:m="http://schemas.openxmlformats.org/officeDocument/2006/math">
+                      <m:sSubSup>
+                        <m:sSubSupPr>
+                          <m:ctrlPr>
+                            <a:rPr lang="fr-FR" sz="900" b="1" i="1" smtClean="0">
+                              <a:latin typeface="Cambria Math" panose="02040503050406030204" pitchFamily="18" charset="0"/>
+                            </a:rPr>
+                          </m:ctrlPr>
+                        </m:sSubSupPr>
+                        <m:e>
+                          <m:r>
+                            <a:rPr lang="fr-FR" sz="900" b="1" i="1" smtClean="0">
+                              <a:latin typeface="Cambria Math" panose="02040503050406030204" pitchFamily="18" charset="0"/>
+                            </a:rPr>
+                            <m:t>𝒘</m:t>
+                          </m:r>
+                        </m:e>
+                        <m:sub>
+                          <m:r>
+                            <a:rPr lang="fr-FR" sz="900" b="1" i="1" smtClean="0">
+                              <a:solidFill>
+                                <a:srgbClr val="C00000"/>
+                              </a:solidFill>
+                              <a:latin typeface="Cambria Math" panose="02040503050406030204" pitchFamily="18" charset="0"/>
+                            </a:rPr>
+                            <m:t>𝟏</m:t>
+                          </m:r>
+                          <m:r>
+                            <a:rPr lang="fr-FR" sz="900" b="1" i="1" smtClean="0">
+                              <a:solidFill>
+                                <a:schemeClr val="accent4">
+                                  <a:lumMod val="50000"/>
+                                </a:schemeClr>
+                              </a:solidFill>
+                              <a:latin typeface="Cambria Math" panose="02040503050406030204" pitchFamily="18" charset="0"/>
+                            </a:rPr>
+                            <m:t>𝟏</m:t>
+                          </m:r>
+                        </m:sub>
+                        <m:sup>
+                          <m:r>
+                            <a:rPr lang="fr-FR" sz="900" b="1" i="1" smtClean="0">
+                              <a:solidFill>
+                                <a:srgbClr val="7030A0"/>
+                              </a:solidFill>
+                              <a:latin typeface="Cambria Math" panose="02040503050406030204" pitchFamily="18" charset="0"/>
+                            </a:rPr>
+                            <m:t>[</m:t>
+                          </m:r>
+                          <m:r>
+                            <a:rPr lang="fr-FR" sz="900" b="1" i="1" smtClean="0">
+                              <a:solidFill>
+                                <a:srgbClr val="7030A0"/>
+                              </a:solidFill>
+                              <a:latin typeface="Cambria Math" panose="02040503050406030204" pitchFamily="18" charset="0"/>
+                            </a:rPr>
+                            <m:t>𝟏</m:t>
+                          </m:r>
+                          <m:r>
+                            <a:rPr lang="fr-FR" sz="900" b="1" i="1" smtClean="0">
+                              <a:solidFill>
+                                <a:srgbClr val="7030A0"/>
+                              </a:solidFill>
+                              <a:latin typeface="Cambria Math" panose="02040503050406030204" pitchFamily="18" charset="0"/>
+                            </a:rPr>
+                            <m:t>]</m:t>
+                          </m:r>
+                        </m:sup>
+                      </m:sSubSup>
+                    </m:oMath>
+                  </m:oMathPara>
+                </a14:m>
+                <a:endParaRPr lang="fr-FR" sz="900" b="1" dirty="0"/>
+              </a:p>
+            </p:txBody>
+          </p:sp>
+        </mc:Choice>
+        <mc:Fallback>
+          <p:sp>
+            <p:nvSpPr>
+              <p:cNvPr id="95" name="Rectangle 94">
+                <a:extLst>
+                  <a:ext uri="{FF2B5EF4-FFF2-40B4-BE49-F238E27FC236}">
+                    <a16:creationId xmlns:a16="http://schemas.microsoft.com/office/drawing/2014/main" id="{F38AED18-A985-4F0E-948D-6E2392473D7F}"/>
+                  </a:ext>
+                </a:extLst>
+              </p:cNvPr>
+              <p:cNvSpPr>
+                <a:spLocks noRot="1" noChangeAspect="1" noMove="1" noResize="1" noEditPoints="1" noAdjustHandles="1" noChangeArrowheads="1" noChangeShapeType="1" noTextEdit="1"/>
+              </p:cNvSpPr>
+              <p:nvPr/>
+            </p:nvSpPr>
+            <p:spPr>
+              <a:xfrm>
+                <a:off x="4421575" y="2897693"/>
+                <a:ext cx="224189" cy="268407"/>
+              </a:xfrm>
+              <a:prstGeom prst="rect">
+                <a:avLst/>
+              </a:prstGeom>
+              <a:blipFill>
+                <a:blip r:embed="rId17"/>
+                <a:stretch>
+                  <a:fillRect l="-13514" r="-8108"/>
+                </a:stretch>
+              </a:blipFill>
+            </p:spPr>
+            <p:txBody>
+              <a:bodyPr/>
+              <a:lstStyle/>
+              <a:p>
+                <a:r>
+                  <a:rPr lang="fr-FR">
+                    <a:noFill/>
+                  </a:rPr>
+                  <a:t> </a:t>
+                </a:r>
+              </a:p>
+            </p:txBody>
+          </p:sp>
+        </mc:Fallback>
+      </mc:AlternateContent>
+      <mc:AlternateContent xmlns:mc="http://schemas.openxmlformats.org/markup-compatibility/2006">
+        <mc:Choice xmlns:a14="http://schemas.microsoft.com/office/drawing/2010/main" Requires="a14">
+          <p:sp>
+            <p:nvSpPr>
+              <p:cNvPr id="96" name="Rectangle 95">
+                <a:extLst>
+                  <a:ext uri="{FF2B5EF4-FFF2-40B4-BE49-F238E27FC236}">
+                    <a16:creationId xmlns:a16="http://schemas.microsoft.com/office/drawing/2014/main" id="{B50EE627-8DBC-42D3-AA81-A0F980D9F4A5}"/>
+                  </a:ext>
+                </a:extLst>
+              </p:cNvPr>
+              <p:cNvSpPr/>
+              <p:nvPr/>
+            </p:nvSpPr>
+            <p:spPr>
+              <a:xfrm>
+                <a:off x="4363973" y="2234772"/>
+                <a:ext cx="224189" cy="268407"/>
+              </a:xfrm>
+              <a:prstGeom prst="rect">
+                <a:avLst/>
+              </a:prstGeom>
+            </p:spPr>
+            <p:txBody>
+              <a:bodyPr wrap="square">
+                <a:spAutoFit/>
+              </a:bodyPr>
+              <a:lstStyle/>
+              <a:p>
+                <a:pPr algn="ctr"/>
+                <a14:m>
+                  <m:oMathPara xmlns:m="http://schemas.openxmlformats.org/officeDocument/2006/math">
+                    <m:oMathParaPr>
+                      <m:jc m:val="center"/>
+                    </m:oMathParaPr>
+                    <m:oMath xmlns:m="http://schemas.openxmlformats.org/officeDocument/2006/math">
+                      <m:sSubSup>
+                        <m:sSubSupPr>
+                          <m:ctrlPr>
+                            <a:rPr lang="fr-FR" sz="900" b="1" i="1" smtClean="0">
+                              <a:latin typeface="Cambria Math" panose="02040503050406030204" pitchFamily="18" charset="0"/>
+                            </a:rPr>
+                          </m:ctrlPr>
+                        </m:sSubSupPr>
+                        <m:e>
+                          <m:r>
+                            <a:rPr lang="fr-FR" sz="900" b="1" i="1" smtClean="0">
+                              <a:latin typeface="Cambria Math" panose="02040503050406030204" pitchFamily="18" charset="0"/>
+                            </a:rPr>
+                            <m:t>𝒘</m:t>
+                          </m:r>
+                        </m:e>
+                        <m:sub>
+                          <m:r>
+                            <a:rPr lang="fr-FR" sz="900" b="1" i="1" smtClean="0">
+                              <a:solidFill>
+                                <a:srgbClr val="C00000"/>
+                              </a:solidFill>
+                              <a:latin typeface="Cambria Math" panose="02040503050406030204" pitchFamily="18" charset="0"/>
+                            </a:rPr>
+                            <m:t>𝟎</m:t>
+                          </m:r>
+                          <m:r>
+                            <a:rPr lang="fr-FR" sz="900" b="1" i="1" smtClean="0">
+                              <a:solidFill>
+                                <a:schemeClr val="accent4">
+                                  <a:lumMod val="50000"/>
+                                </a:schemeClr>
+                              </a:solidFill>
+                              <a:latin typeface="Cambria Math" panose="02040503050406030204" pitchFamily="18" charset="0"/>
+                            </a:rPr>
+                            <m:t>𝟎</m:t>
+                          </m:r>
+                        </m:sub>
+                        <m:sup>
+                          <m:r>
+                            <a:rPr lang="fr-FR" sz="900" b="1" i="1" smtClean="0">
+                              <a:solidFill>
+                                <a:srgbClr val="7030A0"/>
+                              </a:solidFill>
+                              <a:latin typeface="Cambria Math" panose="02040503050406030204" pitchFamily="18" charset="0"/>
+                            </a:rPr>
+                            <m:t>[</m:t>
+                          </m:r>
+                          <m:r>
+                            <a:rPr lang="fr-FR" sz="900" b="1" i="1" smtClean="0">
+                              <a:solidFill>
+                                <a:srgbClr val="7030A0"/>
+                              </a:solidFill>
+                              <a:latin typeface="Cambria Math" panose="02040503050406030204" pitchFamily="18" charset="0"/>
+                            </a:rPr>
+                            <m:t>𝟏</m:t>
+                          </m:r>
+                          <m:r>
+                            <a:rPr lang="fr-FR" sz="900" b="1" i="1" smtClean="0">
+                              <a:solidFill>
+                                <a:srgbClr val="7030A0"/>
+                              </a:solidFill>
+                              <a:latin typeface="Cambria Math" panose="02040503050406030204" pitchFamily="18" charset="0"/>
+                            </a:rPr>
+                            <m:t>]</m:t>
+                          </m:r>
+                        </m:sup>
+                      </m:sSubSup>
+                    </m:oMath>
+                  </m:oMathPara>
+                </a14:m>
+                <a:endParaRPr lang="fr-FR" sz="900" b="1" dirty="0"/>
+              </a:p>
+            </p:txBody>
+          </p:sp>
+        </mc:Choice>
+        <mc:Fallback>
+          <p:sp>
+            <p:nvSpPr>
+              <p:cNvPr id="96" name="Rectangle 95">
+                <a:extLst>
+                  <a:ext uri="{FF2B5EF4-FFF2-40B4-BE49-F238E27FC236}">
+                    <a16:creationId xmlns:a16="http://schemas.microsoft.com/office/drawing/2014/main" id="{B50EE627-8DBC-42D3-AA81-A0F980D9F4A5}"/>
+                  </a:ext>
+                </a:extLst>
+              </p:cNvPr>
+              <p:cNvSpPr>
+                <a:spLocks noRot="1" noChangeAspect="1" noMove="1" noResize="1" noEditPoints="1" noAdjustHandles="1" noChangeArrowheads="1" noChangeShapeType="1" noTextEdit="1"/>
+              </p:cNvSpPr>
+              <p:nvPr/>
+            </p:nvSpPr>
+            <p:spPr>
+              <a:xfrm>
+                <a:off x="4363973" y="2234772"/>
+                <a:ext cx="224189" cy="268407"/>
+              </a:xfrm>
+              <a:prstGeom prst="rect">
+                <a:avLst/>
+              </a:prstGeom>
+              <a:blipFill>
+                <a:blip r:embed="rId18"/>
+                <a:stretch>
+                  <a:fillRect l="-13514" r="-8108"/>
+                </a:stretch>
+              </a:blipFill>
+            </p:spPr>
+            <p:txBody>
+              <a:bodyPr/>
+              <a:lstStyle/>
+              <a:p>
+                <a:r>
+                  <a:rPr lang="fr-FR">
+                    <a:noFill/>
+                  </a:rPr>
+                  <a:t> </a:t>
+                </a:r>
+              </a:p>
+            </p:txBody>
+          </p:sp>
+        </mc:Fallback>
+      </mc:AlternateContent>
+      <mc:AlternateContent xmlns:mc="http://schemas.openxmlformats.org/markup-compatibility/2006">
+        <mc:Choice xmlns:a14="http://schemas.microsoft.com/office/drawing/2010/main" Requires="a14">
+          <p:sp>
+            <p:nvSpPr>
+              <p:cNvPr id="97" name="Rectangle 96">
+                <a:extLst>
+                  <a:ext uri="{FF2B5EF4-FFF2-40B4-BE49-F238E27FC236}">
+                    <a16:creationId xmlns:a16="http://schemas.microsoft.com/office/drawing/2014/main" id="{F02C315B-2D04-4406-B49D-6BB619DA5DB1}"/>
+                  </a:ext>
+                </a:extLst>
+              </p:cNvPr>
+              <p:cNvSpPr/>
+              <p:nvPr/>
+            </p:nvSpPr>
+            <p:spPr>
+              <a:xfrm>
+                <a:off x="4372415" y="3246541"/>
+                <a:ext cx="224189" cy="268407"/>
+              </a:xfrm>
+              <a:prstGeom prst="rect">
+                <a:avLst/>
+              </a:prstGeom>
+            </p:spPr>
+            <p:txBody>
+              <a:bodyPr wrap="square">
+                <a:spAutoFit/>
+              </a:bodyPr>
+              <a:lstStyle/>
+              <a:p>
+                <a:pPr algn="ctr"/>
+                <a14:m>
+                  <m:oMathPara xmlns:m="http://schemas.openxmlformats.org/officeDocument/2006/math">
+                    <m:oMathParaPr>
+                      <m:jc m:val="center"/>
+                    </m:oMathParaPr>
+                    <m:oMath xmlns:m="http://schemas.openxmlformats.org/officeDocument/2006/math">
+                      <m:sSubSup>
+                        <m:sSubSupPr>
+                          <m:ctrlPr>
+                            <a:rPr lang="fr-FR" sz="900" b="1" i="1" smtClean="0">
+                              <a:latin typeface="Cambria Math" panose="02040503050406030204" pitchFamily="18" charset="0"/>
+                            </a:rPr>
+                          </m:ctrlPr>
+                        </m:sSubSupPr>
+                        <m:e>
+                          <m:r>
+                            <a:rPr lang="fr-FR" sz="900" b="1" i="1" smtClean="0">
+                              <a:latin typeface="Cambria Math" panose="02040503050406030204" pitchFamily="18" charset="0"/>
+                            </a:rPr>
+                            <m:t>𝒃</m:t>
+                          </m:r>
+                        </m:e>
+                        <m:sub>
+                          <m:r>
+                            <a:rPr lang="fr-FR" sz="900" b="1" i="1" smtClean="0">
+                              <a:solidFill>
+                                <a:srgbClr val="FF0000"/>
+                              </a:solidFill>
+                              <a:latin typeface="Cambria Math" panose="02040503050406030204" pitchFamily="18" charset="0"/>
+                            </a:rPr>
+                            <m:t>𝟏</m:t>
+                          </m:r>
+                        </m:sub>
+                        <m:sup>
+                          <m:r>
+                            <a:rPr lang="fr-FR" sz="900" b="1" i="1" smtClean="0">
+                              <a:solidFill>
+                                <a:srgbClr val="7030A0"/>
+                              </a:solidFill>
+                              <a:latin typeface="Cambria Math" panose="02040503050406030204" pitchFamily="18" charset="0"/>
+                            </a:rPr>
+                            <m:t>[</m:t>
+                          </m:r>
+                          <m:r>
+                            <a:rPr lang="fr-FR" sz="900" b="1" i="1" smtClean="0">
+                              <a:solidFill>
+                                <a:srgbClr val="7030A0"/>
+                              </a:solidFill>
+                              <a:latin typeface="Cambria Math" panose="02040503050406030204" pitchFamily="18" charset="0"/>
+                            </a:rPr>
+                            <m:t>𝟏</m:t>
+                          </m:r>
+                          <m:r>
+                            <a:rPr lang="fr-FR" sz="900" b="1" i="1" smtClean="0">
+                              <a:solidFill>
+                                <a:srgbClr val="7030A0"/>
+                              </a:solidFill>
+                              <a:latin typeface="Cambria Math" panose="02040503050406030204" pitchFamily="18" charset="0"/>
+                            </a:rPr>
+                            <m:t>]</m:t>
+                          </m:r>
+                        </m:sup>
+                      </m:sSubSup>
+                    </m:oMath>
+                  </m:oMathPara>
+                </a14:m>
+                <a:endParaRPr lang="fr-FR" sz="900" b="1" dirty="0"/>
+              </a:p>
+            </p:txBody>
+          </p:sp>
+        </mc:Choice>
+        <mc:Fallback>
+          <p:sp>
+            <p:nvSpPr>
+              <p:cNvPr id="97" name="Rectangle 96">
+                <a:extLst>
+                  <a:ext uri="{FF2B5EF4-FFF2-40B4-BE49-F238E27FC236}">
+                    <a16:creationId xmlns:a16="http://schemas.microsoft.com/office/drawing/2014/main" id="{F02C315B-2D04-4406-B49D-6BB619DA5DB1}"/>
+                  </a:ext>
+                </a:extLst>
+              </p:cNvPr>
+              <p:cNvSpPr>
+                <a:spLocks noRot="1" noChangeAspect="1" noMove="1" noResize="1" noEditPoints="1" noAdjustHandles="1" noChangeArrowheads="1" noChangeShapeType="1" noTextEdit="1"/>
+              </p:cNvSpPr>
+              <p:nvPr/>
+            </p:nvSpPr>
+            <p:spPr>
+              <a:xfrm>
+                <a:off x="4372415" y="3246541"/>
+                <a:ext cx="224189" cy="268407"/>
+              </a:xfrm>
+              <a:prstGeom prst="rect">
+                <a:avLst/>
+              </a:prstGeom>
+              <a:blipFill>
+                <a:blip r:embed="rId19"/>
+                <a:stretch>
+                  <a:fillRect l="-16216" r="-5405"/>
+                </a:stretch>
+              </a:blipFill>
+            </p:spPr>
+            <p:txBody>
+              <a:bodyPr/>
+              <a:lstStyle/>
+              <a:p>
+                <a:r>
+                  <a:rPr lang="fr-FR">
+                    <a:noFill/>
+                  </a:rPr>
+                  <a:t> </a:t>
+                </a:r>
+              </a:p>
+            </p:txBody>
+          </p:sp>
+        </mc:Fallback>
+      </mc:AlternateContent>
+      <p:cxnSp>
+        <p:nvCxnSpPr>
+          <p:cNvPr id="98" name="Connecteur droit avec flèche 97">
+            <a:extLst>
+              <a:ext uri="{FF2B5EF4-FFF2-40B4-BE49-F238E27FC236}">
+                <a16:creationId xmlns:a16="http://schemas.microsoft.com/office/drawing/2014/main" id="{722D1D1F-A5E1-41C1-9617-5D88FEAD2318}"/>
+              </a:ext>
+            </a:extLst>
+          </p:cNvPr>
+          <p:cNvCxnSpPr>
+            <a:cxnSpLocks/>
+            <a:stCxn id="25" idx="6"/>
+            <a:endCxn id="38" idx="1"/>
+          </p:cNvCxnSpPr>
+          <p:nvPr/>
+        </p:nvCxnSpPr>
+        <p:spPr>
+          <a:xfrm>
+            <a:off x="5229868" y="2498702"/>
+            <a:ext cx="740926" cy="205901"/>
+          </a:xfrm>
+          <a:prstGeom prst="straightConnector1">
+            <a:avLst/>
+          </a:prstGeom>
+          <a:ln w="12700">
+            <a:solidFill>
+              <a:schemeClr val="tx1">
+                <a:lumMod val="65000"/>
+                <a:lumOff val="35000"/>
+              </a:schemeClr>
+            </a:solidFill>
+            <a:tailEnd type="stealth" w="med" len="lg"/>
+          </a:ln>
+        </p:spPr>
+        <p:style>
+          <a:lnRef idx="1">
+            <a:schemeClr val="accent1"/>
+          </a:lnRef>
+          <a:fillRef idx="0">
+            <a:schemeClr val="accent1"/>
+          </a:fillRef>
+          <a:effectRef idx="0">
+            <a:schemeClr val="accent1"/>
+          </a:effectRef>
+          <a:fontRef idx="minor">
+            <a:schemeClr val="tx1"/>
+          </a:fontRef>
+        </p:style>
+      </p:cxnSp>
+      <mc:AlternateContent xmlns:mc="http://schemas.openxmlformats.org/markup-compatibility/2006">
+        <mc:Choice xmlns:a14="http://schemas.microsoft.com/office/drawing/2010/main" Requires="a14">
+          <p:sp>
+            <p:nvSpPr>
+              <p:cNvPr id="103" name="Rectangle 102">
+                <a:extLst>
+                  <a:ext uri="{FF2B5EF4-FFF2-40B4-BE49-F238E27FC236}">
+                    <a16:creationId xmlns:a16="http://schemas.microsoft.com/office/drawing/2014/main" id="{CE0468DA-12DE-4CD3-B29F-E0F986371922}"/>
+                  </a:ext>
+                </a:extLst>
+              </p:cNvPr>
+              <p:cNvSpPr/>
+              <p:nvPr/>
+            </p:nvSpPr>
+            <p:spPr>
+              <a:xfrm>
+                <a:off x="5319745" y="2835120"/>
+                <a:ext cx="224189" cy="272126"/>
+              </a:xfrm>
+              <a:prstGeom prst="rect">
+                <a:avLst/>
+              </a:prstGeom>
+            </p:spPr>
+            <p:txBody>
+              <a:bodyPr wrap="square">
+                <a:spAutoFit/>
+              </a:bodyPr>
+              <a:lstStyle/>
+              <a:p>
+                <a:pPr algn="ctr"/>
+                <a14:m>
+                  <m:oMathPara xmlns:m="http://schemas.openxmlformats.org/officeDocument/2006/math">
+                    <m:oMathParaPr>
+                      <m:jc m:val="center"/>
+                    </m:oMathParaPr>
+                    <m:oMath xmlns:m="http://schemas.openxmlformats.org/officeDocument/2006/math">
+                      <m:sSubSup>
+                        <m:sSubSupPr>
+                          <m:ctrlPr>
+                            <a:rPr lang="fr-FR" sz="900" b="1" i="1" smtClean="0">
+                              <a:latin typeface="Cambria Math" panose="02040503050406030204" pitchFamily="18" charset="0"/>
+                            </a:rPr>
+                          </m:ctrlPr>
+                        </m:sSubSupPr>
+                        <m:e>
+                          <m:r>
+                            <a:rPr lang="fr-FR" sz="900" b="1" i="1" smtClean="0">
+                              <a:latin typeface="Cambria Math" panose="02040503050406030204" pitchFamily="18" charset="0"/>
+                            </a:rPr>
+                            <m:t>𝒘</m:t>
+                          </m:r>
+                        </m:e>
+                        <m:sub>
+                          <m:r>
+                            <a:rPr lang="fr-FR" sz="900" b="1" i="1" smtClean="0">
+                              <a:latin typeface="Cambria Math" panose="02040503050406030204" pitchFamily="18" charset="0"/>
+                            </a:rPr>
+                            <m:t>𝟎</m:t>
+                          </m:r>
+                          <m:r>
+                            <a:rPr lang="fr-FR" sz="900" b="1" i="1" smtClean="0">
+                              <a:solidFill>
+                                <a:srgbClr val="FF0000"/>
+                              </a:solidFill>
+                              <a:latin typeface="Cambria Math" panose="02040503050406030204" pitchFamily="18" charset="0"/>
+                            </a:rPr>
+                            <m:t>𝟏</m:t>
+                          </m:r>
+                        </m:sub>
+                        <m:sup>
+                          <m:r>
+                            <a:rPr lang="fr-FR" sz="900" b="1" i="1" smtClean="0">
+                              <a:latin typeface="Cambria Math" panose="02040503050406030204" pitchFamily="18" charset="0"/>
+                            </a:rPr>
+                            <m:t>[</m:t>
+                          </m:r>
+                          <m:r>
+                            <a:rPr lang="fr-FR" sz="900" b="1" i="1" smtClean="0">
+                              <a:latin typeface="Cambria Math" panose="02040503050406030204" pitchFamily="18" charset="0"/>
+                            </a:rPr>
+                            <m:t>𝟐</m:t>
+                          </m:r>
+                          <m:r>
+                            <a:rPr lang="fr-FR" sz="900" b="1" i="1" smtClean="0">
+                              <a:latin typeface="Cambria Math" panose="02040503050406030204" pitchFamily="18" charset="0"/>
+                            </a:rPr>
+                            <m:t>]</m:t>
+                          </m:r>
+                        </m:sup>
+                      </m:sSubSup>
+                    </m:oMath>
+                  </m:oMathPara>
+                </a14:m>
+                <a:endParaRPr lang="fr-FR" sz="900" b="1" dirty="0"/>
+              </a:p>
+            </p:txBody>
+          </p:sp>
+        </mc:Choice>
+        <mc:Fallback>
+          <p:sp>
+            <p:nvSpPr>
+              <p:cNvPr id="103" name="Rectangle 102">
+                <a:extLst>
+                  <a:ext uri="{FF2B5EF4-FFF2-40B4-BE49-F238E27FC236}">
+                    <a16:creationId xmlns:a16="http://schemas.microsoft.com/office/drawing/2014/main" id="{CE0468DA-12DE-4CD3-B29F-E0F986371922}"/>
+                  </a:ext>
+                </a:extLst>
+              </p:cNvPr>
+              <p:cNvSpPr>
+                <a:spLocks noRot="1" noChangeAspect="1" noMove="1" noResize="1" noEditPoints="1" noAdjustHandles="1" noChangeArrowheads="1" noChangeShapeType="1" noTextEdit="1"/>
+              </p:cNvSpPr>
+              <p:nvPr/>
+            </p:nvSpPr>
+            <p:spPr>
+              <a:xfrm>
+                <a:off x="5319745" y="2835120"/>
+                <a:ext cx="224189" cy="272126"/>
+              </a:xfrm>
+              <a:prstGeom prst="rect">
+                <a:avLst/>
+              </a:prstGeom>
+              <a:blipFill>
+                <a:blip r:embed="rId20"/>
+                <a:stretch>
+                  <a:fillRect l="-16667" r="-8333"/>
+                </a:stretch>
+              </a:blipFill>
+            </p:spPr>
+            <p:txBody>
+              <a:bodyPr/>
+              <a:lstStyle/>
+              <a:p>
+                <a:r>
+                  <a:rPr lang="fr-FR">
+                    <a:noFill/>
+                  </a:rPr>
+                  <a:t> </a:t>
+                </a:r>
+              </a:p>
+            </p:txBody>
+          </p:sp>
+        </mc:Fallback>
+      </mc:AlternateContent>
+    </p:spTree>
+    <p:extLst>
+      <p:ext uri="{BB962C8B-B14F-4D97-AF65-F5344CB8AC3E}">
+        <p14:creationId xmlns:p14="http://schemas.microsoft.com/office/powerpoint/2010/main" val="3880795253"/>
+      </p:ext>
+    </p:extLst>
+  </p:cSld>
+  <p:clrMapOvr>
+    <a:masterClrMapping/>
+  </p:clrMapOvr>
+</p:sld>
+</file>
+
+<file path=ppt/slides/slide9.xml><?xml version="1.0" encoding="utf-8"?>
 <p:sld xmlns:a="http://schemas.openxmlformats.org/drawingml/2006/main" xmlns:r="http://schemas.openxmlformats.org/officeDocument/2006/relationships" xmlns:p="http://schemas.openxmlformats.org/presentationml/2006/main">
   <p:cSld>
     <p:spTree>
@@ -42109,264 +46215,6 @@
 </p:sld>
 </file>
 
-<file path=ppt/slides/slide9.xml><?xml version="1.0" encoding="utf-8"?>
-<p:sld xmlns:a="http://schemas.openxmlformats.org/drawingml/2006/main" xmlns:r="http://schemas.openxmlformats.org/officeDocument/2006/relationships" xmlns:p="http://schemas.openxmlformats.org/presentationml/2006/main">
-  <p:cSld>
-    <p:spTree>
-      <p:nvGrpSpPr>
-        <p:cNvPr id="1" name=""/>
-        <p:cNvGrpSpPr/>
-        <p:nvPr/>
-      </p:nvGrpSpPr>
-      <p:grpSpPr>
-        <a:xfrm>
-          <a:off x="0" y="0"/>
-          <a:ext cx="0" cy="0"/>
-          <a:chOff x="0" y="0"/>
-          <a:chExt cx="0" cy="0"/>
-        </a:xfrm>
-      </p:grpSpPr>
-      <p:sp>
-        <p:nvSpPr>
-          <p:cNvPr id="4" name="Titre 3">
-            <a:extLst>
-              <a:ext uri="{FF2B5EF4-FFF2-40B4-BE49-F238E27FC236}">
-                <a16:creationId xmlns:a16="http://schemas.microsoft.com/office/drawing/2014/main" id="{8FF712B1-8737-428E-93F3-27669E56E535}"/>
-              </a:ext>
-            </a:extLst>
-          </p:cNvPr>
-          <p:cNvSpPr>
-            <a:spLocks noGrp="1"/>
-          </p:cNvSpPr>
-          <p:nvPr>
-            <p:ph type="title"/>
-          </p:nvPr>
-        </p:nvSpPr>
-        <p:spPr/>
-        <p:txBody>
-          <a:bodyPr/>
-          <a:lstStyle/>
-          <a:p>
-            <a:r>
-              <a:rPr lang="fr-FR" dirty="0"/>
-              <a:t>Mécanisme d’IA</a:t>
-            </a:r>
-            <a:br>
-              <a:rPr lang="fr-FR" dirty="0"/>
-            </a:br>
-            <a:endParaRPr lang="fr-FR" dirty="0"/>
-          </a:p>
-        </p:txBody>
-      </p:sp>
-      <p:sp>
-        <p:nvSpPr>
-          <p:cNvPr id="6" name="Rectangle 5">
-            <a:extLst>
-              <a:ext uri="{FF2B5EF4-FFF2-40B4-BE49-F238E27FC236}">
-                <a16:creationId xmlns:a16="http://schemas.microsoft.com/office/drawing/2014/main" id="{2BBC1617-C813-4602-8ABC-1F55D8512D5F}"/>
-              </a:ext>
-            </a:extLst>
-          </p:cNvPr>
-          <p:cNvSpPr/>
-          <p:nvPr/>
-        </p:nvSpPr>
-        <p:spPr>
-          <a:xfrm>
-            <a:off x="1041990" y="1977656"/>
-            <a:ext cx="1456661" cy="1451344"/>
-          </a:xfrm>
-          <a:prstGeom prst="rect">
-            <a:avLst/>
-          </a:prstGeom>
-          <a:solidFill>
-            <a:schemeClr val="accent6">
-              <a:lumMod val="20000"/>
-              <a:lumOff val="80000"/>
-            </a:schemeClr>
-          </a:solidFill>
-          <a:ln w="28575">
-            <a:solidFill>
-              <a:srgbClr val="00B050"/>
-            </a:solidFill>
-          </a:ln>
-        </p:spPr>
-        <p:style>
-          <a:lnRef idx="2">
-            <a:schemeClr val="accent1">
-              <a:shade val="50000"/>
-            </a:schemeClr>
-          </a:lnRef>
-          <a:fillRef idx="1">
-            <a:schemeClr val="accent1"/>
-          </a:fillRef>
-          <a:effectRef idx="0">
-            <a:schemeClr val="accent1"/>
-          </a:effectRef>
-          <a:fontRef idx="minor">
-            <a:schemeClr val="lt1"/>
-          </a:fontRef>
-        </p:style>
-        <p:txBody>
-          <a:bodyPr rtlCol="0" anchor="ctr"/>
-          <a:lstStyle/>
-          <a:p>
-            <a:pPr algn="ctr"/>
-            <a:r>
-              <a:rPr lang="fr-FR" dirty="0">
-                <a:solidFill>
-                  <a:sysClr val="windowText" lastClr="000000"/>
-                </a:solidFill>
-              </a:rPr>
-              <a:t>Données</a:t>
-            </a:r>
-          </a:p>
-        </p:txBody>
-      </p:sp>
-      <p:sp>
-        <p:nvSpPr>
-          <p:cNvPr id="7" name="Rectangle 6">
-            <a:extLst>
-              <a:ext uri="{FF2B5EF4-FFF2-40B4-BE49-F238E27FC236}">
-                <a16:creationId xmlns:a16="http://schemas.microsoft.com/office/drawing/2014/main" id="{3F0F66DC-6284-4570-AA38-6B1EE1E61054}"/>
-              </a:ext>
-            </a:extLst>
-          </p:cNvPr>
-          <p:cNvSpPr/>
-          <p:nvPr/>
-        </p:nvSpPr>
-        <p:spPr>
-          <a:xfrm>
-            <a:off x="3937590" y="1977656"/>
-            <a:ext cx="1456661" cy="1451344"/>
-          </a:xfrm>
-          <a:prstGeom prst="rect">
-            <a:avLst/>
-          </a:prstGeom>
-          <a:solidFill>
-            <a:schemeClr val="accent2">
-              <a:lumMod val="20000"/>
-              <a:lumOff val="80000"/>
-            </a:schemeClr>
-          </a:solidFill>
-          <a:ln w="28575">
-            <a:solidFill>
-              <a:schemeClr val="accent2">
-                <a:lumMod val="50000"/>
-              </a:schemeClr>
-            </a:solidFill>
-          </a:ln>
-        </p:spPr>
-        <p:style>
-          <a:lnRef idx="2">
-            <a:schemeClr val="accent1">
-              <a:shade val="50000"/>
-            </a:schemeClr>
-          </a:lnRef>
-          <a:fillRef idx="1">
-            <a:schemeClr val="accent1"/>
-          </a:fillRef>
-          <a:effectRef idx="0">
-            <a:schemeClr val="accent1"/>
-          </a:effectRef>
-          <a:fontRef idx="minor">
-            <a:schemeClr val="lt1"/>
-          </a:fontRef>
-        </p:style>
-        <p:txBody>
-          <a:bodyPr rtlCol="0" anchor="ctr"/>
-          <a:lstStyle/>
-          <a:p>
-            <a:pPr algn="ctr"/>
-            <a:r>
-              <a:rPr lang="fr-FR" dirty="0">
-                <a:solidFill>
-                  <a:sysClr val="windowText" lastClr="000000"/>
-                </a:solidFill>
-              </a:rPr>
-              <a:t>Un truc</a:t>
-            </a:r>
-          </a:p>
-        </p:txBody>
-      </p:sp>
-      <p:sp>
-        <p:nvSpPr>
-          <p:cNvPr id="8" name="Rectangle 7">
-            <a:extLst>
-              <a:ext uri="{FF2B5EF4-FFF2-40B4-BE49-F238E27FC236}">
-                <a16:creationId xmlns:a16="http://schemas.microsoft.com/office/drawing/2014/main" id="{E26924C5-46D6-4BEC-A919-810F5E75F12A}"/>
-              </a:ext>
-            </a:extLst>
-          </p:cNvPr>
-          <p:cNvSpPr/>
-          <p:nvPr/>
-        </p:nvSpPr>
-        <p:spPr>
-          <a:xfrm>
-            <a:off x="6833190" y="1977656"/>
-            <a:ext cx="1456661" cy="1451344"/>
-          </a:xfrm>
-          <a:prstGeom prst="rect">
-            <a:avLst/>
-          </a:prstGeom>
-          <a:solidFill>
-            <a:schemeClr val="accent5">
-              <a:lumMod val="20000"/>
-              <a:lumOff val="80000"/>
-            </a:schemeClr>
-          </a:solidFill>
-          <a:ln w="28575">
-            <a:solidFill>
-              <a:schemeClr val="accent5">
-                <a:lumMod val="75000"/>
-              </a:schemeClr>
-            </a:solidFill>
-          </a:ln>
-        </p:spPr>
-        <p:style>
-          <a:lnRef idx="2">
-            <a:schemeClr val="accent1">
-              <a:shade val="50000"/>
-            </a:schemeClr>
-          </a:lnRef>
-          <a:fillRef idx="1">
-            <a:schemeClr val="accent1"/>
-          </a:fillRef>
-          <a:effectRef idx="0">
-            <a:schemeClr val="accent1"/>
-          </a:effectRef>
-          <a:fontRef idx="minor">
-            <a:schemeClr val="lt1"/>
-          </a:fontRef>
-        </p:style>
-        <p:txBody>
-          <a:bodyPr rtlCol="0" anchor="ctr"/>
-          <a:lstStyle/>
-          <a:p>
-            <a:pPr algn="ctr"/>
-            <a:r>
-              <a:rPr lang="fr-FR" dirty="0">
-                <a:solidFill>
-                  <a:sysClr val="windowText" lastClr="000000"/>
-                </a:solidFill>
-              </a:rPr>
-              <a:t>Résultat</a:t>
-            </a:r>
-          </a:p>
-        </p:txBody>
-      </p:sp>
-    </p:spTree>
-    <p:extLst>
-      <p:ext uri="{BB962C8B-B14F-4D97-AF65-F5344CB8AC3E}">
-        <p14:creationId xmlns:p14="http://schemas.microsoft.com/office/powerpoint/2010/main" val="994271155"/>
-      </p:ext>
-    </p:extLst>
-  </p:cSld>
-  <p:clrMapOvr>
-    <a:masterClrMapping/>
-  </p:clrMapOvr>
-</p:sld>
-</file>
-
 <file path=ppt/theme/theme1.xml><?xml version="1.0" encoding="utf-8"?>
 <a:theme xmlns:a="http://schemas.openxmlformats.org/drawingml/2006/main" name="Thème Office">
   <a:themeElements>
